--- a/Comparative Analysis of MS2 and MS3 Approaches in.pptx
+++ b/Comparative Analysis of MS2 and MS3 Approaches in.pptx
@@ -4,22 +4,49 @@
   <p:sldMasterIdLst>
     <p:sldMasterId id="2147483696" r:id="rId1"/>
   </p:sldMasterIdLst>
+  <p:notesMasterIdLst>
+    <p:notesMasterId r:id="rId41"/>
+  </p:notesMasterIdLst>
   <p:sldIdLst>
     <p:sldId id="256" r:id="rId2"/>
-    <p:sldId id="257" r:id="rId3"/>
-    <p:sldId id="258" r:id="rId4"/>
-    <p:sldId id="259" r:id="rId5"/>
-    <p:sldId id="260" r:id="rId6"/>
-    <p:sldId id="261" r:id="rId7"/>
-    <p:sldId id="262" r:id="rId8"/>
-    <p:sldId id="263" r:id="rId9"/>
-    <p:sldId id="264" r:id="rId10"/>
-    <p:sldId id="265" r:id="rId11"/>
-    <p:sldId id="266" r:id="rId12"/>
-    <p:sldId id="267" r:id="rId13"/>
-    <p:sldId id="268" r:id="rId14"/>
-    <p:sldId id="269" r:id="rId15"/>
-    <p:sldId id="270" r:id="rId16"/>
+    <p:sldId id="258" r:id="rId3"/>
+    <p:sldId id="271" r:id="rId4"/>
+    <p:sldId id="272" r:id="rId5"/>
+    <p:sldId id="275" r:id="rId6"/>
+    <p:sldId id="276" r:id="rId7"/>
+    <p:sldId id="277" r:id="rId8"/>
+    <p:sldId id="273" r:id="rId9"/>
+    <p:sldId id="259" r:id="rId10"/>
+    <p:sldId id="279" r:id="rId11"/>
+    <p:sldId id="280" r:id="rId12"/>
+    <p:sldId id="281" r:id="rId13"/>
+    <p:sldId id="282" r:id="rId14"/>
+    <p:sldId id="283" r:id="rId15"/>
+    <p:sldId id="260" r:id="rId16"/>
+    <p:sldId id="284" r:id="rId17"/>
+    <p:sldId id="285" r:id="rId18"/>
+    <p:sldId id="261" r:id="rId19"/>
+    <p:sldId id="286" r:id="rId20"/>
+    <p:sldId id="287" r:id="rId21"/>
+    <p:sldId id="288" r:id="rId22"/>
+    <p:sldId id="289" r:id="rId23"/>
+    <p:sldId id="290" r:id="rId24"/>
+    <p:sldId id="262" r:id="rId25"/>
+    <p:sldId id="263" r:id="rId26"/>
+    <p:sldId id="292" r:id="rId27"/>
+    <p:sldId id="293" r:id="rId28"/>
+    <p:sldId id="294" r:id="rId29"/>
+    <p:sldId id="264" r:id="rId30"/>
+    <p:sldId id="266" r:id="rId31"/>
+    <p:sldId id="295" r:id="rId32"/>
+    <p:sldId id="296" r:id="rId33"/>
+    <p:sldId id="267" r:id="rId34"/>
+    <p:sldId id="268" r:id="rId35"/>
+    <p:sldId id="297" r:id="rId36"/>
+    <p:sldId id="298" r:id="rId37"/>
+    <p:sldId id="299" r:id="rId38"/>
+    <p:sldId id="269" r:id="rId39"/>
+    <p:sldId id="270" r:id="rId40"/>
   </p:sldIdLst>
   <p:sldSz cx="12192000" cy="6858000"/>
   <p:notesSz cx="6858000" cy="9144000"/>
@@ -118,7 +145,445 @@
       </a:defRPr>
     </a:lvl9pPr>
   </p:defaultTextStyle>
+  <p:extLst>
+    <p:ext uri="{EFAFB233-063F-42B5-8137-9DF3F51BA10A}">
+      <p15:sldGuideLst xmlns:p15="http://schemas.microsoft.com/office/powerpoint/2012/main"/>
+    </p:ext>
+  </p:extLst>
 </p:presentation>
+</file>
+
+<file path=ppt/notesMasters/notesMaster1.xml><?xml version="1.0" encoding="utf-8"?>
+<p:notesMaster xmlns:a="http://schemas.openxmlformats.org/drawingml/2006/main" xmlns:r="http://schemas.openxmlformats.org/officeDocument/2006/relationships" xmlns:p="http://schemas.openxmlformats.org/presentationml/2006/main">
+  <p:cSld>
+    <p:bg>
+      <p:bgRef idx="1001">
+        <a:schemeClr val="bg1"/>
+      </p:bgRef>
+    </p:bg>
+    <p:spTree>
+      <p:nvGrpSpPr>
+        <p:cNvPr id="1" name=""/>
+        <p:cNvGrpSpPr/>
+        <p:nvPr/>
+      </p:nvGrpSpPr>
+      <p:grpSpPr>
+        <a:xfrm>
+          <a:off x="0" y="0"/>
+          <a:ext cx="0" cy="0"/>
+          <a:chOff x="0" y="0"/>
+          <a:chExt cx="0" cy="0"/>
+        </a:xfrm>
+      </p:grpSpPr>
+      <p:sp>
+        <p:nvSpPr>
+          <p:cNvPr id="2" name="Header Placeholder 1"/>
+          <p:cNvSpPr>
+            <a:spLocks noGrp="1"/>
+          </p:cNvSpPr>
+          <p:nvPr>
+            <p:ph type="hdr" sz="quarter"/>
+          </p:nvPr>
+        </p:nvSpPr>
+        <p:spPr>
+          <a:xfrm>
+            <a:off x="0" y="0"/>
+            <a:ext cx="2971800" cy="458788"/>
+          </a:xfrm>
+          <a:prstGeom prst="rect">
+            <a:avLst/>
+          </a:prstGeom>
+        </p:spPr>
+        <p:txBody>
+          <a:bodyPr vert="horz" lIns="91440" tIns="45720" rIns="91440" bIns="45720" rtlCol="0"/>
+          <a:lstStyle>
+            <a:lvl1pPr algn="l">
+              <a:defRPr sz="1200"/>
+            </a:lvl1pPr>
+          </a:lstStyle>
+          <a:p>
+            <a:endParaRPr lang="en-US"/>
+          </a:p>
+        </p:txBody>
+      </p:sp>
+      <p:sp>
+        <p:nvSpPr>
+          <p:cNvPr id="3" name="Date Placeholder 2"/>
+          <p:cNvSpPr>
+            <a:spLocks noGrp="1"/>
+          </p:cNvSpPr>
+          <p:nvPr>
+            <p:ph type="dt" idx="1"/>
+          </p:nvPr>
+        </p:nvSpPr>
+        <p:spPr>
+          <a:xfrm>
+            <a:off x="3884613" y="0"/>
+            <a:ext cx="2971800" cy="458788"/>
+          </a:xfrm>
+          <a:prstGeom prst="rect">
+            <a:avLst/>
+          </a:prstGeom>
+        </p:spPr>
+        <p:txBody>
+          <a:bodyPr vert="horz" lIns="91440" tIns="45720" rIns="91440" bIns="45720" rtlCol="0"/>
+          <a:lstStyle>
+            <a:lvl1pPr algn="r">
+              <a:defRPr sz="1200"/>
+            </a:lvl1pPr>
+          </a:lstStyle>
+          <a:p>
+            <a:fld id="{02FEBE45-328B-481B-A435-8E4522100EF9}" type="datetimeFigureOut">
+              <a:rPr lang="en-US" smtClean="0"/>
+              <a:t>5/19/2024</a:t>
+            </a:fld>
+            <a:endParaRPr lang="en-US"/>
+          </a:p>
+        </p:txBody>
+      </p:sp>
+      <p:sp>
+        <p:nvSpPr>
+          <p:cNvPr id="4" name="Slide Image Placeholder 3"/>
+          <p:cNvSpPr>
+            <a:spLocks noGrp="1" noRot="1" noChangeAspect="1"/>
+          </p:cNvSpPr>
+          <p:nvPr>
+            <p:ph type="sldImg" idx="2"/>
+          </p:nvPr>
+        </p:nvSpPr>
+        <p:spPr>
+          <a:xfrm>
+            <a:off x="685800" y="1143000"/>
+            <a:ext cx="5486400" cy="3086100"/>
+          </a:xfrm>
+          <a:prstGeom prst="rect">
+            <a:avLst/>
+          </a:prstGeom>
+          <a:noFill/>
+          <a:ln w="12700">
+            <a:solidFill>
+              <a:prstClr val="black"/>
+            </a:solidFill>
+          </a:ln>
+        </p:spPr>
+        <p:txBody>
+          <a:bodyPr vert="horz" lIns="91440" tIns="45720" rIns="91440" bIns="45720" rtlCol="0" anchor="ctr"/>
+          <a:lstStyle/>
+          <a:p>
+            <a:endParaRPr lang="en-US"/>
+          </a:p>
+        </p:txBody>
+      </p:sp>
+      <p:sp>
+        <p:nvSpPr>
+          <p:cNvPr id="5" name="Notes Placeholder 4"/>
+          <p:cNvSpPr>
+            <a:spLocks noGrp="1"/>
+          </p:cNvSpPr>
+          <p:nvPr>
+            <p:ph type="body" sz="quarter" idx="3"/>
+          </p:nvPr>
+        </p:nvSpPr>
+        <p:spPr>
+          <a:xfrm>
+            <a:off x="685800" y="4400550"/>
+            <a:ext cx="5486400" cy="3600450"/>
+          </a:xfrm>
+          <a:prstGeom prst="rect">
+            <a:avLst/>
+          </a:prstGeom>
+        </p:spPr>
+        <p:txBody>
+          <a:bodyPr vert="horz" lIns="91440" tIns="45720" rIns="91440" bIns="45720" rtlCol="0"/>
+          <a:lstStyle/>
+          <a:p>
+            <a:pPr lvl="0"/>
+            <a:r>
+              <a:rPr lang="en-US"/>
+              <a:t>Click to edit Master text styles</a:t>
+            </a:r>
+          </a:p>
+          <a:p>
+            <a:pPr lvl="1"/>
+            <a:r>
+              <a:rPr lang="en-US"/>
+              <a:t>Second level</a:t>
+            </a:r>
+          </a:p>
+          <a:p>
+            <a:pPr lvl="2"/>
+            <a:r>
+              <a:rPr lang="en-US"/>
+              <a:t>Third level</a:t>
+            </a:r>
+          </a:p>
+          <a:p>
+            <a:pPr lvl="3"/>
+            <a:r>
+              <a:rPr lang="en-US"/>
+              <a:t>Fourth level</a:t>
+            </a:r>
+          </a:p>
+          <a:p>
+            <a:pPr lvl="4"/>
+            <a:r>
+              <a:rPr lang="en-US"/>
+              <a:t>Fifth level</a:t>
+            </a:r>
+          </a:p>
+        </p:txBody>
+      </p:sp>
+      <p:sp>
+        <p:nvSpPr>
+          <p:cNvPr id="6" name="Footer Placeholder 5"/>
+          <p:cNvSpPr>
+            <a:spLocks noGrp="1"/>
+          </p:cNvSpPr>
+          <p:nvPr>
+            <p:ph type="ftr" sz="quarter" idx="4"/>
+          </p:nvPr>
+        </p:nvSpPr>
+        <p:spPr>
+          <a:xfrm>
+            <a:off x="0" y="8685213"/>
+            <a:ext cx="2971800" cy="458787"/>
+          </a:xfrm>
+          <a:prstGeom prst="rect">
+            <a:avLst/>
+          </a:prstGeom>
+        </p:spPr>
+        <p:txBody>
+          <a:bodyPr vert="horz" lIns="91440" tIns="45720" rIns="91440" bIns="45720" rtlCol="0" anchor="b"/>
+          <a:lstStyle>
+            <a:lvl1pPr algn="l">
+              <a:defRPr sz="1200"/>
+            </a:lvl1pPr>
+          </a:lstStyle>
+          <a:p>
+            <a:endParaRPr lang="en-US"/>
+          </a:p>
+        </p:txBody>
+      </p:sp>
+      <p:sp>
+        <p:nvSpPr>
+          <p:cNvPr id="7" name="Slide Number Placeholder 6"/>
+          <p:cNvSpPr>
+            <a:spLocks noGrp="1"/>
+          </p:cNvSpPr>
+          <p:nvPr>
+            <p:ph type="sldNum" sz="quarter" idx="5"/>
+          </p:nvPr>
+        </p:nvSpPr>
+        <p:spPr>
+          <a:xfrm>
+            <a:off x="3884613" y="8685213"/>
+            <a:ext cx="2971800" cy="458787"/>
+          </a:xfrm>
+          <a:prstGeom prst="rect">
+            <a:avLst/>
+          </a:prstGeom>
+        </p:spPr>
+        <p:txBody>
+          <a:bodyPr vert="horz" lIns="91440" tIns="45720" rIns="91440" bIns="45720" rtlCol="0" anchor="b"/>
+          <a:lstStyle>
+            <a:lvl1pPr algn="r">
+              <a:defRPr sz="1200"/>
+            </a:lvl1pPr>
+          </a:lstStyle>
+          <a:p>
+            <a:fld id="{037C64F2-A493-4A56-8B56-31E01BE45269}" type="slidenum">
+              <a:rPr lang="en-US" smtClean="0"/>
+              <a:t>‹#›</a:t>
+            </a:fld>
+            <a:endParaRPr lang="en-US"/>
+          </a:p>
+        </p:txBody>
+      </p:sp>
+    </p:spTree>
+    <p:extLst>
+      <p:ext uri="{BB962C8B-B14F-4D97-AF65-F5344CB8AC3E}">
+        <p14:creationId xmlns:p14="http://schemas.microsoft.com/office/powerpoint/2010/main" val="1408187731"/>
+      </p:ext>
+    </p:extLst>
+  </p:cSld>
+  <p:clrMap bg1="lt1" tx1="dk1" bg2="lt2" tx2="dk2" accent1="accent1" accent2="accent2" accent3="accent3" accent4="accent4" accent5="accent5" accent6="accent6" hlink="hlink" folHlink="folHlink"/>
+  <p:notesStyle>
+    <a:lvl1pPr marL="0" algn="l" defTabSz="914400" rtl="0" eaLnBrk="1" latinLnBrk="0" hangingPunct="1">
+      <a:defRPr sz="1200" kern="1200">
+        <a:solidFill>
+          <a:schemeClr val="tx1"/>
+        </a:solidFill>
+        <a:latin typeface="+mn-lt"/>
+        <a:ea typeface="+mn-ea"/>
+        <a:cs typeface="+mn-cs"/>
+      </a:defRPr>
+    </a:lvl1pPr>
+    <a:lvl2pPr marL="457200" algn="l" defTabSz="914400" rtl="0" eaLnBrk="1" latinLnBrk="0" hangingPunct="1">
+      <a:defRPr sz="1200" kern="1200">
+        <a:solidFill>
+          <a:schemeClr val="tx1"/>
+        </a:solidFill>
+        <a:latin typeface="+mn-lt"/>
+        <a:ea typeface="+mn-ea"/>
+        <a:cs typeface="+mn-cs"/>
+      </a:defRPr>
+    </a:lvl2pPr>
+    <a:lvl3pPr marL="914400" algn="l" defTabSz="914400" rtl="0" eaLnBrk="1" latinLnBrk="0" hangingPunct="1">
+      <a:defRPr sz="1200" kern="1200">
+        <a:solidFill>
+          <a:schemeClr val="tx1"/>
+        </a:solidFill>
+        <a:latin typeface="+mn-lt"/>
+        <a:ea typeface="+mn-ea"/>
+        <a:cs typeface="+mn-cs"/>
+      </a:defRPr>
+    </a:lvl3pPr>
+    <a:lvl4pPr marL="1371600" algn="l" defTabSz="914400" rtl="0" eaLnBrk="1" latinLnBrk="0" hangingPunct="1">
+      <a:defRPr sz="1200" kern="1200">
+        <a:solidFill>
+          <a:schemeClr val="tx1"/>
+        </a:solidFill>
+        <a:latin typeface="+mn-lt"/>
+        <a:ea typeface="+mn-ea"/>
+        <a:cs typeface="+mn-cs"/>
+      </a:defRPr>
+    </a:lvl4pPr>
+    <a:lvl5pPr marL="1828800" algn="l" defTabSz="914400" rtl="0" eaLnBrk="1" latinLnBrk="0" hangingPunct="1">
+      <a:defRPr sz="1200" kern="1200">
+        <a:solidFill>
+          <a:schemeClr val="tx1"/>
+        </a:solidFill>
+        <a:latin typeface="+mn-lt"/>
+        <a:ea typeface="+mn-ea"/>
+        <a:cs typeface="+mn-cs"/>
+      </a:defRPr>
+    </a:lvl5pPr>
+    <a:lvl6pPr marL="2286000" algn="l" defTabSz="914400" rtl="0" eaLnBrk="1" latinLnBrk="0" hangingPunct="1">
+      <a:defRPr sz="1200" kern="1200">
+        <a:solidFill>
+          <a:schemeClr val="tx1"/>
+        </a:solidFill>
+        <a:latin typeface="+mn-lt"/>
+        <a:ea typeface="+mn-ea"/>
+        <a:cs typeface="+mn-cs"/>
+      </a:defRPr>
+    </a:lvl6pPr>
+    <a:lvl7pPr marL="2743200" algn="l" defTabSz="914400" rtl="0" eaLnBrk="1" latinLnBrk="0" hangingPunct="1">
+      <a:defRPr sz="1200" kern="1200">
+        <a:solidFill>
+          <a:schemeClr val="tx1"/>
+        </a:solidFill>
+        <a:latin typeface="+mn-lt"/>
+        <a:ea typeface="+mn-ea"/>
+        <a:cs typeface="+mn-cs"/>
+      </a:defRPr>
+    </a:lvl7pPr>
+    <a:lvl8pPr marL="3200400" algn="l" defTabSz="914400" rtl="0" eaLnBrk="1" latinLnBrk="0" hangingPunct="1">
+      <a:defRPr sz="1200" kern="1200">
+        <a:solidFill>
+          <a:schemeClr val="tx1"/>
+        </a:solidFill>
+        <a:latin typeface="+mn-lt"/>
+        <a:ea typeface="+mn-ea"/>
+        <a:cs typeface="+mn-cs"/>
+      </a:defRPr>
+    </a:lvl8pPr>
+    <a:lvl9pPr marL="3657600" algn="l" defTabSz="914400" rtl="0" eaLnBrk="1" latinLnBrk="0" hangingPunct="1">
+      <a:defRPr sz="1200" kern="1200">
+        <a:solidFill>
+          <a:schemeClr val="tx1"/>
+        </a:solidFill>
+        <a:latin typeface="+mn-lt"/>
+        <a:ea typeface="+mn-ea"/>
+        <a:cs typeface="+mn-cs"/>
+      </a:defRPr>
+    </a:lvl9pPr>
+  </p:notesStyle>
+</p:notesMaster>
+</file>
+
+<file path=ppt/notesSlides/notesSlide1.xml><?xml version="1.0" encoding="utf-8"?>
+<p:notes xmlns:a="http://schemas.openxmlformats.org/drawingml/2006/main" xmlns:r="http://schemas.openxmlformats.org/officeDocument/2006/relationships" xmlns:p="http://schemas.openxmlformats.org/presentationml/2006/main">
+  <p:cSld>
+    <p:spTree>
+      <p:nvGrpSpPr>
+        <p:cNvPr id="1" name=""/>
+        <p:cNvGrpSpPr/>
+        <p:nvPr/>
+      </p:nvGrpSpPr>
+      <p:grpSpPr>
+        <a:xfrm>
+          <a:off x="0" y="0"/>
+          <a:ext cx="0" cy="0"/>
+          <a:chOff x="0" y="0"/>
+          <a:chExt cx="0" cy="0"/>
+        </a:xfrm>
+      </p:grpSpPr>
+      <p:sp>
+        <p:nvSpPr>
+          <p:cNvPr id="2" name="Slide Image Placeholder 1"/>
+          <p:cNvSpPr>
+            <a:spLocks noGrp="1" noRot="1" noChangeAspect="1"/>
+          </p:cNvSpPr>
+          <p:nvPr>
+            <p:ph type="sldImg"/>
+          </p:nvPr>
+        </p:nvSpPr>
+        <p:spPr/>
+      </p:sp>
+      <p:sp>
+        <p:nvSpPr>
+          <p:cNvPr id="3" name="Notes Placeholder 2"/>
+          <p:cNvSpPr>
+            <a:spLocks noGrp="1"/>
+          </p:cNvSpPr>
+          <p:nvPr>
+            <p:ph type="body" idx="1"/>
+          </p:nvPr>
+        </p:nvSpPr>
+        <p:spPr/>
+        <p:txBody>
+          <a:bodyPr/>
+          <a:lstStyle/>
+          <a:p>
+            <a:endParaRPr lang="en-US" dirty="0"/>
+          </a:p>
+        </p:txBody>
+      </p:sp>
+      <p:sp>
+        <p:nvSpPr>
+          <p:cNvPr id="4" name="Slide Number Placeholder 3"/>
+          <p:cNvSpPr>
+            <a:spLocks noGrp="1"/>
+          </p:cNvSpPr>
+          <p:nvPr>
+            <p:ph type="sldNum" sz="quarter" idx="5"/>
+          </p:nvPr>
+        </p:nvSpPr>
+        <p:spPr/>
+        <p:txBody>
+          <a:bodyPr/>
+          <a:lstStyle/>
+          <a:p>
+            <a:fld id="{037C64F2-A493-4A56-8B56-31E01BE45269}" type="slidenum">
+              <a:rPr lang="en-US" smtClean="0"/>
+              <a:t>15</a:t>
+            </a:fld>
+            <a:endParaRPr lang="en-US"/>
+          </a:p>
+        </p:txBody>
+      </p:sp>
+    </p:spTree>
+    <p:extLst>
+      <p:ext uri="{BB962C8B-B14F-4D97-AF65-F5344CB8AC3E}">
+        <p14:creationId xmlns:p14="http://schemas.microsoft.com/office/powerpoint/2010/main" val="2120220596"/>
+      </p:ext>
+    </p:extLst>
+  </p:cSld>
+  <p:clrMapOvr>
+    <a:masterClrMapping/>
+  </p:clrMapOvr>
+</p:notes>
 </file>
 
 <file path=ppt/slideLayouts/slideLayout1.xml><?xml version="1.0" encoding="utf-8"?>
@@ -165,7 +630,7 @@
           </a:lstStyle>
           <a:p>
             <a:r>
-              <a:rPr lang="en-US" smtClean="0"/>
+              <a:rPr lang="en-US"/>
               <a:t>Click to edit Master title style</a:t>
             </a:r>
             <a:endParaRPr lang="en-US" dirty="0"/>
@@ -282,7 +747,7 @@
           </a:lstStyle>
           <a:p>
             <a:r>
-              <a:rPr lang="en-US" smtClean="0"/>
+              <a:rPr lang="en-US"/>
               <a:t>Click to edit Master subtitle style</a:t>
             </a:r>
             <a:endParaRPr lang="en-US" dirty="0"/>
@@ -441,7 +906,7 @@
           </a:lstStyle>
           <a:p>
             <a:r>
-              <a:rPr lang="en-US" smtClean="0"/>
+              <a:rPr lang="en-US"/>
               <a:t>Click to edit Master title style</a:t>
             </a:r>
             <a:endParaRPr lang="en-US" dirty="0"/>
@@ -515,7 +980,7 @@
           </a:lstStyle>
           <a:p>
             <a:r>
-              <a:rPr lang="en-US" smtClean="0"/>
+              <a:rPr lang="en-US"/>
               <a:t>Click icon to add picture</a:t>
             </a:r>
             <a:endParaRPr lang="en-US" dirty="0"/>
@@ -581,7 +1046,7 @@
           <a:p>
             <a:pPr lvl="0"/>
             <a:r>
-              <a:rPr lang="en-US" smtClean="0"/>
+              <a:rPr lang="en-US"/>
               <a:t>Edit Master text styles</a:t>
             </a:r>
           </a:p>
@@ -707,7 +1172,7 @@
           </a:lstStyle>
           <a:p>
             <a:r>
-              <a:rPr lang="en-US" smtClean="0"/>
+              <a:rPr lang="en-US"/>
               <a:t>Click to edit Master title style</a:t>
             </a:r>
             <a:endParaRPr lang="en-US" dirty="0"/>
@@ -773,7 +1238,7 @@
           <a:p>
             <a:pPr lvl="0"/>
             <a:r>
-              <a:rPr lang="en-US" smtClean="0"/>
+              <a:rPr lang="en-US"/>
               <a:t>Edit Master text styles</a:t>
             </a:r>
           </a:p>
@@ -899,7 +1364,7 @@
           </a:lstStyle>
           <a:p>
             <a:r>
-              <a:rPr lang="en-US" smtClean="0"/>
+              <a:rPr lang="en-US"/>
               <a:t>Click to edit Master title style</a:t>
             </a:r>
             <a:endParaRPr lang="en-US" dirty="0"/>
@@ -967,7 +1432,7 @@
           <a:p>
             <a:pPr lvl="0"/>
             <a:r>
-              <a:rPr lang="en-US" smtClean="0"/>
+              <a:rPr lang="en-US"/>
               <a:t>Edit Master text styles</a:t>
             </a:r>
           </a:p>
@@ -1034,7 +1499,7 @@
           <a:p>
             <a:pPr lvl="0"/>
             <a:r>
-              <a:rPr lang="en-US" smtClean="0"/>
+              <a:rPr lang="en-US"/>
               <a:t>Edit Master text styles</a:t>
             </a:r>
           </a:p>
@@ -1392,7 +1857,7 @@
           </a:lstStyle>
           <a:p>
             <a:r>
-              <a:rPr lang="en-US" smtClean="0"/>
+              <a:rPr lang="en-US"/>
               <a:t>Click to edit Master title style</a:t>
             </a:r>
             <a:endParaRPr lang="en-US" dirty="0"/>
@@ -1458,7 +1923,7 @@
           <a:p>
             <a:pPr lvl="0"/>
             <a:r>
-              <a:rPr lang="en-US" smtClean="0"/>
+              <a:rPr lang="en-US"/>
               <a:t>Edit Master text styles</a:t>
             </a:r>
           </a:p>
@@ -1580,7 +2045,7 @@
           <a:lstStyle/>
           <a:p>
             <a:r>
-              <a:rPr lang="en-US" smtClean="0"/>
+              <a:rPr lang="en-US"/>
               <a:t>Click to edit Master title style</a:t>
             </a:r>
             <a:endParaRPr lang="en-US" dirty="0"/>
@@ -1652,7 +2117,7 @@
           <a:p>
             <a:pPr lvl="0"/>
             <a:r>
-              <a:rPr lang="en-US" smtClean="0"/>
+              <a:rPr lang="en-US"/>
               <a:t>Edit Master text styles</a:t>
             </a:r>
           </a:p>
@@ -1719,7 +2184,7 @@
           <a:p>
             <a:pPr lvl="0"/>
             <a:r>
-              <a:rPr lang="en-US" smtClean="0"/>
+              <a:rPr lang="en-US"/>
               <a:t>Edit Master text styles</a:t>
             </a:r>
           </a:p>
@@ -1790,7 +2255,7 @@
           <a:p>
             <a:pPr lvl="0"/>
             <a:r>
-              <a:rPr lang="en-US" smtClean="0"/>
+              <a:rPr lang="en-US"/>
               <a:t>Edit Master text styles</a:t>
             </a:r>
           </a:p>
@@ -1857,7 +2322,7 @@
           <a:p>
             <a:pPr lvl="0"/>
             <a:r>
-              <a:rPr lang="en-US" smtClean="0"/>
+              <a:rPr lang="en-US"/>
               <a:t>Edit Master text styles</a:t>
             </a:r>
           </a:p>
@@ -1928,7 +2393,7 @@
           <a:p>
             <a:pPr lvl="0"/>
             <a:r>
-              <a:rPr lang="en-US" smtClean="0"/>
+              <a:rPr lang="en-US"/>
               <a:t>Edit Master text styles</a:t>
             </a:r>
           </a:p>
@@ -1995,7 +2460,7 @@
           <a:p>
             <a:pPr lvl="0"/>
             <a:r>
-              <a:rPr lang="en-US" smtClean="0"/>
+              <a:rPr lang="en-US"/>
               <a:t>Edit Master text styles</a:t>
             </a:r>
           </a:p>
@@ -2207,7 +2672,7 @@
           <a:lstStyle/>
           <a:p>
             <a:r>
-              <a:rPr lang="en-US" smtClean="0"/>
+              <a:rPr lang="en-US"/>
               <a:t>Click to edit Master title style</a:t>
             </a:r>
             <a:endParaRPr lang="en-US" dirty="0"/>
@@ -2279,7 +2744,7 @@
           <a:p>
             <a:pPr lvl="0"/>
             <a:r>
-              <a:rPr lang="en-US" smtClean="0"/>
+              <a:rPr lang="en-US"/>
               <a:t>Edit Master text styles</a:t>
             </a:r>
           </a:p>
@@ -2357,7 +2822,7 @@
           </a:lstStyle>
           <a:p>
             <a:r>
-              <a:rPr lang="en-US" smtClean="0"/>
+              <a:rPr lang="en-US"/>
               <a:t>Click icon to add picture</a:t>
             </a:r>
             <a:endParaRPr lang="en-US" dirty="0"/>
@@ -2425,7 +2890,7 @@
           <a:p>
             <a:pPr lvl="0"/>
             <a:r>
-              <a:rPr lang="en-US" smtClean="0"/>
+              <a:rPr lang="en-US"/>
               <a:t>Edit Master text styles</a:t>
             </a:r>
           </a:p>
@@ -2496,7 +2961,7 @@
           <a:p>
             <a:pPr lvl="0"/>
             <a:r>
-              <a:rPr lang="en-US" smtClean="0"/>
+              <a:rPr lang="en-US"/>
               <a:t>Edit Master text styles</a:t>
             </a:r>
           </a:p>
@@ -2574,7 +3039,7 @@
           </a:lstStyle>
           <a:p>
             <a:r>
-              <a:rPr lang="en-US" smtClean="0"/>
+              <a:rPr lang="en-US"/>
               <a:t>Click icon to add picture</a:t>
             </a:r>
             <a:endParaRPr lang="en-US" dirty="0"/>
@@ -2642,7 +3107,7 @@
           <a:p>
             <a:pPr lvl="0"/>
             <a:r>
-              <a:rPr lang="en-US" smtClean="0"/>
+              <a:rPr lang="en-US"/>
               <a:t>Edit Master text styles</a:t>
             </a:r>
           </a:p>
@@ -2713,7 +3178,7 @@
           <a:p>
             <a:pPr lvl="0"/>
             <a:r>
-              <a:rPr lang="en-US" smtClean="0"/>
+              <a:rPr lang="en-US"/>
               <a:t>Edit Master text styles</a:t>
             </a:r>
           </a:p>
@@ -2791,7 +3256,7 @@
           </a:lstStyle>
           <a:p>
             <a:r>
-              <a:rPr lang="en-US" smtClean="0"/>
+              <a:rPr lang="en-US"/>
               <a:t>Click icon to add picture</a:t>
             </a:r>
             <a:endParaRPr lang="en-US" dirty="0"/>
@@ -2859,7 +3324,7 @@
           <a:p>
             <a:pPr lvl="0"/>
             <a:r>
-              <a:rPr lang="en-US" smtClean="0"/>
+              <a:rPr lang="en-US"/>
               <a:t>Edit Master text styles</a:t>
             </a:r>
           </a:p>
@@ -2976,7 +3441,7 @@
           <a:lstStyle/>
           <a:p>
             <a:r>
-              <a:rPr lang="en-US" smtClean="0"/>
+              <a:rPr lang="en-US"/>
               <a:t>Click to edit Master title style</a:t>
             </a:r>
             <a:endParaRPr lang="en-US" dirty="0"/>
@@ -3000,35 +3465,35 @@
           <a:p>
             <a:pPr lvl="0"/>
             <a:r>
-              <a:rPr lang="en-US" smtClean="0"/>
+              <a:rPr lang="en-US"/>
               <a:t>Edit Master text styles</a:t>
             </a:r>
           </a:p>
           <a:p>
             <a:pPr lvl="1"/>
             <a:r>
-              <a:rPr lang="en-US" smtClean="0"/>
+              <a:rPr lang="en-US"/>
               <a:t>Second level</a:t>
             </a:r>
           </a:p>
           <a:p>
             <a:pPr lvl="2"/>
             <a:r>
-              <a:rPr lang="en-US" smtClean="0"/>
+              <a:rPr lang="en-US"/>
               <a:t>Third level</a:t>
             </a:r>
           </a:p>
           <a:p>
             <a:pPr lvl="3"/>
             <a:r>
-              <a:rPr lang="en-US" smtClean="0"/>
+              <a:rPr lang="en-US"/>
               <a:t>Fourth level</a:t>
             </a:r>
           </a:p>
           <a:p>
             <a:pPr lvl="4"/>
             <a:r>
-              <a:rPr lang="en-US" smtClean="0"/>
+              <a:rPr lang="en-US"/>
               <a:t>Fifth level</a:t>
             </a:r>
             <a:endParaRPr lang="en-US" dirty="0"/>
@@ -3155,7 +3620,7 @@
           </a:lstStyle>
           <a:p>
             <a:r>
-              <a:rPr lang="en-US" smtClean="0"/>
+              <a:rPr lang="en-US"/>
               <a:t>Click to edit Master title style</a:t>
             </a:r>
             <a:endParaRPr lang="en-US" dirty="0"/>
@@ -3184,35 +3649,35 @@
           <a:p>
             <a:pPr lvl="0"/>
             <a:r>
-              <a:rPr lang="en-US" smtClean="0"/>
+              <a:rPr lang="en-US"/>
               <a:t>Edit Master text styles</a:t>
             </a:r>
           </a:p>
           <a:p>
             <a:pPr lvl="1"/>
             <a:r>
-              <a:rPr lang="en-US" smtClean="0"/>
+              <a:rPr lang="en-US"/>
               <a:t>Second level</a:t>
             </a:r>
           </a:p>
           <a:p>
             <a:pPr lvl="2"/>
             <a:r>
-              <a:rPr lang="en-US" smtClean="0"/>
+              <a:rPr lang="en-US"/>
               <a:t>Third level</a:t>
             </a:r>
           </a:p>
           <a:p>
             <a:pPr lvl="3"/>
             <a:r>
-              <a:rPr lang="en-US" smtClean="0"/>
+              <a:rPr lang="en-US"/>
               <a:t>Fourth level</a:t>
             </a:r>
           </a:p>
           <a:p>
             <a:pPr lvl="4"/>
             <a:r>
-              <a:rPr lang="en-US" smtClean="0"/>
+              <a:rPr lang="en-US"/>
               <a:t>Fifth level</a:t>
             </a:r>
             <a:endParaRPr lang="en-US" dirty="0"/>
@@ -3330,7 +3795,7 @@
           <a:lstStyle/>
           <a:p>
             <a:r>
-              <a:rPr lang="en-US" smtClean="0"/>
+              <a:rPr lang="en-US"/>
               <a:t>Click to edit Master title style</a:t>
             </a:r>
             <a:endParaRPr lang="en-US" dirty="0"/>
@@ -3354,35 +3819,35 @@
           <a:p>
             <a:pPr lvl="0"/>
             <a:r>
-              <a:rPr lang="en-US" smtClean="0"/>
+              <a:rPr lang="en-US"/>
               <a:t>Edit Master text styles</a:t>
             </a:r>
           </a:p>
           <a:p>
             <a:pPr lvl="1"/>
             <a:r>
-              <a:rPr lang="en-US" smtClean="0"/>
+              <a:rPr lang="en-US"/>
               <a:t>Second level</a:t>
             </a:r>
           </a:p>
           <a:p>
             <a:pPr lvl="2"/>
             <a:r>
-              <a:rPr lang="en-US" smtClean="0"/>
+              <a:rPr lang="en-US"/>
               <a:t>Third level</a:t>
             </a:r>
           </a:p>
           <a:p>
             <a:pPr lvl="3"/>
             <a:r>
-              <a:rPr lang="en-US" smtClean="0"/>
+              <a:rPr lang="en-US"/>
               <a:t>Fourth level</a:t>
             </a:r>
           </a:p>
           <a:p>
             <a:pPr lvl="4"/>
             <a:r>
-              <a:rPr lang="en-US" smtClean="0"/>
+              <a:rPr lang="en-US"/>
               <a:t>Fifth level</a:t>
             </a:r>
             <a:endParaRPr lang="en-US" dirty="0"/>
@@ -3509,7 +3974,7 @@
           </a:lstStyle>
           <a:p>
             <a:r>
-              <a:rPr lang="en-US" smtClean="0"/>
+              <a:rPr lang="en-US"/>
               <a:t>Click to edit Master title style</a:t>
             </a:r>
             <a:endParaRPr lang="en-US" dirty="0"/>
@@ -3627,7 +4092,7 @@
           <a:p>
             <a:pPr lvl="0"/>
             <a:r>
-              <a:rPr lang="en-US" smtClean="0"/>
+              <a:rPr lang="en-US"/>
               <a:t>Edit Master text styles</a:t>
             </a:r>
           </a:p>
@@ -3744,7 +4209,7 @@
           <a:lstStyle/>
           <a:p>
             <a:r>
-              <a:rPr lang="en-US" smtClean="0"/>
+              <a:rPr lang="en-US"/>
               <a:t>Click to edit Master title style</a:t>
             </a:r>
             <a:endParaRPr lang="en-US" dirty="0"/>
@@ -3775,35 +4240,35 @@
           <a:p>
             <a:pPr lvl="0"/>
             <a:r>
-              <a:rPr lang="en-US" smtClean="0"/>
+              <a:rPr lang="en-US"/>
               <a:t>Edit Master text styles</a:t>
             </a:r>
           </a:p>
           <a:p>
             <a:pPr lvl="1"/>
             <a:r>
-              <a:rPr lang="en-US" smtClean="0"/>
+              <a:rPr lang="en-US"/>
               <a:t>Second level</a:t>
             </a:r>
           </a:p>
           <a:p>
             <a:pPr lvl="2"/>
             <a:r>
-              <a:rPr lang="en-US" smtClean="0"/>
+              <a:rPr lang="en-US"/>
               <a:t>Third level</a:t>
             </a:r>
           </a:p>
           <a:p>
             <a:pPr lvl="3"/>
             <a:r>
-              <a:rPr lang="en-US" smtClean="0"/>
+              <a:rPr lang="en-US"/>
               <a:t>Fourth level</a:t>
             </a:r>
           </a:p>
           <a:p>
             <a:pPr lvl="4"/>
             <a:r>
-              <a:rPr lang="en-US" smtClean="0"/>
+              <a:rPr lang="en-US"/>
               <a:t>Fifth level</a:t>
             </a:r>
             <a:endParaRPr lang="en-US" dirty="0"/>
@@ -3834,35 +4299,35 @@
           <a:p>
             <a:pPr lvl="0"/>
             <a:r>
-              <a:rPr lang="en-US" smtClean="0"/>
+              <a:rPr lang="en-US"/>
               <a:t>Edit Master text styles</a:t>
             </a:r>
           </a:p>
           <a:p>
             <a:pPr lvl="1"/>
             <a:r>
-              <a:rPr lang="en-US" smtClean="0"/>
+              <a:rPr lang="en-US"/>
               <a:t>Second level</a:t>
             </a:r>
           </a:p>
           <a:p>
             <a:pPr lvl="2"/>
             <a:r>
-              <a:rPr lang="en-US" smtClean="0"/>
+              <a:rPr lang="en-US"/>
               <a:t>Third level</a:t>
             </a:r>
           </a:p>
           <a:p>
             <a:pPr lvl="3"/>
             <a:r>
-              <a:rPr lang="en-US" smtClean="0"/>
+              <a:rPr lang="en-US"/>
               <a:t>Fourth level</a:t>
             </a:r>
           </a:p>
           <a:p>
             <a:pPr lvl="4"/>
             <a:r>
-              <a:rPr lang="en-US" smtClean="0"/>
+              <a:rPr lang="en-US"/>
               <a:t>Fifth level</a:t>
             </a:r>
             <a:endParaRPr lang="en-US" dirty="0"/>
@@ -4044,7 +4509,7 @@
           </a:lstStyle>
           <a:p>
             <a:r>
-              <a:rPr lang="en-US" smtClean="0"/>
+              <a:rPr lang="en-US"/>
               <a:t>Click to edit Master title style</a:t>
             </a:r>
             <a:endParaRPr lang="en-US" dirty="0"/>
@@ -4112,7 +4577,7 @@
           <a:p>
             <a:pPr lvl="0"/>
             <a:r>
-              <a:rPr lang="en-US" smtClean="0"/>
+              <a:rPr lang="en-US"/>
               <a:t>Edit Master text styles</a:t>
             </a:r>
           </a:p>
@@ -4158,35 +4623,35 @@
           <a:p>
             <a:pPr lvl="0"/>
             <a:r>
-              <a:rPr lang="en-US" smtClean="0"/>
+              <a:rPr lang="en-US"/>
               <a:t>Edit Master text styles</a:t>
             </a:r>
           </a:p>
           <a:p>
             <a:pPr lvl="1"/>
             <a:r>
-              <a:rPr lang="en-US" smtClean="0"/>
+              <a:rPr lang="en-US"/>
               <a:t>Second level</a:t>
             </a:r>
           </a:p>
           <a:p>
             <a:pPr lvl="2"/>
             <a:r>
-              <a:rPr lang="en-US" smtClean="0"/>
+              <a:rPr lang="en-US"/>
               <a:t>Third level</a:t>
             </a:r>
           </a:p>
           <a:p>
             <a:pPr lvl="3"/>
             <a:r>
-              <a:rPr lang="en-US" smtClean="0"/>
+              <a:rPr lang="en-US"/>
               <a:t>Fourth level</a:t>
             </a:r>
           </a:p>
           <a:p>
             <a:pPr lvl="4"/>
             <a:r>
-              <a:rPr lang="en-US" smtClean="0"/>
+              <a:rPr lang="en-US"/>
               <a:t>Fifth level</a:t>
             </a:r>
             <a:endParaRPr lang="en-US" dirty="0"/>
@@ -4254,7 +4719,7 @@
           <a:p>
             <a:pPr lvl="0"/>
             <a:r>
-              <a:rPr lang="en-US" smtClean="0"/>
+              <a:rPr lang="en-US"/>
               <a:t>Edit Master text styles</a:t>
             </a:r>
           </a:p>
@@ -4300,35 +4765,35 @@
           <a:p>
             <a:pPr lvl="0"/>
             <a:r>
-              <a:rPr lang="en-US" smtClean="0"/>
+              <a:rPr lang="en-US"/>
               <a:t>Edit Master text styles</a:t>
             </a:r>
           </a:p>
           <a:p>
             <a:pPr lvl="1"/>
             <a:r>
-              <a:rPr lang="en-US" smtClean="0"/>
+              <a:rPr lang="en-US"/>
               <a:t>Second level</a:t>
             </a:r>
           </a:p>
           <a:p>
             <a:pPr lvl="2"/>
             <a:r>
-              <a:rPr lang="en-US" smtClean="0"/>
+              <a:rPr lang="en-US"/>
               <a:t>Third level</a:t>
             </a:r>
           </a:p>
           <a:p>
             <a:pPr lvl="3"/>
             <a:r>
-              <a:rPr lang="en-US" smtClean="0"/>
+              <a:rPr lang="en-US"/>
               <a:t>Fourth level</a:t>
             </a:r>
           </a:p>
           <a:p>
             <a:pPr lvl="4"/>
             <a:r>
-              <a:rPr lang="en-US" smtClean="0"/>
+              <a:rPr lang="en-US"/>
               <a:t>Fifth level</a:t>
             </a:r>
             <a:endParaRPr lang="en-US" dirty="0"/>
@@ -4446,7 +4911,7 @@
           <a:lstStyle/>
           <a:p>
             <a:r>
-              <a:rPr lang="en-US" smtClean="0"/>
+              <a:rPr lang="en-US"/>
               <a:t>Click to edit Master title style</a:t>
             </a:r>
             <a:endParaRPr lang="en-US" dirty="0"/>
@@ -4670,7 +5135,7 @@
           </a:lstStyle>
           <a:p>
             <a:r>
-              <a:rPr lang="en-US" smtClean="0"/>
+              <a:rPr lang="en-US"/>
               <a:t>Click to edit Master title style</a:t>
             </a:r>
             <a:endParaRPr lang="en-US" dirty="0"/>
@@ -4701,35 +5166,35 @@
           <a:p>
             <a:pPr lvl="0"/>
             <a:r>
-              <a:rPr lang="en-US" smtClean="0"/>
+              <a:rPr lang="en-US"/>
               <a:t>Edit Master text styles</a:t>
             </a:r>
           </a:p>
           <a:p>
             <a:pPr lvl="1"/>
             <a:r>
-              <a:rPr lang="en-US" smtClean="0"/>
+              <a:rPr lang="en-US"/>
               <a:t>Second level</a:t>
             </a:r>
           </a:p>
           <a:p>
             <a:pPr lvl="2"/>
             <a:r>
-              <a:rPr lang="en-US" smtClean="0"/>
+              <a:rPr lang="en-US"/>
               <a:t>Third level</a:t>
             </a:r>
           </a:p>
           <a:p>
             <a:pPr lvl="3"/>
             <a:r>
-              <a:rPr lang="en-US" smtClean="0"/>
+              <a:rPr lang="en-US"/>
               <a:t>Fourth level</a:t>
             </a:r>
           </a:p>
           <a:p>
             <a:pPr lvl="4"/>
             <a:r>
-              <a:rPr lang="en-US" smtClean="0"/>
+              <a:rPr lang="en-US"/>
               <a:t>Fifth level</a:t>
             </a:r>
             <a:endParaRPr lang="en-US" dirty="0"/>
@@ -4797,7 +5262,7 @@
           <a:p>
             <a:pPr lvl="0"/>
             <a:r>
-              <a:rPr lang="en-US" smtClean="0"/>
+              <a:rPr lang="en-US"/>
               <a:t>Edit Master text styles</a:t>
             </a:r>
           </a:p>
@@ -4955,7 +5420,7 @@
           </a:lstStyle>
           <a:p>
             <a:r>
-              <a:rPr lang="en-US" smtClean="0"/>
+              <a:rPr lang="en-US"/>
               <a:t>Click to edit Master title style</a:t>
             </a:r>
             <a:endParaRPr lang="en-US" dirty="0"/>
@@ -5029,7 +5494,7 @@
           </a:lstStyle>
           <a:p>
             <a:r>
-              <a:rPr lang="en-US" smtClean="0"/>
+              <a:rPr lang="en-US"/>
               <a:t>Click icon to add picture</a:t>
             </a:r>
             <a:endParaRPr lang="en-US" dirty="0"/>
@@ -5097,7 +5562,7 @@
           <a:p>
             <a:pPr lvl="0"/>
             <a:r>
-              <a:rPr lang="en-US" smtClean="0"/>
+              <a:rPr lang="en-US"/>
               <a:t>Edit Master text styles</a:t>
             </a:r>
           </a:p>
@@ -5236,7 +5701,7 @@
           <a:lstStyle/>
           <a:p>
             <a:r>
-              <a:rPr lang="en-US" smtClean="0"/>
+              <a:rPr lang="en-US"/>
               <a:t>Click to edit Master title style</a:t>
             </a:r>
             <a:endParaRPr lang="en-US" dirty="0"/>
@@ -5277,35 +5742,35 @@
           <a:p>
             <a:pPr lvl="0"/>
             <a:r>
-              <a:rPr lang="en-US" smtClean="0"/>
+              <a:rPr lang="en-US"/>
               <a:t>Edit Master text styles</a:t>
             </a:r>
           </a:p>
           <a:p>
             <a:pPr lvl="1"/>
             <a:r>
-              <a:rPr lang="en-US" smtClean="0"/>
+              <a:rPr lang="en-US"/>
               <a:t>Second level</a:t>
             </a:r>
           </a:p>
           <a:p>
             <a:pPr lvl="2"/>
             <a:r>
-              <a:rPr lang="en-US" smtClean="0"/>
+              <a:rPr lang="en-US"/>
               <a:t>Third level</a:t>
             </a:r>
           </a:p>
           <a:p>
             <a:pPr lvl="3"/>
             <a:r>
-              <a:rPr lang="en-US" smtClean="0"/>
+              <a:rPr lang="en-US"/>
               <a:t>Fourth level</a:t>
             </a:r>
           </a:p>
           <a:p>
             <a:pPr lvl="4"/>
             <a:r>
-              <a:rPr lang="en-US" smtClean="0"/>
+              <a:rPr lang="en-US"/>
               <a:t>Fifth level</a:t>
             </a:r>
             <a:endParaRPr lang="en-US" dirty="0"/>
@@ -6046,10 +6511,9 @@
           <a:lstStyle/>
           <a:p>
             <a:r>
-              <a:rPr lang="en-US" smtClean="0"/>
+              <a:rPr lang="en-US"/>
               <a:t>Comparative Analysis of MS2 and MS3 Approaches in Large Language Models (LLMs)</a:t>
             </a:r>
-            <a:endParaRPr lang="en-US"/>
           </a:p>
         </p:txBody>
       </p:sp>
@@ -6066,30 +6530,35 @@
         <p:spPr/>
         <p:txBody>
           <a:bodyPr>
-            <a:normAutofit fontScale="55000" lnSpcReduction="20000"/>
+            <a:noAutofit/>
           </a:bodyPr>
           <a:lstStyle/>
           <a:p>
-            <a:endParaRPr lang="en-US" smtClean="0"/>
-          </a:p>
-          <a:p>
-            <a:r>
-              <a:rPr lang="en-US" smtClean="0"/>
+            <a:endParaRPr lang="en-US" sz="1800" dirty="0"/>
+          </a:p>
+          <a:p>
+            <a:r>
+              <a:rPr lang="en-US" sz="1800" dirty="0"/>
               <a:t>Implementation, Evaluation, and Discussion</a:t>
             </a:r>
           </a:p>
           <a:p>
             <a:r>
-              <a:rPr lang="en-US" smtClean="0"/>
-              <a:t>Your Name</a:t>
-            </a:r>
-          </a:p>
-          <a:p>
-            <a:r>
-              <a:rPr lang="en-US" smtClean="0"/>
+              <a:rPr lang="en-US" sz="1800" dirty="0"/>
+              <a:t>Ahmed Wael</a:t>
+            </a:r>
+          </a:p>
+          <a:p>
+            <a:r>
+              <a:rPr lang="en-US" sz="1800" dirty="0"/>
+              <a:t>Omar Mamdouh </a:t>
+            </a:r>
+          </a:p>
+          <a:p>
+            <a:r>
+              <a:rPr lang="en-US" sz="1800" dirty="0"/>
               <a:t>5/19/2024</a:t>
             </a:r>
-            <a:endParaRPr lang="en-US"/>
           </a:p>
         </p:txBody>
       </p:sp>
@@ -6125,12 +6594,18 @@
       </p:grpSpPr>
       <p:sp>
         <p:nvSpPr>
-          <p:cNvPr id="2" name="Title 1"/>
-          <p:cNvSpPr>
-            <a:spLocks noGrp="1"/>
-          </p:cNvSpPr>
-          <p:nvPr>
-            <p:ph type="ctrTitle"/>
+          <p:cNvPr id="2" name="Title 1">
+            <a:extLst>
+              <a:ext uri="{FF2B5EF4-FFF2-40B4-BE49-F238E27FC236}">
+                <a16:creationId xmlns:a16="http://schemas.microsoft.com/office/drawing/2014/main" id="{49893155-60E5-44FC-BC3B-2FC2E79E7812}"/>
+              </a:ext>
+            </a:extLst>
+          </p:cNvPr>
+          <p:cNvSpPr>
+            <a:spLocks noGrp="1"/>
+          </p:cNvSpPr>
+          <p:nvPr>
+            <p:ph type="title"/>
           </p:nvPr>
         </p:nvSpPr>
         <p:spPr/>
@@ -6138,52 +6613,223 @@
           <a:bodyPr/>
           <a:lstStyle/>
           <a:p>
-            <a:r>
-              <a:rPr lang="en-US" smtClean="0"/>
-              <a:t>Complexity and Interpretability</a:t>
-            </a:r>
-            <a:endParaRPr lang="en-US"/>
-          </a:p>
-        </p:txBody>
-      </p:sp>
-      <p:sp>
-        <p:nvSpPr>
-          <p:cNvPr id="3" name="Subtitle 2"/>
-          <p:cNvSpPr>
-            <a:spLocks noGrp="1"/>
-          </p:cNvSpPr>
-          <p:nvPr>
-            <p:ph type="subTitle" idx="1"/>
-          </p:nvPr>
-        </p:nvSpPr>
-        <p:spPr/>
+            <a:pPr algn="l"/>
+            <a:r>
+              <a:rPr lang="en-US" dirty="0"/>
+              <a:t>LLM Preprocessing Techniques</a:t>
+            </a:r>
+          </a:p>
+        </p:txBody>
+      </p:sp>
+      <p:sp>
+        <p:nvSpPr>
+          <p:cNvPr id="3" name="Content Placeholder 2">
+            <a:extLst>
+              <a:ext uri="{FF2B5EF4-FFF2-40B4-BE49-F238E27FC236}">
+                <a16:creationId xmlns:a16="http://schemas.microsoft.com/office/drawing/2014/main" id="{9CC95F8A-9639-4A65-8CB1-EC805B01CEC1}"/>
+              </a:ext>
+            </a:extLst>
+          </p:cNvPr>
+          <p:cNvSpPr>
+            <a:spLocks noGrp="1"/>
+          </p:cNvSpPr>
+          <p:nvPr>
+            <p:ph idx="1"/>
+          </p:nvPr>
+        </p:nvSpPr>
+        <p:spPr>
+          <a:xfrm>
+            <a:off x="913795" y="1732449"/>
+            <a:ext cx="10353762" cy="4794960"/>
+          </a:xfrm>
+        </p:spPr>
         <p:txBody>
           <a:bodyPr>
-            <a:normAutofit fontScale="85000" lnSpcReduction="10000"/>
+            <a:normAutofit lnSpcReduction="10000"/>
           </a:bodyPr>
           <a:lstStyle/>
           <a:p>
-            <a:endParaRPr lang="en-US" smtClean="0"/>
-          </a:p>
-          <a:p>
-            <a:r>
-              <a:rPr lang="en-US" smtClean="0"/>
-              <a:t>MS2: Less complex, easier to interpret</a:t>
-            </a:r>
-          </a:p>
-          <a:p>
-            <a:r>
-              <a:rPr lang="en-US" smtClean="0"/>
-              <a:t>MS3: More complex, harder to interpret</a:t>
-            </a:r>
-            <a:endParaRPr lang="en-US"/>
+            <a:r>
+              <a:rPr lang="en-US" dirty="0"/>
+              <a:t>Tokenization:</a:t>
+            </a:r>
+          </a:p>
+          <a:p>
+            <a:pPr marL="36900" indent="0">
+              <a:buNone/>
+            </a:pPr>
+            <a:r>
+              <a:rPr lang="en-US" dirty="0"/>
+              <a:t>            - </a:t>
+            </a:r>
+            <a:r>
+              <a:rPr lang="en-US" b="1" dirty="0"/>
+              <a:t>Description: </a:t>
+            </a:r>
+            <a:r>
+              <a:rPr lang="en-US" dirty="0"/>
+              <a:t>Splitting text into tokens (words or </a:t>
+            </a:r>
+            <a:r>
+              <a:rPr lang="en-US" dirty="0" err="1"/>
+              <a:t>subwords</a:t>
+            </a:r>
+            <a:r>
+              <a:rPr lang="en-US" dirty="0"/>
+              <a:t>) for model input.</a:t>
+            </a:r>
+          </a:p>
+          <a:p>
+            <a:pPr marL="36900" indent="0">
+              <a:buNone/>
+            </a:pPr>
+            <a:r>
+              <a:rPr lang="en-US" dirty="0"/>
+              <a:t>            - </a:t>
+            </a:r>
+            <a:r>
+              <a:rPr lang="en-US" b="1" dirty="0"/>
+              <a:t>Example: </a:t>
+            </a:r>
+            <a:r>
+              <a:rPr lang="en-US" dirty="0"/>
+              <a:t>"My iPhone keeps restarting" -&gt; ["My", "</a:t>
+            </a:r>
+            <a:r>
+              <a:rPr lang="en-US" dirty="0" err="1"/>
+              <a:t>i</a:t>
+            </a:r>
+            <a:r>
+              <a:rPr lang="en-US" dirty="0"/>
+              <a:t>", "Phone", "keeps", "restarting"]</a:t>
+            </a:r>
+          </a:p>
+          <a:p>
+            <a:r>
+              <a:rPr lang="en-US" dirty="0"/>
+              <a:t>Handling Out-of-Vocabulary (OOV) Words:</a:t>
+            </a:r>
+          </a:p>
+          <a:p>
+            <a:pPr marL="36900" indent="0">
+              <a:buNone/>
+            </a:pPr>
+            <a:r>
+              <a:rPr lang="en-US" dirty="0"/>
+              <a:t>             - </a:t>
+            </a:r>
+            <a:r>
+              <a:rPr lang="en-US" b="1" dirty="0"/>
+              <a:t>Description: </a:t>
+            </a:r>
+            <a:r>
+              <a:rPr lang="en-US" dirty="0"/>
+              <a:t>Managing words not in the model's vocabulary.</a:t>
+            </a:r>
+          </a:p>
+          <a:p>
+            <a:pPr marL="36900" indent="0">
+              <a:buNone/>
+            </a:pPr>
+            <a:r>
+              <a:rPr lang="en-US" dirty="0"/>
+              <a:t>             - </a:t>
+            </a:r>
+            <a:r>
+              <a:rPr lang="en-US" b="1" dirty="0"/>
+              <a:t>Technique: </a:t>
+            </a:r>
+            <a:r>
+              <a:rPr lang="en-US" dirty="0"/>
+              <a:t>Use </a:t>
+            </a:r>
+            <a:r>
+              <a:rPr lang="en-US" dirty="0" err="1"/>
+              <a:t>subword</a:t>
+            </a:r>
+            <a:r>
+              <a:rPr lang="en-US" dirty="0"/>
+              <a:t> tokenization or replacement with &lt;UNK&gt; token.</a:t>
+            </a:r>
+          </a:p>
+          <a:p>
+            <a:r>
+              <a:rPr lang="en-US" dirty="0"/>
+              <a:t>Normalization Techniques:</a:t>
+            </a:r>
+          </a:p>
+          <a:p>
+            <a:pPr marL="36900" indent="0">
+              <a:buNone/>
+            </a:pPr>
+            <a:r>
+              <a:rPr lang="en-US" dirty="0"/>
+              <a:t>             - </a:t>
+            </a:r>
+            <a:r>
+              <a:rPr lang="en-US" b="1" dirty="0"/>
+              <a:t>Lowercasing: </a:t>
+            </a:r>
+            <a:r>
+              <a:rPr lang="en-US" dirty="0"/>
+              <a:t>Converting all text to lowercase to maintain consistency.</a:t>
+            </a:r>
+          </a:p>
+          <a:p>
+            <a:pPr marL="36900" indent="0">
+              <a:buNone/>
+            </a:pPr>
+            <a:r>
+              <a:rPr lang="en-US" dirty="0"/>
+              <a:t>             - </a:t>
+            </a:r>
+            <a:r>
+              <a:rPr lang="en-US" b="1" dirty="0"/>
+              <a:t>Removing Special Characters: </a:t>
+            </a:r>
+            <a:r>
+              <a:rPr lang="en-US" dirty="0"/>
+              <a:t>Eliminating non-alphanumeric characters to reduce</a:t>
+            </a:r>
+          </a:p>
+          <a:p>
+            <a:pPr marL="36900" indent="0">
+              <a:buNone/>
+            </a:pPr>
+            <a:r>
+              <a:rPr lang="en-US" dirty="0"/>
+              <a:t>                                                                    noise.</a:t>
+            </a:r>
+          </a:p>
+          <a:p>
+            <a:pPr marL="36900" indent="0">
+              <a:buNone/>
+            </a:pPr>
+            <a:r>
+              <a:rPr lang="en-US" dirty="0"/>
+              <a:t>             - </a:t>
+            </a:r>
+            <a:r>
+              <a:rPr lang="en-US" b="1" dirty="0"/>
+              <a:t>Lemmatization: </a:t>
+            </a:r>
+            <a:r>
+              <a:rPr lang="en-US" dirty="0"/>
+              <a:t>Converting words to their base forms for uniformity.</a:t>
+            </a:r>
+          </a:p>
+          <a:p>
+            <a:pPr marL="36900" indent="0">
+              <a:buNone/>
+            </a:pPr>
+            <a:endParaRPr lang="en-US" dirty="0"/>
           </a:p>
         </p:txBody>
       </p:sp>
     </p:spTree>
     <p:extLst>
       <p:ext uri="{BB962C8B-B14F-4D97-AF65-F5344CB8AC3E}">
-        <p14:creationId xmlns:p14="http://schemas.microsoft.com/office/powerpoint/2010/main" val="3706298888"/>
+        <p14:creationId xmlns:p14="http://schemas.microsoft.com/office/powerpoint/2010/main" val="1496777309"/>
       </p:ext>
     </p:extLst>
   </p:cSld>
@@ -6212,12 +6858,51 @@
       </p:grpSpPr>
       <p:sp>
         <p:nvSpPr>
-          <p:cNvPr id="2" name="Title 1"/>
-          <p:cNvSpPr>
-            <a:spLocks noGrp="1"/>
-          </p:cNvSpPr>
-          <p:nvPr>
-            <p:ph type="ctrTitle"/>
+          <p:cNvPr id="2" name="Title 1">
+            <a:extLst>
+              <a:ext uri="{FF2B5EF4-FFF2-40B4-BE49-F238E27FC236}">
+                <a16:creationId xmlns:a16="http://schemas.microsoft.com/office/drawing/2014/main" id="{BD30F911-1478-4AE8-A2A5-067C05DD93F1}"/>
+              </a:ext>
+            </a:extLst>
+          </p:cNvPr>
+          <p:cNvSpPr>
+            <a:spLocks noGrp="1"/>
+          </p:cNvSpPr>
+          <p:nvPr>
+            <p:ph type="title"/>
+          </p:nvPr>
+        </p:nvSpPr>
+        <p:spPr>
+          <a:xfrm>
+            <a:off x="913795" y="2458550"/>
+            <a:ext cx="10353762" cy="1761758"/>
+          </a:xfrm>
+        </p:spPr>
+        <p:txBody>
+          <a:bodyPr/>
+          <a:lstStyle/>
+          <a:p>
+            <a:r>
+              <a:rPr lang="en-US" dirty="0"/>
+              <a:t>MS2 Preprocessing Techniques</a:t>
+            </a:r>
+          </a:p>
+        </p:txBody>
+      </p:sp>
+      <p:sp>
+        <p:nvSpPr>
+          <p:cNvPr id="3" name="Content Placeholder 2">
+            <a:extLst>
+              <a:ext uri="{FF2B5EF4-FFF2-40B4-BE49-F238E27FC236}">
+                <a16:creationId xmlns:a16="http://schemas.microsoft.com/office/drawing/2014/main" id="{74A50C99-091A-494B-9A5F-2590C81D8412}"/>
+              </a:ext>
+            </a:extLst>
+          </p:cNvPr>
+          <p:cNvSpPr>
+            <a:spLocks noGrp="1"/>
+          </p:cNvSpPr>
+          <p:nvPr>
+            <p:ph idx="1"/>
           </p:nvPr>
         </p:nvSpPr>
         <p:spPr/>
@@ -6225,38 +6910,6 @@
           <a:bodyPr/>
           <a:lstStyle/>
           <a:p>
-            <a:r>
-              <a:rPr lang="en-US" smtClean="0"/>
-              <a:t>Overall Understanding of Architectures and Limitations</a:t>
-            </a:r>
-            <a:endParaRPr lang="en-US"/>
-          </a:p>
-        </p:txBody>
-      </p:sp>
-      <p:sp>
-        <p:nvSpPr>
-          <p:cNvPr id="3" name="Subtitle 2"/>
-          <p:cNvSpPr>
-            <a:spLocks noGrp="1"/>
-          </p:cNvSpPr>
-          <p:nvPr>
-            <p:ph type="subTitle" idx="1"/>
-          </p:nvPr>
-        </p:nvSpPr>
-        <p:spPr/>
-        <p:txBody>
-          <a:bodyPr>
-            <a:normAutofit fontScale="92500" lnSpcReduction="10000"/>
-          </a:bodyPr>
-          <a:lstStyle/>
-          <a:p>
-            <a:endParaRPr lang="en-US" smtClean="0"/>
-          </a:p>
-          <a:p>
-            <a:r>
-              <a:rPr lang="en-US" smtClean="0"/>
-              <a:t>Summary of MS2 and MS3 architectures, General limitations in implementing these models, Insights gained from the implementation</a:t>
-            </a:r>
             <a:endParaRPr lang="en-US"/>
           </a:p>
         </p:txBody>
@@ -6264,7 +6917,7 @@
     </p:spTree>
     <p:extLst>
       <p:ext uri="{BB962C8B-B14F-4D97-AF65-F5344CB8AC3E}">
-        <p14:creationId xmlns:p14="http://schemas.microsoft.com/office/powerpoint/2010/main" val="2604309547"/>
+        <p14:creationId xmlns:p14="http://schemas.microsoft.com/office/powerpoint/2010/main" val="434800458"/>
       </p:ext>
     </p:extLst>
   </p:cSld>
@@ -6293,12 +6946,18 @@
       </p:grpSpPr>
       <p:sp>
         <p:nvSpPr>
-          <p:cNvPr id="2" name="Title 1"/>
-          <p:cNvSpPr>
-            <a:spLocks noGrp="1"/>
-          </p:cNvSpPr>
-          <p:nvPr>
-            <p:ph type="ctrTitle"/>
+          <p:cNvPr id="2" name="Title 1">
+            <a:extLst>
+              <a:ext uri="{FF2B5EF4-FFF2-40B4-BE49-F238E27FC236}">
+                <a16:creationId xmlns:a16="http://schemas.microsoft.com/office/drawing/2014/main" id="{4F6C457D-D8C0-4770-80FA-788D75362484}"/>
+              </a:ext>
+            </a:extLst>
+          </p:cNvPr>
+          <p:cNvSpPr>
+            <a:spLocks noGrp="1"/>
+          </p:cNvSpPr>
+          <p:nvPr>
+            <p:ph type="title"/>
           </p:nvPr>
         </p:nvSpPr>
         <p:spPr/>
@@ -6306,46 +6965,94 @@
           <a:bodyPr/>
           <a:lstStyle/>
           <a:p>
-            <a:r>
-              <a:rPr lang="en-US" smtClean="0"/>
-              <a:t>Findings and Discussion</a:t>
-            </a:r>
-            <a:endParaRPr lang="en-US"/>
-          </a:p>
-        </p:txBody>
-      </p:sp>
-      <p:sp>
-        <p:nvSpPr>
-          <p:cNvPr id="3" name="Subtitle 2"/>
-          <p:cNvSpPr>
-            <a:spLocks noGrp="1"/>
-          </p:cNvSpPr>
-          <p:nvPr>
-            <p:ph type="subTitle" idx="1"/>
+            <a:pPr algn="l"/>
+            <a:r>
+              <a:rPr lang="en-US" dirty="0"/>
+              <a:t>Similarities to LLM Preprocessing:</a:t>
+            </a:r>
+          </a:p>
+        </p:txBody>
+      </p:sp>
+      <p:sp>
+        <p:nvSpPr>
+          <p:cNvPr id="3" name="Content Placeholder 2">
+            <a:extLst>
+              <a:ext uri="{FF2B5EF4-FFF2-40B4-BE49-F238E27FC236}">
+                <a16:creationId xmlns:a16="http://schemas.microsoft.com/office/drawing/2014/main" id="{9630908F-EB66-4312-9753-8017203314A7}"/>
+              </a:ext>
+            </a:extLst>
+          </p:cNvPr>
+          <p:cNvSpPr>
+            <a:spLocks noGrp="1"/>
+          </p:cNvSpPr>
+          <p:nvPr>
+            <p:ph idx="1"/>
           </p:nvPr>
         </p:nvSpPr>
         <p:spPr/>
         <p:txBody>
           <a:bodyPr>
-            <a:normAutofit fontScale="85000" lnSpcReduction="20000"/>
+            <a:normAutofit/>
           </a:bodyPr>
           <a:lstStyle/>
           <a:p>
-            <a:endParaRPr lang="en-US" smtClean="0"/>
-          </a:p>
-          <a:p>
-            <a:r>
-              <a:rPr lang="en-US" smtClean="0"/>
-              <a:t>MS3 shows improved performance but at the cost of higher complexity. MS2 provides faster and simpler solutions, suitable for less demanding tasks. Balancing model performance with interpretability and resource constraints is crucial.</a:t>
-            </a:r>
-            <a:endParaRPr lang="en-US"/>
+            <a:r>
+              <a:rPr lang="en-US" sz="2800" b="1" dirty="0"/>
+              <a:t>Text Cleaning: </a:t>
+            </a:r>
+            <a:r>
+              <a:rPr lang="en-US" sz="2800" dirty="0"/>
+              <a:t>Removing HTML tags, punctuation, and special characters.</a:t>
+            </a:r>
+          </a:p>
+          <a:p>
+            <a:r>
+              <a:rPr lang="en-US" sz="2800" b="1" dirty="0"/>
+              <a:t>Tokenization: </a:t>
+            </a:r>
+            <a:r>
+              <a:rPr lang="en-US" sz="2800" dirty="0"/>
+              <a:t>Splitting text into tokens using NLTK.</a:t>
+            </a:r>
+          </a:p>
+          <a:p>
+            <a:r>
+              <a:rPr lang="en-US" sz="2800" b="1" dirty="0" err="1"/>
+              <a:t>Stopword</a:t>
+            </a:r>
+            <a:r>
+              <a:rPr lang="en-US" sz="2800" b="1" dirty="0"/>
+              <a:t> Removal: </a:t>
+            </a:r>
+            <a:r>
+              <a:rPr lang="en-US" sz="2800" dirty="0"/>
+              <a:t>Eliminating common </a:t>
+            </a:r>
+            <a:r>
+              <a:rPr lang="en-US" sz="2800" dirty="0" err="1"/>
+              <a:t>stopwords</a:t>
+            </a:r>
+            <a:r>
+              <a:rPr lang="en-US" sz="2800" dirty="0"/>
+              <a:t> to focus on meaningful content.</a:t>
+            </a:r>
+          </a:p>
+          <a:p>
+            <a:r>
+              <a:rPr lang="en-US" sz="2800" b="1" dirty="0"/>
+              <a:t>Lemmatization: </a:t>
+            </a:r>
+            <a:r>
+              <a:rPr lang="en-US" sz="2800" dirty="0"/>
+              <a:t>Reducing words to their base forms.</a:t>
+            </a:r>
           </a:p>
         </p:txBody>
       </p:sp>
     </p:spTree>
     <p:extLst>
       <p:ext uri="{BB962C8B-B14F-4D97-AF65-F5344CB8AC3E}">
-        <p14:creationId xmlns:p14="http://schemas.microsoft.com/office/powerpoint/2010/main" val="2630564131"/>
+        <p14:creationId xmlns:p14="http://schemas.microsoft.com/office/powerpoint/2010/main" val="1816344049"/>
       </p:ext>
     </p:extLst>
   </p:cSld>
@@ -6374,12 +7081,18 @@
       </p:grpSpPr>
       <p:sp>
         <p:nvSpPr>
-          <p:cNvPr id="2" name="Title 1"/>
-          <p:cNvSpPr>
-            <a:spLocks noGrp="1"/>
-          </p:cNvSpPr>
-          <p:nvPr>
-            <p:ph type="ctrTitle"/>
+          <p:cNvPr id="2" name="Title 1">
+            <a:extLst>
+              <a:ext uri="{FF2B5EF4-FFF2-40B4-BE49-F238E27FC236}">
+                <a16:creationId xmlns:a16="http://schemas.microsoft.com/office/drawing/2014/main" id="{C15A8D46-5B0E-4BE5-8DF5-3B02393FBE60}"/>
+              </a:ext>
+            </a:extLst>
+          </p:cNvPr>
+          <p:cNvSpPr>
+            <a:spLocks noGrp="1"/>
+          </p:cNvSpPr>
+          <p:nvPr>
+            <p:ph type="title"/>
           </p:nvPr>
         </p:nvSpPr>
         <p:spPr/>
@@ -6387,46 +7100,74 @@
           <a:bodyPr/>
           <a:lstStyle/>
           <a:p>
-            <a:r>
-              <a:rPr lang="en-US" smtClean="0"/>
-              <a:t>Updated Background in Literature Review</a:t>
-            </a:r>
-            <a:endParaRPr lang="en-US"/>
-          </a:p>
-        </p:txBody>
-      </p:sp>
-      <p:sp>
-        <p:nvSpPr>
-          <p:cNvPr id="3" name="Subtitle 2"/>
-          <p:cNvSpPr>
-            <a:spLocks noGrp="1"/>
-          </p:cNvSpPr>
-          <p:nvPr>
-            <p:ph type="subTitle" idx="1"/>
+            <a:pPr algn="l"/>
+            <a:r>
+              <a:rPr lang="en-US" dirty="0"/>
+              <a:t>Differences from LLM Preprocessing:</a:t>
+            </a:r>
+          </a:p>
+        </p:txBody>
+      </p:sp>
+      <p:sp>
+        <p:nvSpPr>
+          <p:cNvPr id="3" name="Content Placeholder 2">
+            <a:extLst>
+              <a:ext uri="{FF2B5EF4-FFF2-40B4-BE49-F238E27FC236}">
+                <a16:creationId xmlns:a16="http://schemas.microsoft.com/office/drawing/2014/main" id="{915A2F05-8D7B-450C-B7FA-64B3AAE699DC}"/>
+              </a:ext>
+            </a:extLst>
+          </p:cNvPr>
+          <p:cNvSpPr>
+            <a:spLocks noGrp="1"/>
+          </p:cNvSpPr>
+          <p:nvPr>
+            <p:ph idx="1"/>
           </p:nvPr>
         </p:nvSpPr>
         <p:spPr/>
         <p:txBody>
           <a:bodyPr>
-            <a:normAutofit fontScale="92500" lnSpcReduction="10000"/>
+            <a:normAutofit/>
           </a:bodyPr>
           <a:lstStyle/>
           <a:p>
-            <a:endParaRPr lang="en-US" smtClean="0"/>
-          </a:p>
-          <a:p>
-            <a:r>
-              <a:rPr lang="en-US" smtClean="0"/>
-              <a:t>Recent advancements in LLMs, Relevant studies and their findings, How this work fits into the current literature</a:t>
-            </a:r>
-            <a:endParaRPr lang="en-US"/>
+            <a:r>
+              <a:rPr lang="en-US" sz="2400" dirty="0"/>
+              <a:t>Simpler Tokenization: Basic word tokenization without </a:t>
+            </a:r>
+            <a:r>
+              <a:rPr lang="en-US" sz="2400" dirty="0" err="1"/>
+              <a:t>subword</a:t>
+            </a:r>
+            <a:r>
+              <a:rPr lang="en-US" sz="2400" dirty="0"/>
+              <a:t> splitting.</a:t>
+            </a:r>
+          </a:p>
+          <a:p>
+            <a:r>
+              <a:rPr lang="en-US" sz="2400" dirty="0"/>
+              <a:t>Handling Missing Values: Imputation or deletion strategies for missing data.</a:t>
+            </a:r>
+          </a:p>
+          <a:p>
+            <a:r>
+              <a:rPr lang="en-US" sz="2400" dirty="0"/>
+              <a:t>Text Cleaning: Extensive preprocessing to ensure data quality.</a:t>
+            </a:r>
+          </a:p>
+          <a:p>
+            <a:r>
+              <a:rPr lang="en-US" sz="2400" dirty="0"/>
+              <a:t>Imputation: Filling missing values with mean/median or removing rows.</a:t>
+            </a:r>
           </a:p>
         </p:txBody>
       </p:sp>
     </p:spTree>
     <p:extLst>
       <p:ext uri="{BB962C8B-B14F-4D97-AF65-F5344CB8AC3E}">
-        <p14:creationId xmlns:p14="http://schemas.microsoft.com/office/powerpoint/2010/main" val="3277798727"/>
+        <p14:creationId xmlns:p14="http://schemas.microsoft.com/office/powerpoint/2010/main" val="922584505"/>
       </p:ext>
     </p:extLst>
   </p:cSld>
@@ -6455,12 +7196,18 @@
       </p:grpSpPr>
       <p:sp>
         <p:nvSpPr>
-          <p:cNvPr id="2" name="Title 1"/>
-          <p:cNvSpPr>
-            <a:spLocks noGrp="1"/>
-          </p:cNvSpPr>
-          <p:nvPr>
-            <p:ph type="ctrTitle"/>
+          <p:cNvPr id="2" name="Title 1">
+            <a:extLst>
+              <a:ext uri="{FF2B5EF4-FFF2-40B4-BE49-F238E27FC236}">
+                <a16:creationId xmlns:a16="http://schemas.microsoft.com/office/drawing/2014/main" id="{586DE9A8-B2C4-4855-B1D0-E34DE366EED9}"/>
+              </a:ext>
+            </a:extLst>
+          </p:cNvPr>
+          <p:cNvSpPr>
+            <a:spLocks noGrp="1"/>
+          </p:cNvSpPr>
+          <p:nvPr>
+            <p:ph type="title"/>
           </p:nvPr>
         </p:nvSpPr>
         <p:spPr/>
@@ -6468,46 +7215,48 @@
           <a:bodyPr/>
           <a:lstStyle/>
           <a:p>
-            <a:r>
-              <a:rPr lang="en-US" smtClean="0"/>
-              <a:t>Conclusion</a:t>
-            </a:r>
-            <a:endParaRPr lang="en-US"/>
-          </a:p>
-        </p:txBody>
-      </p:sp>
-      <p:sp>
-        <p:nvSpPr>
-          <p:cNvPr id="3" name="Subtitle 2"/>
-          <p:cNvSpPr>
-            <a:spLocks noGrp="1"/>
-          </p:cNvSpPr>
-          <p:nvPr>
-            <p:ph type="subTitle" idx="1"/>
-          </p:nvPr>
-        </p:nvSpPr>
-        <p:spPr/>
-        <p:txBody>
-          <a:bodyPr>
-            <a:normAutofit fontScale="92500" lnSpcReduction="10000"/>
-          </a:bodyPr>
-          <a:lstStyle/>
-          <a:p>
-            <a:endParaRPr lang="en-US" smtClean="0"/>
-          </a:p>
-          <a:p>
-            <a:r>
-              <a:rPr lang="en-US" smtClean="0"/>
-              <a:t>Recap of key points, Final thoughts on MS2 vs. MS3, Open questions and future directions</a:t>
-            </a:r>
-            <a:endParaRPr lang="en-US"/>
-          </a:p>
-        </p:txBody>
-      </p:sp>
+            <a:pPr algn="l"/>
+            <a:r>
+              <a:rPr lang="da-DK" dirty="0"/>
+              <a:t>Code Snippet for MS2 Preprocessing</a:t>
+            </a:r>
+            <a:endParaRPr lang="en-US" dirty="0"/>
+          </a:p>
+        </p:txBody>
+      </p:sp>
+      <p:pic>
+        <p:nvPicPr>
+          <p:cNvPr id="5" name="Content Placeholder 4">
+            <a:extLst>
+              <a:ext uri="{FF2B5EF4-FFF2-40B4-BE49-F238E27FC236}">
+                <a16:creationId xmlns:a16="http://schemas.microsoft.com/office/drawing/2014/main" id="{D95EE021-58DD-4977-9BAC-F9C0E56097F8}"/>
+              </a:ext>
+            </a:extLst>
+          </p:cNvPr>
+          <p:cNvPicPr>
+            <a:picLocks noGrp="1" noChangeAspect="1"/>
+          </p:cNvPicPr>
+          <p:nvPr>
+            <p:ph idx="1"/>
+          </p:nvPr>
+        </p:nvPicPr>
+        <p:blipFill>
+          <a:blip r:embed="rId2"/>
+          <a:stretch>
+            <a:fillRect/>
+          </a:stretch>
+        </p:blipFill>
+        <p:spPr>
+          <a:xfrm>
+            <a:off x="1885071" y="1580050"/>
+            <a:ext cx="7174523" cy="4936123"/>
+          </a:xfrm>
+        </p:spPr>
+      </p:pic>
     </p:spTree>
     <p:extLst>
       <p:ext uri="{BB962C8B-B14F-4D97-AF65-F5344CB8AC3E}">
-        <p14:creationId xmlns:p14="http://schemas.microsoft.com/office/powerpoint/2010/main" val="497044473"/>
+        <p14:creationId xmlns:p14="http://schemas.microsoft.com/office/powerpoint/2010/main" val="3187586641"/>
       </p:ext>
     </p:extLst>
   </p:cSld>
@@ -6544,41 +7293,44 @@
             <p:ph type="ctrTitle"/>
           </p:nvPr>
         </p:nvSpPr>
+        <p:spPr>
+          <a:xfrm>
+            <a:off x="1370693" y="2819405"/>
+            <a:ext cx="9440034" cy="1828801"/>
+          </a:xfrm>
+        </p:spPr>
+        <p:txBody>
+          <a:bodyPr/>
+          <a:lstStyle/>
+          <a:p>
+            <a:r>
+              <a:rPr lang="en-US" dirty="0"/>
+              <a:t>Selection of the Pre-trained Model</a:t>
+            </a:r>
+          </a:p>
+        </p:txBody>
+      </p:sp>
+      <p:sp>
+        <p:nvSpPr>
+          <p:cNvPr id="5" name="Subtitle 4">
+            <a:extLst>
+              <a:ext uri="{FF2B5EF4-FFF2-40B4-BE49-F238E27FC236}">
+                <a16:creationId xmlns:a16="http://schemas.microsoft.com/office/drawing/2014/main" id="{85F10305-38FC-4340-A57A-F55A468E12B1}"/>
+              </a:ext>
+            </a:extLst>
+          </p:cNvPr>
+          <p:cNvSpPr>
+            <a:spLocks noGrp="1"/>
+          </p:cNvSpPr>
+          <p:nvPr>
+            <p:ph type="subTitle" idx="1"/>
+          </p:nvPr>
+        </p:nvSpPr>
         <p:spPr/>
         <p:txBody>
           <a:bodyPr/>
           <a:lstStyle/>
           <a:p>
-            <a:r>
-              <a:rPr lang="en-US" smtClean="0"/>
-              <a:t>Questions</a:t>
-            </a:r>
-            <a:endParaRPr lang="en-US"/>
-          </a:p>
-        </p:txBody>
-      </p:sp>
-      <p:sp>
-        <p:nvSpPr>
-          <p:cNvPr id="3" name="Subtitle 2"/>
-          <p:cNvSpPr>
-            <a:spLocks noGrp="1"/>
-          </p:cNvSpPr>
-          <p:nvPr>
-            <p:ph type="subTitle" idx="1"/>
-          </p:nvPr>
-        </p:nvSpPr>
-        <p:spPr/>
-        <p:txBody>
-          <a:bodyPr/>
-          <a:lstStyle/>
-          <a:p>
-            <a:endParaRPr lang="en-US" smtClean="0"/>
-          </a:p>
-          <a:p>
-            <a:r>
-              <a:rPr lang="en-US" smtClean="0"/>
-              <a:t>Invite questions from the audience</a:t>
-            </a:r>
             <a:endParaRPr lang="en-US"/>
           </a:p>
         </p:txBody>
@@ -6586,7 +7338,599 @@
     </p:spTree>
     <p:extLst>
       <p:ext uri="{BB962C8B-B14F-4D97-AF65-F5344CB8AC3E}">
-        <p14:creationId xmlns:p14="http://schemas.microsoft.com/office/powerpoint/2010/main" val="3586282257"/>
+        <p14:creationId xmlns:p14="http://schemas.microsoft.com/office/powerpoint/2010/main" val="3142301633"/>
+      </p:ext>
+    </p:extLst>
+  </p:cSld>
+  <p:clrMapOvr>
+    <a:masterClrMapping/>
+  </p:clrMapOvr>
+</p:sld>
+</file>
+
+<file path=ppt/slides/slide16.xml><?xml version="1.0" encoding="utf-8"?>
+<p:sld xmlns:a="http://schemas.openxmlformats.org/drawingml/2006/main" xmlns:r="http://schemas.openxmlformats.org/officeDocument/2006/relationships" xmlns:p="http://schemas.openxmlformats.org/presentationml/2006/main">
+  <p:cSld>
+    <p:spTree>
+      <p:nvGrpSpPr>
+        <p:cNvPr id="1" name=""/>
+        <p:cNvGrpSpPr/>
+        <p:nvPr/>
+      </p:nvGrpSpPr>
+      <p:grpSpPr>
+        <a:xfrm>
+          <a:off x="0" y="0"/>
+          <a:ext cx="0" cy="0"/>
+          <a:chOff x="0" y="0"/>
+          <a:chExt cx="0" cy="0"/>
+        </a:xfrm>
+      </p:grpSpPr>
+      <p:sp>
+        <p:nvSpPr>
+          <p:cNvPr id="2" name="Title 1">
+            <a:extLst>
+              <a:ext uri="{FF2B5EF4-FFF2-40B4-BE49-F238E27FC236}">
+                <a16:creationId xmlns:a16="http://schemas.microsoft.com/office/drawing/2014/main" id="{6B6B7AC4-2B0C-4305-9F5E-5A900267F4DC}"/>
+              </a:ext>
+            </a:extLst>
+          </p:cNvPr>
+          <p:cNvSpPr>
+            <a:spLocks noGrp="1"/>
+          </p:cNvSpPr>
+          <p:nvPr>
+            <p:ph type="title"/>
+          </p:nvPr>
+        </p:nvSpPr>
+        <p:spPr/>
+        <p:txBody>
+          <a:bodyPr/>
+          <a:lstStyle/>
+          <a:p>
+            <a:pPr algn="l"/>
+            <a:r>
+              <a:rPr lang="en-US" dirty="0"/>
+              <a:t> Criteria for Selecting a Pre-trained Mode</a:t>
+            </a:r>
+          </a:p>
+        </p:txBody>
+      </p:sp>
+      <p:sp>
+        <p:nvSpPr>
+          <p:cNvPr id="3" name="Content Placeholder 2">
+            <a:extLst>
+              <a:ext uri="{FF2B5EF4-FFF2-40B4-BE49-F238E27FC236}">
+                <a16:creationId xmlns:a16="http://schemas.microsoft.com/office/drawing/2014/main" id="{8E88129F-0EC3-4D54-9165-2B312E4404FE}"/>
+              </a:ext>
+            </a:extLst>
+          </p:cNvPr>
+          <p:cNvSpPr>
+            <a:spLocks noGrp="1"/>
+          </p:cNvSpPr>
+          <p:nvPr>
+            <p:ph idx="1"/>
+          </p:nvPr>
+        </p:nvSpPr>
+        <p:spPr/>
+        <p:txBody>
+          <a:bodyPr/>
+          <a:lstStyle/>
+          <a:p>
+            <a:r>
+              <a:rPr lang="en-US" dirty="0"/>
+              <a:t>Task Relevance: Ensure the model's architecture and training objectives align with the task.</a:t>
+            </a:r>
+          </a:p>
+          <a:p>
+            <a:r>
+              <a:rPr lang="en-US" dirty="0"/>
+              <a:t>Performance: Evaluate the model's accuracy, F1 score, and other performance metrics.</a:t>
+            </a:r>
+          </a:p>
+          <a:p>
+            <a:r>
+              <a:rPr lang="en-US" dirty="0"/>
+              <a:t>Size and Efficiency: Consider the model's size and inference time, especially for deployment.</a:t>
+            </a:r>
+          </a:p>
+          <a:p>
+            <a:r>
+              <a:rPr lang="en-US" dirty="0"/>
+              <a:t>Community and Support: Choose models with robust community support and documentation.</a:t>
+            </a:r>
+          </a:p>
+          <a:p>
+            <a:r>
+              <a:rPr lang="en-US" dirty="0"/>
+              <a:t>Compatibility: Ensure the model integrates well with the chosen framework and tools.</a:t>
+            </a:r>
+          </a:p>
+        </p:txBody>
+      </p:sp>
+    </p:spTree>
+    <p:extLst>
+      <p:ext uri="{BB962C8B-B14F-4D97-AF65-F5344CB8AC3E}">
+        <p14:creationId xmlns:p14="http://schemas.microsoft.com/office/powerpoint/2010/main" val="1339221726"/>
+      </p:ext>
+    </p:extLst>
+  </p:cSld>
+  <p:clrMapOvr>
+    <a:masterClrMapping/>
+  </p:clrMapOvr>
+</p:sld>
+</file>
+
+<file path=ppt/slides/slide17.xml><?xml version="1.0" encoding="utf-8"?>
+<p:sld xmlns:a="http://schemas.openxmlformats.org/drawingml/2006/main" xmlns:r="http://schemas.openxmlformats.org/officeDocument/2006/relationships" xmlns:p="http://schemas.openxmlformats.org/presentationml/2006/main">
+  <p:cSld>
+    <p:spTree>
+      <p:nvGrpSpPr>
+        <p:cNvPr id="1" name=""/>
+        <p:cNvGrpSpPr/>
+        <p:nvPr/>
+      </p:nvGrpSpPr>
+      <p:grpSpPr>
+        <a:xfrm>
+          <a:off x="0" y="0"/>
+          <a:ext cx="0" cy="0"/>
+          <a:chOff x="0" y="0"/>
+          <a:chExt cx="0" cy="0"/>
+        </a:xfrm>
+      </p:grpSpPr>
+      <p:sp>
+        <p:nvSpPr>
+          <p:cNvPr id="2" name="Title 1">
+            <a:extLst>
+              <a:ext uri="{FF2B5EF4-FFF2-40B4-BE49-F238E27FC236}">
+                <a16:creationId xmlns:a16="http://schemas.microsoft.com/office/drawing/2014/main" id="{8D337FF9-5E51-46AF-9776-BA95E21032A1}"/>
+              </a:ext>
+            </a:extLst>
+          </p:cNvPr>
+          <p:cNvSpPr>
+            <a:spLocks noGrp="1"/>
+          </p:cNvSpPr>
+          <p:nvPr>
+            <p:ph type="title"/>
+          </p:nvPr>
+        </p:nvSpPr>
+        <p:spPr/>
+        <p:txBody>
+          <a:bodyPr/>
+          <a:lstStyle/>
+          <a:p>
+            <a:pPr algn="l"/>
+            <a:r>
+              <a:rPr lang="en-US" dirty="0"/>
+              <a:t>Justification for the Chosen Pre-trained Model</a:t>
+            </a:r>
+          </a:p>
+        </p:txBody>
+      </p:sp>
+      <p:sp>
+        <p:nvSpPr>
+          <p:cNvPr id="3" name="Content Placeholder 2">
+            <a:extLst>
+              <a:ext uri="{FF2B5EF4-FFF2-40B4-BE49-F238E27FC236}">
+                <a16:creationId xmlns:a16="http://schemas.microsoft.com/office/drawing/2014/main" id="{0A4916B7-670A-4202-AC2A-CA2E9ABF376E}"/>
+              </a:ext>
+            </a:extLst>
+          </p:cNvPr>
+          <p:cNvSpPr>
+            <a:spLocks noGrp="1"/>
+          </p:cNvSpPr>
+          <p:nvPr>
+            <p:ph idx="1"/>
+          </p:nvPr>
+        </p:nvSpPr>
+        <p:spPr>
+          <a:xfrm>
+            <a:off x="913795" y="1732449"/>
+            <a:ext cx="10353762" cy="4766825"/>
+          </a:xfrm>
+        </p:spPr>
+        <p:txBody>
+          <a:bodyPr>
+            <a:normAutofit/>
+          </a:bodyPr>
+          <a:lstStyle/>
+          <a:p>
+            <a:r>
+              <a:rPr lang="en-US" dirty="0"/>
+              <a:t>Chosen Model: BERT-tiny</a:t>
+            </a:r>
+          </a:p>
+          <a:p>
+            <a:r>
+              <a:rPr lang="en-US" b="1" dirty="0"/>
+              <a:t>Efficiency: </a:t>
+            </a:r>
+            <a:r>
+              <a:rPr lang="en-US" dirty="0"/>
+              <a:t>BERT-tiny provides a compact model suitable for faster inference, crucial for real-time applications.</a:t>
+            </a:r>
+          </a:p>
+          <a:p>
+            <a:r>
+              <a:rPr lang="en-US" b="1" dirty="0"/>
+              <a:t>Task Alignment: </a:t>
+            </a:r>
+            <a:r>
+              <a:rPr lang="en-US" dirty="0"/>
+              <a:t>Pre-trained on masked language modeling, making it effective for understanding and classifying text.</a:t>
+            </a:r>
+          </a:p>
+          <a:p>
+            <a:r>
+              <a:rPr lang="en-US" b="1" dirty="0"/>
+              <a:t>Community and Support: </a:t>
+            </a:r>
+            <a:r>
+              <a:rPr lang="en-US" dirty="0"/>
+              <a:t>Strong support and resources available through the Hugging Face Transformers library.</a:t>
+            </a:r>
+          </a:p>
+          <a:p>
+            <a:r>
+              <a:rPr lang="en-US" b="1" dirty="0"/>
+              <a:t>Performance: </a:t>
+            </a:r>
+            <a:r>
+              <a:rPr lang="en-US" dirty="0"/>
+              <a:t>Balances performance and computational efficiency, making it a practical choice for binary text classification.</a:t>
+            </a:r>
+          </a:p>
+          <a:p>
+            <a:r>
+              <a:rPr lang="en-US" b="1" dirty="0"/>
+              <a:t>Implementation: </a:t>
+            </a:r>
+            <a:r>
+              <a:rPr lang="en-US" dirty="0"/>
+              <a:t>Easy integration with </a:t>
+            </a:r>
+            <a:r>
+              <a:rPr lang="en-US" dirty="0" err="1"/>
+              <a:t>PyTorch</a:t>
+            </a:r>
+            <a:r>
+              <a:rPr lang="en-US" dirty="0"/>
+              <a:t>, facilitating seamless training and deployment processes.</a:t>
+            </a:r>
+          </a:p>
+        </p:txBody>
+      </p:sp>
+      <p:sp>
+        <p:nvSpPr>
+          <p:cNvPr id="4" name="Rectangle 1">
+            <a:extLst>
+              <a:ext uri="{FF2B5EF4-FFF2-40B4-BE49-F238E27FC236}">
+                <a16:creationId xmlns:a16="http://schemas.microsoft.com/office/drawing/2014/main" id="{2E98067C-BCB3-48BD-BDE2-DEDAA899EA58}"/>
+              </a:ext>
+            </a:extLst>
+          </p:cNvPr>
+          <p:cNvSpPr>
+            <a:spLocks noChangeArrowheads="1"/>
+          </p:cNvSpPr>
+          <p:nvPr/>
+        </p:nvSpPr>
+        <p:spPr bwMode="auto">
+          <a:xfrm>
+            <a:off x="0" y="0"/>
+            <a:ext cx="12192000" cy="0"/>
+          </a:xfrm>
+          <a:prstGeom prst="rect">
+            <a:avLst/>
+          </a:prstGeom>
+          <a:noFill/>
+          <a:ln>
+            <a:noFill/>
+          </a:ln>
+          <a:effectLst/>
+          <a:extLst>
+            <a:ext uri="{909E8E84-426E-40DD-AFC4-6F175D3DCCD1}">
+              <a14:hiddenFill xmlns:a14="http://schemas.microsoft.com/office/drawing/2010/main">
+                <a:solidFill>
+                  <a:schemeClr val="accent1"/>
+                </a:solidFill>
+              </a14:hiddenFill>
+            </a:ext>
+            <a:ext uri="{91240B29-F687-4F45-9708-019B960494DF}">
+              <a14:hiddenLine xmlns:a14="http://schemas.microsoft.com/office/drawing/2010/main" w="9525">
+                <a:solidFill>
+                  <a:schemeClr val="tx1"/>
+                </a:solidFill>
+                <a:miter lim="800000"/>
+                <a:headEnd/>
+                <a:tailEnd/>
+              </a14:hiddenLine>
+            </a:ext>
+            <a:ext uri="{AF507438-7753-43E0-B8FC-AC1667EBCBE1}">
+              <a14:hiddenEffects xmlns:a14="http://schemas.microsoft.com/office/drawing/2010/main">
+                <a:effectLst>
+                  <a:outerShdw dist="35921" dir="2700000" algn="ctr" rotWithShape="0">
+                    <a:schemeClr val="bg2"/>
+                  </a:outerShdw>
+                </a:effectLst>
+              </a14:hiddenEffects>
+            </a:ext>
+          </a:extLst>
+        </p:spPr>
+        <p:txBody>
+          <a:bodyPr vert="horz" wrap="none" lIns="91440" tIns="45720" rIns="91440" bIns="45720" numCol="1" anchor="ctr" anchorCtr="0" compatLnSpc="1">
+            <a:prstTxWarp prst="textNoShape">
+              <a:avLst/>
+            </a:prstTxWarp>
+            <a:spAutoFit/>
+          </a:bodyPr>
+          <a:lstStyle/>
+          <a:p>
+            <a:pPr marL="0" marR="0" lvl="0" indent="0" algn="l" defTabSz="914400" rtl="0" eaLnBrk="0" fontAlgn="base" latinLnBrk="0" hangingPunct="0">
+              <a:lnSpc>
+                <a:spcPct val="100000"/>
+              </a:lnSpc>
+              <a:spcBef>
+                <a:spcPct val="0"/>
+              </a:spcBef>
+              <a:spcAft>
+                <a:spcPct val="0"/>
+              </a:spcAft>
+              <a:buClrTx/>
+              <a:buSzTx/>
+              <a:buFontTx/>
+              <a:buChar char="•"/>
+              <a:tabLst/>
+            </a:pPr>
+            <a:r>
+              <a:rPr kumimoji="0" lang="en-US" altLang="en-US" sz="1800" b="1" i="0" u="none" strike="noStrike" cap="none" normalizeH="0" baseline="0">
+                <a:ln>
+                  <a:noFill/>
+                </a:ln>
+                <a:solidFill>
+                  <a:schemeClr val="tx1"/>
+                </a:solidFill>
+                <a:effectLst/>
+                <a:latin typeface="Arial" panose="020B0604020202020204" pitchFamily="34" charset="0"/>
+              </a:rPr>
+              <a:t>Performance</a:t>
+            </a:r>
+            <a:r>
+              <a:rPr kumimoji="0" lang="en-US" altLang="en-US" sz="1800" b="0" i="0" u="none" strike="noStrike" cap="none" normalizeH="0" baseline="0">
+                <a:ln>
+                  <a:noFill/>
+                </a:ln>
+                <a:solidFill>
+                  <a:schemeClr val="tx1"/>
+                </a:solidFill>
+                <a:effectLst/>
+                <a:latin typeface="Arial" panose="020B0604020202020204" pitchFamily="34" charset="0"/>
+              </a:rPr>
+              <a:t>: Balances performance and computational efficiency, making it a practical choice for binary text classification.</a:t>
+            </a:r>
+          </a:p>
+          <a:p>
+            <a:pPr marL="0" marR="0" lvl="0" indent="0" algn="l" defTabSz="914400" rtl="0" eaLnBrk="0" fontAlgn="base" latinLnBrk="0" hangingPunct="0">
+              <a:lnSpc>
+                <a:spcPct val="100000"/>
+              </a:lnSpc>
+              <a:spcBef>
+                <a:spcPct val="0"/>
+              </a:spcBef>
+              <a:spcAft>
+                <a:spcPct val="0"/>
+              </a:spcAft>
+              <a:buClrTx/>
+              <a:buSzTx/>
+              <a:buFontTx/>
+              <a:buChar char="•"/>
+              <a:tabLst/>
+            </a:pPr>
+            <a:endParaRPr kumimoji="0" lang="en-US" altLang="en-US" sz="1800" b="0" i="0" u="none" strike="noStrike" cap="none" normalizeH="0" baseline="0">
+              <a:ln>
+                <a:noFill/>
+              </a:ln>
+              <a:solidFill>
+                <a:schemeClr val="tx1"/>
+              </a:solidFill>
+              <a:effectLst/>
+              <a:latin typeface="Arial" panose="020B0604020202020204" pitchFamily="34" charset="0"/>
+            </a:endParaRPr>
+          </a:p>
+        </p:txBody>
+      </p:sp>
+    </p:spTree>
+    <p:extLst>
+      <p:ext uri="{BB962C8B-B14F-4D97-AF65-F5344CB8AC3E}">
+        <p14:creationId xmlns:p14="http://schemas.microsoft.com/office/powerpoint/2010/main" val="1321621141"/>
+      </p:ext>
+    </p:extLst>
+  </p:cSld>
+  <p:clrMapOvr>
+    <a:masterClrMapping/>
+  </p:clrMapOvr>
+</p:sld>
+</file>
+
+<file path=ppt/slides/slide18.xml><?xml version="1.0" encoding="utf-8"?>
+<p:sld xmlns:a="http://schemas.openxmlformats.org/drawingml/2006/main" xmlns:r="http://schemas.openxmlformats.org/officeDocument/2006/relationships" xmlns:p="http://schemas.openxmlformats.org/presentationml/2006/main">
+  <p:cSld>
+    <p:spTree>
+      <p:nvGrpSpPr>
+        <p:cNvPr id="1" name=""/>
+        <p:cNvGrpSpPr/>
+        <p:nvPr/>
+      </p:nvGrpSpPr>
+      <p:grpSpPr>
+        <a:xfrm>
+          <a:off x="0" y="0"/>
+          <a:ext cx="0" cy="0"/>
+          <a:chOff x="0" y="0"/>
+          <a:chExt cx="0" cy="0"/>
+        </a:xfrm>
+      </p:grpSpPr>
+      <p:sp>
+        <p:nvSpPr>
+          <p:cNvPr id="2" name="Title 1"/>
+          <p:cNvSpPr>
+            <a:spLocks noGrp="1"/>
+          </p:cNvSpPr>
+          <p:nvPr>
+            <p:ph type="ctrTitle"/>
+          </p:nvPr>
+        </p:nvSpPr>
+        <p:spPr>
+          <a:xfrm>
+            <a:off x="1375983" y="2514599"/>
+            <a:ext cx="9440034" cy="1828801"/>
+          </a:xfrm>
+        </p:spPr>
+        <p:txBody>
+          <a:bodyPr/>
+          <a:lstStyle/>
+          <a:p>
+            <a:r>
+              <a:rPr lang="en-US" dirty="0"/>
+              <a:t>Post-processing for Output: MS2 vs. MS3</a:t>
+            </a:r>
+          </a:p>
+        </p:txBody>
+      </p:sp>
+    </p:spTree>
+    <p:extLst>
+      <p:ext uri="{BB962C8B-B14F-4D97-AF65-F5344CB8AC3E}">
+        <p14:creationId xmlns:p14="http://schemas.microsoft.com/office/powerpoint/2010/main" val="3784537746"/>
+      </p:ext>
+    </p:extLst>
+  </p:cSld>
+  <p:clrMapOvr>
+    <a:masterClrMapping/>
+  </p:clrMapOvr>
+</p:sld>
+</file>
+
+<file path=ppt/slides/slide19.xml><?xml version="1.0" encoding="utf-8"?>
+<p:sld xmlns:a="http://schemas.openxmlformats.org/drawingml/2006/main" xmlns:r="http://schemas.openxmlformats.org/officeDocument/2006/relationships" xmlns:p="http://schemas.openxmlformats.org/presentationml/2006/main">
+  <p:cSld>
+    <p:spTree>
+      <p:nvGrpSpPr>
+        <p:cNvPr id="1" name=""/>
+        <p:cNvGrpSpPr/>
+        <p:nvPr/>
+      </p:nvGrpSpPr>
+      <p:grpSpPr>
+        <a:xfrm>
+          <a:off x="0" y="0"/>
+          <a:ext cx="0" cy="0"/>
+          <a:chOff x="0" y="0"/>
+          <a:chExt cx="0" cy="0"/>
+        </a:xfrm>
+      </p:grpSpPr>
+      <p:sp>
+        <p:nvSpPr>
+          <p:cNvPr id="2" name="Title 1">
+            <a:extLst>
+              <a:ext uri="{FF2B5EF4-FFF2-40B4-BE49-F238E27FC236}">
+                <a16:creationId xmlns:a16="http://schemas.microsoft.com/office/drawing/2014/main" id="{CBBA0456-5FCF-4ABE-BA40-0D3F9A574748}"/>
+              </a:ext>
+            </a:extLst>
+          </p:cNvPr>
+          <p:cNvSpPr>
+            <a:spLocks noGrp="1"/>
+          </p:cNvSpPr>
+          <p:nvPr>
+            <p:ph type="title"/>
+          </p:nvPr>
+        </p:nvSpPr>
+        <p:spPr/>
+        <p:txBody>
+          <a:bodyPr/>
+          <a:lstStyle/>
+          <a:p>
+            <a:pPr algn="l"/>
+            <a:r>
+              <a:rPr lang="en-US" dirty="0"/>
+              <a:t>MS2 Post-processing: Techniques Used</a:t>
+            </a:r>
+          </a:p>
+        </p:txBody>
+      </p:sp>
+      <p:sp>
+        <p:nvSpPr>
+          <p:cNvPr id="3" name="Content Placeholder 2">
+            <a:extLst>
+              <a:ext uri="{FF2B5EF4-FFF2-40B4-BE49-F238E27FC236}">
+                <a16:creationId xmlns:a16="http://schemas.microsoft.com/office/drawing/2014/main" id="{011784F5-CDDD-4E64-A10E-B83BFC78BF44}"/>
+              </a:ext>
+            </a:extLst>
+          </p:cNvPr>
+          <p:cNvSpPr>
+            <a:spLocks noGrp="1"/>
+          </p:cNvSpPr>
+          <p:nvPr>
+            <p:ph idx="1"/>
+          </p:nvPr>
+        </p:nvSpPr>
+        <p:spPr/>
+        <p:txBody>
+          <a:bodyPr/>
+          <a:lstStyle/>
+          <a:p>
+            <a:r>
+              <a:rPr lang="en-US" dirty="0"/>
+              <a:t>Label Mapping:</a:t>
+            </a:r>
+          </a:p>
+          <a:p>
+            <a:pPr marL="36900" indent="0">
+              <a:buNone/>
+            </a:pPr>
+            <a:r>
+              <a:rPr lang="en-US" dirty="0"/>
+              <a:t>                 - Converting model output (logits) to human-readable class labels.</a:t>
+            </a:r>
+          </a:p>
+          <a:p>
+            <a:pPr marL="36900" indent="0">
+              <a:buNone/>
+            </a:pPr>
+            <a:r>
+              <a:rPr lang="en-US" dirty="0"/>
+              <a:t>                 - Example: Mapping 0 to android and 1 to </a:t>
+            </a:r>
+            <a:r>
+              <a:rPr lang="en-US" dirty="0" err="1"/>
+              <a:t>ios</a:t>
+            </a:r>
+            <a:r>
+              <a:rPr lang="en-US" dirty="0"/>
+              <a:t>.</a:t>
+            </a:r>
+          </a:p>
+          <a:p>
+            <a:pPr marL="36900" indent="0">
+              <a:buNone/>
+            </a:pPr>
+            <a:endParaRPr lang="en-US" dirty="0"/>
+          </a:p>
+          <a:p>
+            <a:r>
+              <a:rPr lang="en-US" dirty="0"/>
+              <a:t>Confidence Thresholding: Applying a confidence threshold to filter low-confidence predictions.</a:t>
+            </a:r>
+          </a:p>
+          <a:p>
+            <a:endParaRPr lang="en-US" dirty="0"/>
+          </a:p>
+          <a:p>
+            <a:r>
+              <a:rPr lang="en-US" dirty="0"/>
+              <a:t>Aggregation: Aggregating outputs from multiple instances to make a final decision.</a:t>
+            </a:r>
+          </a:p>
+        </p:txBody>
+      </p:sp>
+    </p:spTree>
+    <p:extLst>
+      <p:ext uri="{BB962C8B-B14F-4D97-AF65-F5344CB8AC3E}">
+        <p14:creationId xmlns:p14="http://schemas.microsoft.com/office/powerpoint/2010/main" val="3793171736"/>
       </p:ext>
     </p:extLst>
   </p:cSld>
@@ -6629,10 +7973,9 @@
           <a:lstStyle/>
           <a:p>
             <a:r>
-              <a:rPr lang="en-US" smtClean="0"/>
-              <a:t>Agenda</a:t>
-            </a:r>
-            <a:endParaRPr lang="en-US"/>
+              <a:rPr lang="en-US"/>
+              <a:t>Introduction</a:t>
+            </a:r>
           </a:p>
         </p:txBody>
       </p:sp>
@@ -6649,25 +7992,1456 @@
         <p:spPr/>
         <p:txBody>
           <a:bodyPr>
-            <a:normAutofit fontScale="70000" lnSpcReduction="20000"/>
+            <a:normAutofit/>
           </a:bodyPr>
           <a:lstStyle/>
           <a:p>
-            <a:endParaRPr lang="en-US" smtClean="0"/>
-          </a:p>
-          <a:p>
-            <a:r>
-              <a:rPr lang="en-US" smtClean="0"/>
-              <a:t>Introduction, Preprocessing of Input for LLM and MS2, Selection of the Pre-trained Model, Post-processing for Output: MS2 vs. MS3, Analysis of Architectures: MS2 vs. MS3, Overall Understanding of Architectures and Limitations, Findings and Discussion, Updated Background in Literature Review, Conclusion</a:t>
-            </a:r>
-            <a:endParaRPr lang="en-US"/>
+            <a:endParaRPr lang="en-US" dirty="0"/>
           </a:p>
         </p:txBody>
       </p:sp>
     </p:spTree>
     <p:extLst>
       <p:ext uri="{BB962C8B-B14F-4D97-AF65-F5344CB8AC3E}">
-        <p14:creationId xmlns:p14="http://schemas.microsoft.com/office/powerpoint/2010/main" val="100694143"/>
+        <p14:creationId xmlns:p14="http://schemas.microsoft.com/office/powerpoint/2010/main" val="1306156929"/>
+      </p:ext>
+    </p:extLst>
+  </p:cSld>
+  <p:clrMapOvr>
+    <a:masterClrMapping/>
+  </p:clrMapOvr>
+</p:sld>
+</file>
+
+<file path=ppt/slides/slide20.xml><?xml version="1.0" encoding="utf-8"?>
+<p:sld xmlns:a="http://schemas.openxmlformats.org/drawingml/2006/main" xmlns:r="http://schemas.openxmlformats.org/officeDocument/2006/relationships" xmlns:p="http://schemas.openxmlformats.org/presentationml/2006/main">
+  <p:cSld>
+    <p:spTree>
+      <p:nvGrpSpPr>
+        <p:cNvPr id="1" name=""/>
+        <p:cNvGrpSpPr/>
+        <p:nvPr/>
+      </p:nvGrpSpPr>
+      <p:grpSpPr>
+        <a:xfrm>
+          <a:off x="0" y="0"/>
+          <a:ext cx="0" cy="0"/>
+          <a:chOff x="0" y="0"/>
+          <a:chExt cx="0" cy="0"/>
+        </a:xfrm>
+      </p:grpSpPr>
+      <p:sp>
+        <p:nvSpPr>
+          <p:cNvPr id="2" name="Title 1">
+            <a:extLst>
+              <a:ext uri="{FF2B5EF4-FFF2-40B4-BE49-F238E27FC236}">
+                <a16:creationId xmlns:a16="http://schemas.microsoft.com/office/drawing/2014/main" id="{B66638CD-BC09-4B1F-9D1B-85432B27B076}"/>
+              </a:ext>
+            </a:extLst>
+          </p:cNvPr>
+          <p:cNvSpPr>
+            <a:spLocks noGrp="1"/>
+          </p:cNvSpPr>
+          <p:nvPr>
+            <p:ph type="title"/>
+          </p:nvPr>
+        </p:nvSpPr>
+        <p:spPr/>
+        <p:txBody>
+          <a:bodyPr/>
+          <a:lstStyle/>
+          <a:p>
+            <a:pPr algn="l"/>
+            <a:r>
+              <a:rPr lang="en-US" dirty="0"/>
+              <a:t>Handling Model Outputs</a:t>
+            </a:r>
+          </a:p>
+        </p:txBody>
+      </p:sp>
+      <p:sp>
+        <p:nvSpPr>
+          <p:cNvPr id="3" name="Content Placeholder 2">
+            <a:extLst>
+              <a:ext uri="{FF2B5EF4-FFF2-40B4-BE49-F238E27FC236}">
+                <a16:creationId xmlns:a16="http://schemas.microsoft.com/office/drawing/2014/main" id="{FAB34B8C-D3DF-4B2E-ADAB-8AE4D76854CB}"/>
+              </a:ext>
+            </a:extLst>
+          </p:cNvPr>
+          <p:cNvSpPr>
+            <a:spLocks noGrp="1"/>
+          </p:cNvSpPr>
+          <p:nvPr>
+            <p:ph idx="1"/>
+          </p:nvPr>
+        </p:nvSpPr>
+        <p:spPr/>
+        <p:txBody>
+          <a:bodyPr/>
+          <a:lstStyle/>
+          <a:p>
+            <a:r>
+              <a:rPr lang="en-US" b="1" dirty="0" err="1"/>
+              <a:t>Softmax</a:t>
+            </a:r>
+            <a:r>
+              <a:rPr lang="en-US" b="1" dirty="0"/>
+              <a:t> Activation: </a:t>
+            </a:r>
+            <a:r>
+              <a:rPr lang="en-US" dirty="0"/>
+              <a:t>Applying </a:t>
+            </a:r>
+            <a:r>
+              <a:rPr lang="en-US" dirty="0" err="1"/>
+              <a:t>softmax</a:t>
+            </a:r>
+            <a:r>
+              <a:rPr lang="en-US" dirty="0"/>
+              <a:t> to convert logits to probabilities.</a:t>
+            </a:r>
+          </a:p>
+          <a:p>
+            <a:endParaRPr lang="en-US" dirty="0"/>
+          </a:p>
+          <a:p>
+            <a:endParaRPr lang="en-US" dirty="0"/>
+          </a:p>
+          <a:p>
+            <a:r>
+              <a:rPr lang="en-US" b="1" dirty="0"/>
+              <a:t>Prediction Extraction</a:t>
+            </a:r>
+            <a:r>
+              <a:rPr lang="en-US" dirty="0"/>
+              <a:t>: Extracting the class with the highest probability.</a:t>
+            </a:r>
+          </a:p>
+          <a:p>
+            <a:endParaRPr lang="en-US" dirty="0"/>
+          </a:p>
+          <a:p>
+            <a:endParaRPr lang="en-US" dirty="0"/>
+          </a:p>
+          <a:p>
+            <a:r>
+              <a:rPr lang="en-US" b="1" dirty="0"/>
+              <a:t>Logging and Tracking: </a:t>
+            </a:r>
+            <a:r>
+              <a:rPr lang="en-US" dirty="0"/>
+              <a:t>Logging predictions and their confidence levels for further analysis.</a:t>
+            </a:r>
+          </a:p>
+        </p:txBody>
+      </p:sp>
+    </p:spTree>
+    <p:extLst>
+      <p:ext uri="{BB962C8B-B14F-4D97-AF65-F5344CB8AC3E}">
+        <p14:creationId xmlns:p14="http://schemas.microsoft.com/office/powerpoint/2010/main" val="3460854778"/>
+      </p:ext>
+    </p:extLst>
+  </p:cSld>
+  <p:clrMapOvr>
+    <a:masterClrMapping/>
+  </p:clrMapOvr>
+</p:sld>
+</file>
+
+<file path=ppt/slides/slide21.xml><?xml version="1.0" encoding="utf-8"?>
+<p:sld xmlns:a="http://schemas.openxmlformats.org/drawingml/2006/main" xmlns:r="http://schemas.openxmlformats.org/officeDocument/2006/relationships" xmlns:p="http://schemas.openxmlformats.org/presentationml/2006/main">
+  <p:cSld>
+    <p:spTree>
+      <p:nvGrpSpPr>
+        <p:cNvPr id="1" name=""/>
+        <p:cNvGrpSpPr/>
+        <p:nvPr/>
+      </p:nvGrpSpPr>
+      <p:grpSpPr>
+        <a:xfrm>
+          <a:off x="0" y="0"/>
+          <a:ext cx="0" cy="0"/>
+          <a:chOff x="0" y="0"/>
+          <a:chExt cx="0" cy="0"/>
+        </a:xfrm>
+      </p:grpSpPr>
+      <p:sp>
+        <p:nvSpPr>
+          <p:cNvPr id="2" name="Title 1">
+            <a:extLst>
+              <a:ext uri="{FF2B5EF4-FFF2-40B4-BE49-F238E27FC236}">
+                <a16:creationId xmlns:a16="http://schemas.microsoft.com/office/drawing/2014/main" id="{5ADBEF29-8919-40D7-8DB3-3AB2492BCA20}"/>
+              </a:ext>
+            </a:extLst>
+          </p:cNvPr>
+          <p:cNvSpPr>
+            <a:spLocks noGrp="1"/>
+          </p:cNvSpPr>
+          <p:nvPr>
+            <p:ph type="title"/>
+          </p:nvPr>
+        </p:nvSpPr>
+        <p:spPr/>
+        <p:txBody>
+          <a:bodyPr/>
+          <a:lstStyle/>
+          <a:p>
+            <a:pPr algn="l"/>
+            <a:r>
+              <a:rPr lang="en-US" dirty="0"/>
+              <a:t>MS3 Post-processing: Differences from MS2</a:t>
+            </a:r>
+          </a:p>
+        </p:txBody>
+      </p:sp>
+      <p:sp>
+        <p:nvSpPr>
+          <p:cNvPr id="3" name="Content Placeholder 2">
+            <a:extLst>
+              <a:ext uri="{FF2B5EF4-FFF2-40B4-BE49-F238E27FC236}">
+                <a16:creationId xmlns:a16="http://schemas.microsoft.com/office/drawing/2014/main" id="{D69A4E9A-6716-4597-A7EC-D060C649B681}"/>
+              </a:ext>
+            </a:extLst>
+          </p:cNvPr>
+          <p:cNvSpPr>
+            <a:spLocks noGrp="1"/>
+          </p:cNvSpPr>
+          <p:nvPr>
+            <p:ph idx="1"/>
+          </p:nvPr>
+        </p:nvSpPr>
+        <p:spPr/>
+        <p:txBody>
+          <a:bodyPr/>
+          <a:lstStyle/>
+          <a:p>
+            <a:r>
+              <a:rPr lang="en-US" dirty="0"/>
+              <a:t>Additional Post-processing Steps: Implementing more advanced techniques to refine predictions.</a:t>
+            </a:r>
+          </a:p>
+          <a:p>
+            <a:endParaRPr lang="en-US" dirty="0"/>
+          </a:p>
+          <a:p>
+            <a:r>
+              <a:rPr lang="en-US" dirty="0"/>
+              <a:t>Error Analysis: Conducting thorough error analysis to understand misclassifications.</a:t>
+            </a:r>
+          </a:p>
+          <a:p>
+            <a:endParaRPr lang="en-US" dirty="0"/>
+          </a:p>
+          <a:p>
+            <a:r>
+              <a:rPr lang="en-US" dirty="0"/>
+              <a:t>Feedback Loop: Integrating user feedback to improve model performance iteratively.</a:t>
+            </a:r>
+          </a:p>
+        </p:txBody>
+      </p:sp>
+    </p:spTree>
+    <p:extLst>
+      <p:ext uri="{BB962C8B-B14F-4D97-AF65-F5344CB8AC3E}">
+        <p14:creationId xmlns:p14="http://schemas.microsoft.com/office/powerpoint/2010/main" val="3930174651"/>
+      </p:ext>
+    </p:extLst>
+  </p:cSld>
+  <p:clrMapOvr>
+    <a:masterClrMapping/>
+  </p:clrMapOvr>
+</p:sld>
+</file>
+
+<file path=ppt/slides/slide22.xml><?xml version="1.0" encoding="utf-8"?>
+<p:sld xmlns:a="http://schemas.openxmlformats.org/drawingml/2006/main" xmlns:r="http://schemas.openxmlformats.org/officeDocument/2006/relationships" xmlns:p="http://schemas.openxmlformats.org/presentationml/2006/main">
+  <p:cSld>
+    <p:spTree>
+      <p:nvGrpSpPr>
+        <p:cNvPr id="1" name=""/>
+        <p:cNvGrpSpPr/>
+        <p:nvPr/>
+      </p:nvGrpSpPr>
+      <p:grpSpPr>
+        <a:xfrm>
+          <a:off x="0" y="0"/>
+          <a:ext cx="0" cy="0"/>
+          <a:chOff x="0" y="0"/>
+          <a:chExt cx="0" cy="0"/>
+        </a:xfrm>
+      </p:grpSpPr>
+      <p:sp>
+        <p:nvSpPr>
+          <p:cNvPr id="2" name="Title 1">
+            <a:extLst>
+              <a:ext uri="{FF2B5EF4-FFF2-40B4-BE49-F238E27FC236}">
+                <a16:creationId xmlns:a16="http://schemas.microsoft.com/office/drawing/2014/main" id="{E695E265-EA0B-4278-A4AD-944B24D0B7C4}"/>
+              </a:ext>
+            </a:extLst>
+          </p:cNvPr>
+          <p:cNvSpPr>
+            <a:spLocks noGrp="1"/>
+          </p:cNvSpPr>
+          <p:nvPr>
+            <p:ph type="title"/>
+          </p:nvPr>
+        </p:nvSpPr>
+        <p:spPr/>
+        <p:txBody>
+          <a:bodyPr>
+            <a:normAutofit fontScale="90000"/>
+          </a:bodyPr>
+          <a:lstStyle/>
+          <a:p>
+            <a:pPr algn="l"/>
+            <a:r>
+              <a:rPr lang="en-US" dirty="0"/>
+              <a:t>Additional or Alternative Post-processing Steps in MS3</a:t>
+            </a:r>
+          </a:p>
+        </p:txBody>
+      </p:sp>
+      <p:sp>
+        <p:nvSpPr>
+          <p:cNvPr id="3" name="Content Placeholder 2">
+            <a:extLst>
+              <a:ext uri="{FF2B5EF4-FFF2-40B4-BE49-F238E27FC236}">
+                <a16:creationId xmlns:a16="http://schemas.microsoft.com/office/drawing/2014/main" id="{517DBA07-62A1-4D2A-B39F-534B264FB927}"/>
+              </a:ext>
+            </a:extLst>
+          </p:cNvPr>
+          <p:cNvSpPr>
+            <a:spLocks noGrp="1"/>
+          </p:cNvSpPr>
+          <p:nvPr>
+            <p:ph idx="1"/>
+          </p:nvPr>
+        </p:nvSpPr>
+        <p:spPr/>
+        <p:txBody>
+          <a:bodyPr/>
+          <a:lstStyle/>
+          <a:p>
+            <a:r>
+              <a:rPr lang="en-US" dirty="0"/>
+              <a:t>Ensemble Methods: Combining outputs from multiple models to improve robustness.</a:t>
+            </a:r>
+          </a:p>
+          <a:p>
+            <a:r>
+              <a:rPr lang="en-US" dirty="0"/>
+              <a:t>Probability Calibration: Adjusting the predicted probabilities to better reflect true likelihoods.</a:t>
+            </a:r>
+          </a:p>
+          <a:p>
+            <a:r>
+              <a:rPr lang="en-US" dirty="0"/>
+              <a:t>Dynamic Thresholding: Adapting confidence thresholds based on context or input characteristics.</a:t>
+            </a:r>
+          </a:p>
+        </p:txBody>
+      </p:sp>
+    </p:spTree>
+    <p:extLst>
+      <p:ext uri="{BB962C8B-B14F-4D97-AF65-F5344CB8AC3E}">
+        <p14:creationId xmlns:p14="http://schemas.microsoft.com/office/powerpoint/2010/main" val="1969106598"/>
+      </p:ext>
+    </p:extLst>
+  </p:cSld>
+  <p:clrMapOvr>
+    <a:masterClrMapping/>
+  </p:clrMapOvr>
+</p:sld>
+</file>
+
+<file path=ppt/slides/slide23.xml><?xml version="1.0" encoding="utf-8"?>
+<p:sld xmlns:a="http://schemas.openxmlformats.org/drawingml/2006/main" xmlns:r="http://schemas.openxmlformats.org/officeDocument/2006/relationships" xmlns:p="http://schemas.openxmlformats.org/presentationml/2006/main">
+  <p:cSld>
+    <p:spTree>
+      <p:nvGrpSpPr>
+        <p:cNvPr id="1" name=""/>
+        <p:cNvGrpSpPr/>
+        <p:nvPr/>
+      </p:nvGrpSpPr>
+      <p:grpSpPr>
+        <a:xfrm>
+          <a:off x="0" y="0"/>
+          <a:ext cx="0" cy="0"/>
+          <a:chOff x="0" y="0"/>
+          <a:chExt cx="0" cy="0"/>
+        </a:xfrm>
+      </p:grpSpPr>
+      <p:sp>
+        <p:nvSpPr>
+          <p:cNvPr id="2" name="Title 1">
+            <a:extLst>
+              <a:ext uri="{FF2B5EF4-FFF2-40B4-BE49-F238E27FC236}">
+                <a16:creationId xmlns:a16="http://schemas.microsoft.com/office/drawing/2014/main" id="{0BEDAFE5-123B-4D16-B71E-02F20F76C42B}"/>
+              </a:ext>
+            </a:extLst>
+          </p:cNvPr>
+          <p:cNvSpPr>
+            <a:spLocks noGrp="1"/>
+          </p:cNvSpPr>
+          <p:nvPr>
+            <p:ph type="title"/>
+          </p:nvPr>
+        </p:nvSpPr>
+        <p:spPr/>
+        <p:txBody>
+          <a:bodyPr/>
+          <a:lstStyle/>
+          <a:p>
+            <a:r>
+              <a:rPr lang="da-DK" dirty="0"/>
+              <a:t>Code Snippet for MS2 Post-processing</a:t>
+            </a:r>
+            <a:endParaRPr lang="en-US" dirty="0"/>
+          </a:p>
+        </p:txBody>
+      </p:sp>
+      <p:pic>
+        <p:nvPicPr>
+          <p:cNvPr id="5" name="Content Placeholder 4">
+            <a:extLst>
+              <a:ext uri="{FF2B5EF4-FFF2-40B4-BE49-F238E27FC236}">
+                <a16:creationId xmlns:a16="http://schemas.microsoft.com/office/drawing/2014/main" id="{11F2A967-6AB2-4594-84DB-40029ADA811A}"/>
+              </a:ext>
+            </a:extLst>
+          </p:cNvPr>
+          <p:cNvPicPr>
+            <a:picLocks noGrp="1" noChangeAspect="1"/>
+          </p:cNvPicPr>
+          <p:nvPr>
+            <p:ph idx="1"/>
+          </p:nvPr>
+        </p:nvPicPr>
+        <p:blipFill>
+          <a:blip r:embed="rId2"/>
+          <a:stretch>
+            <a:fillRect/>
+          </a:stretch>
+        </p:blipFill>
+        <p:spPr>
+          <a:xfrm>
+            <a:off x="1772529" y="1870869"/>
+            <a:ext cx="8764173" cy="4712811"/>
+          </a:xfrm>
+        </p:spPr>
+      </p:pic>
+    </p:spTree>
+    <p:extLst>
+      <p:ext uri="{BB962C8B-B14F-4D97-AF65-F5344CB8AC3E}">
+        <p14:creationId xmlns:p14="http://schemas.microsoft.com/office/powerpoint/2010/main" val="2646204441"/>
+      </p:ext>
+    </p:extLst>
+  </p:cSld>
+  <p:clrMapOvr>
+    <a:masterClrMapping/>
+  </p:clrMapOvr>
+</p:sld>
+</file>
+
+<file path=ppt/slides/slide24.xml><?xml version="1.0" encoding="utf-8"?>
+<p:sld xmlns:a="http://schemas.openxmlformats.org/drawingml/2006/main" xmlns:r="http://schemas.openxmlformats.org/officeDocument/2006/relationships" xmlns:p="http://schemas.openxmlformats.org/presentationml/2006/main">
+  <p:cSld>
+    <p:spTree>
+      <p:nvGrpSpPr>
+        <p:cNvPr id="1" name=""/>
+        <p:cNvGrpSpPr/>
+        <p:nvPr/>
+      </p:nvGrpSpPr>
+      <p:grpSpPr>
+        <a:xfrm>
+          <a:off x="0" y="0"/>
+          <a:ext cx="0" cy="0"/>
+          <a:chOff x="0" y="0"/>
+          <a:chExt cx="0" cy="0"/>
+        </a:xfrm>
+      </p:grpSpPr>
+      <p:sp>
+        <p:nvSpPr>
+          <p:cNvPr id="2" name="Title 1"/>
+          <p:cNvSpPr>
+            <a:spLocks noGrp="1"/>
+          </p:cNvSpPr>
+          <p:nvPr>
+            <p:ph type="ctrTitle"/>
+          </p:nvPr>
+        </p:nvSpPr>
+        <p:spPr>
+          <a:xfrm>
+            <a:off x="1375983" y="2514599"/>
+            <a:ext cx="9440034" cy="1828801"/>
+          </a:xfrm>
+        </p:spPr>
+        <p:txBody>
+          <a:bodyPr/>
+          <a:lstStyle/>
+          <a:p>
+            <a:r>
+              <a:rPr lang="en-US" dirty="0"/>
+              <a:t>Analysis of Architectures: MS2 vs. MS3</a:t>
+            </a:r>
+          </a:p>
+        </p:txBody>
+      </p:sp>
+    </p:spTree>
+    <p:extLst>
+      <p:ext uri="{BB962C8B-B14F-4D97-AF65-F5344CB8AC3E}">
+        <p14:creationId xmlns:p14="http://schemas.microsoft.com/office/powerpoint/2010/main" val="1757677253"/>
+      </p:ext>
+    </p:extLst>
+  </p:cSld>
+  <p:clrMapOvr>
+    <a:masterClrMapping/>
+  </p:clrMapOvr>
+</p:sld>
+</file>
+
+<file path=ppt/slides/slide25.xml><?xml version="1.0" encoding="utf-8"?>
+<p:sld xmlns:a="http://schemas.openxmlformats.org/drawingml/2006/main" xmlns:r="http://schemas.openxmlformats.org/officeDocument/2006/relationships" xmlns:p="http://schemas.openxmlformats.org/presentationml/2006/main">
+  <p:cSld>
+    <p:spTree>
+      <p:nvGrpSpPr>
+        <p:cNvPr id="1" name=""/>
+        <p:cNvGrpSpPr/>
+        <p:nvPr/>
+      </p:nvGrpSpPr>
+      <p:grpSpPr>
+        <a:xfrm>
+          <a:off x="0" y="0"/>
+          <a:ext cx="0" cy="0"/>
+          <a:chOff x="0" y="0"/>
+          <a:chExt cx="0" cy="0"/>
+        </a:xfrm>
+      </p:grpSpPr>
+      <p:sp>
+        <p:nvSpPr>
+          <p:cNvPr id="2" name="Title 1"/>
+          <p:cNvSpPr>
+            <a:spLocks noGrp="1"/>
+          </p:cNvSpPr>
+          <p:nvPr>
+            <p:ph type="ctrTitle"/>
+          </p:nvPr>
+        </p:nvSpPr>
+        <p:spPr/>
+        <p:txBody>
+          <a:bodyPr/>
+          <a:lstStyle/>
+          <a:p>
+            <a:r>
+              <a:rPr lang="en-US" dirty="0"/>
+              <a:t>Limitations of MS2 and MS3</a:t>
+            </a:r>
+          </a:p>
+        </p:txBody>
+      </p:sp>
+      <p:sp>
+        <p:nvSpPr>
+          <p:cNvPr id="3" name="Subtitle 2"/>
+          <p:cNvSpPr>
+            <a:spLocks noGrp="1"/>
+          </p:cNvSpPr>
+          <p:nvPr>
+            <p:ph type="subTitle" idx="1"/>
+          </p:nvPr>
+        </p:nvSpPr>
+        <p:spPr/>
+        <p:txBody>
+          <a:bodyPr>
+            <a:normAutofit/>
+          </a:bodyPr>
+          <a:lstStyle/>
+          <a:p>
+            <a:endParaRPr lang="en-US" dirty="0"/>
+          </a:p>
+        </p:txBody>
+      </p:sp>
+    </p:spTree>
+    <p:extLst>
+      <p:ext uri="{BB962C8B-B14F-4D97-AF65-F5344CB8AC3E}">
+        <p14:creationId xmlns:p14="http://schemas.microsoft.com/office/powerpoint/2010/main" val="2237536159"/>
+      </p:ext>
+    </p:extLst>
+  </p:cSld>
+  <p:clrMapOvr>
+    <a:masterClrMapping/>
+  </p:clrMapOvr>
+</p:sld>
+</file>
+
+<file path=ppt/slides/slide26.xml><?xml version="1.0" encoding="utf-8"?>
+<p:sld xmlns:a="http://schemas.openxmlformats.org/drawingml/2006/main" xmlns:r="http://schemas.openxmlformats.org/officeDocument/2006/relationships" xmlns:p="http://schemas.openxmlformats.org/presentationml/2006/main">
+  <p:cSld>
+    <p:spTree>
+      <p:nvGrpSpPr>
+        <p:cNvPr id="1" name=""/>
+        <p:cNvGrpSpPr/>
+        <p:nvPr/>
+      </p:nvGrpSpPr>
+      <p:grpSpPr>
+        <a:xfrm>
+          <a:off x="0" y="0"/>
+          <a:ext cx="0" cy="0"/>
+          <a:chOff x="0" y="0"/>
+          <a:chExt cx="0" cy="0"/>
+        </a:xfrm>
+      </p:grpSpPr>
+      <p:sp>
+        <p:nvSpPr>
+          <p:cNvPr id="2" name="Title 1">
+            <a:extLst>
+              <a:ext uri="{FF2B5EF4-FFF2-40B4-BE49-F238E27FC236}">
+                <a16:creationId xmlns:a16="http://schemas.microsoft.com/office/drawing/2014/main" id="{B55FFC29-8ABC-45E4-BB4B-CBB06034D0FA}"/>
+              </a:ext>
+            </a:extLst>
+          </p:cNvPr>
+          <p:cNvSpPr>
+            <a:spLocks noGrp="1"/>
+          </p:cNvSpPr>
+          <p:nvPr>
+            <p:ph type="title"/>
+          </p:nvPr>
+        </p:nvSpPr>
+        <p:spPr/>
+        <p:txBody>
+          <a:bodyPr/>
+          <a:lstStyle/>
+          <a:p>
+            <a:pPr algn="l"/>
+            <a:r>
+              <a:rPr lang="en-US" dirty="0"/>
+              <a:t>Limitations of MS2</a:t>
+            </a:r>
+          </a:p>
+        </p:txBody>
+      </p:sp>
+      <p:sp>
+        <p:nvSpPr>
+          <p:cNvPr id="4" name="Rectangle 1">
+            <a:extLst>
+              <a:ext uri="{FF2B5EF4-FFF2-40B4-BE49-F238E27FC236}">
+                <a16:creationId xmlns:a16="http://schemas.microsoft.com/office/drawing/2014/main" id="{D91098BB-121B-4A7D-B4F7-98FED25E6153}"/>
+              </a:ext>
+            </a:extLst>
+          </p:cNvPr>
+          <p:cNvSpPr>
+            <a:spLocks noGrp="1" noChangeArrowheads="1"/>
+          </p:cNvSpPr>
+          <p:nvPr>
+            <p:ph idx="1"/>
+          </p:nvPr>
+        </p:nvSpPr>
+        <p:spPr bwMode="auto">
+          <a:xfrm>
+            <a:off x="913795" y="2176775"/>
+            <a:ext cx="10783721" cy="3170099"/>
+          </a:xfrm>
+          <a:prstGeom prst="rect">
+            <a:avLst/>
+          </a:prstGeom>
+          <a:noFill/>
+          <a:ln>
+            <a:noFill/>
+          </a:ln>
+          <a:effectLst/>
+          <a:extLst>
+            <a:ext uri="{909E8E84-426E-40DD-AFC4-6F175D3DCCD1}">
+              <a14:hiddenFill xmlns:a14="http://schemas.microsoft.com/office/drawing/2010/main">
+                <a:solidFill>
+                  <a:schemeClr val="accent1"/>
+                </a:solidFill>
+              </a14:hiddenFill>
+            </a:ext>
+            <a:ext uri="{91240B29-F687-4F45-9708-019B960494DF}">
+              <a14:hiddenLine xmlns:a14="http://schemas.microsoft.com/office/drawing/2010/main" w="9525">
+                <a:solidFill>
+                  <a:schemeClr val="tx1"/>
+                </a:solidFill>
+                <a:miter lim="800000"/>
+                <a:headEnd/>
+                <a:tailEnd/>
+              </a14:hiddenLine>
+            </a:ext>
+            <a:ext uri="{AF507438-7753-43E0-B8FC-AC1667EBCBE1}">
+              <a14:hiddenEffects xmlns:a14="http://schemas.microsoft.com/office/drawing/2010/main">
+                <a:effectLst>
+                  <a:outerShdw dist="35921" dir="2700000" algn="ctr" rotWithShape="0">
+                    <a:schemeClr val="bg2"/>
+                  </a:outerShdw>
+                </a:effectLst>
+              </a14:hiddenEffects>
+            </a:ext>
+          </a:extLst>
+        </p:spPr>
+        <p:txBody>
+          <a:bodyPr vert="horz" wrap="none" lIns="91440" tIns="45720" rIns="91440" bIns="45720" numCol="1" anchor="ctr" anchorCtr="0" compatLnSpc="1">
+            <a:prstTxWarp prst="textNoShape">
+              <a:avLst/>
+            </a:prstTxWarp>
+            <a:spAutoFit/>
+          </a:bodyPr>
+          <a:lstStyle/>
+          <a:p>
+            <a:pPr marL="285750" indent="-285750" defTabSz="914400" eaLnBrk="0" fontAlgn="base" hangingPunct="0">
+              <a:spcBef>
+                <a:spcPct val="0"/>
+              </a:spcBef>
+              <a:spcAft>
+                <a:spcPct val="0"/>
+              </a:spcAft>
+              <a:buClrTx/>
+              <a:buSzTx/>
+            </a:pPr>
+            <a:r>
+              <a:rPr kumimoji="0" lang="en-US" altLang="en-US" b="1" i="0" u="none" strike="noStrike" cap="none" normalizeH="0" baseline="0" dirty="0">
+                <a:ln>
+                  <a:noFill/>
+                </a:ln>
+                <a:solidFill>
+                  <a:schemeClr val="tx1"/>
+                </a:solidFill>
+                <a:effectLst/>
+                <a:latin typeface="Arial" panose="020B0604020202020204" pitchFamily="34" charset="0"/>
+              </a:rPr>
+              <a:t>Simpler Model</a:t>
+            </a:r>
+            <a:r>
+              <a:rPr kumimoji="0" lang="en-US" altLang="en-US" b="0" i="0" u="none" strike="noStrike" cap="none" normalizeH="0" baseline="0" dirty="0">
+                <a:ln>
+                  <a:noFill/>
+                </a:ln>
+                <a:solidFill>
+                  <a:schemeClr val="tx1"/>
+                </a:solidFill>
+                <a:effectLst/>
+                <a:latin typeface="Arial" panose="020B0604020202020204" pitchFamily="34" charset="0"/>
+              </a:rPr>
+              <a:t>:</a:t>
+            </a:r>
+          </a:p>
+          <a:p>
+            <a:pPr marL="0" marR="0" lvl="0" indent="0" algn="l" defTabSz="914400" rtl="0" eaLnBrk="0" fontAlgn="base" latinLnBrk="0" hangingPunct="0">
+              <a:lnSpc>
+                <a:spcPct val="100000"/>
+              </a:lnSpc>
+              <a:spcBef>
+                <a:spcPct val="0"/>
+              </a:spcBef>
+              <a:spcAft>
+                <a:spcPct val="0"/>
+              </a:spcAft>
+              <a:buClrTx/>
+              <a:buSzTx/>
+              <a:buNone/>
+              <a:tabLst/>
+            </a:pPr>
+            <a:r>
+              <a:rPr kumimoji="0" lang="en-US" altLang="en-US" b="0" i="0" u="none" strike="noStrike" cap="none" normalizeH="0" baseline="0" dirty="0">
+                <a:ln>
+                  <a:noFill/>
+                </a:ln>
+                <a:solidFill>
+                  <a:schemeClr val="tx1"/>
+                </a:solidFill>
+                <a:effectLst/>
+                <a:latin typeface="Arial" panose="020B0604020202020204" pitchFamily="34" charset="0"/>
+              </a:rPr>
+              <a:t>                      - Relies on traditional machine learning techniques.</a:t>
+            </a:r>
+          </a:p>
+          <a:p>
+            <a:pPr marL="0" marR="0" lvl="0" indent="0" algn="l" defTabSz="914400" rtl="0" eaLnBrk="0" fontAlgn="base" latinLnBrk="0" hangingPunct="0">
+              <a:lnSpc>
+                <a:spcPct val="100000"/>
+              </a:lnSpc>
+              <a:spcBef>
+                <a:spcPct val="0"/>
+              </a:spcBef>
+              <a:spcAft>
+                <a:spcPct val="0"/>
+              </a:spcAft>
+              <a:buClrTx/>
+              <a:buSzTx/>
+              <a:buNone/>
+              <a:tabLst/>
+            </a:pPr>
+            <a:r>
+              <a:rPr kumimoji="0" lang="en-US" altLang="en-US" b="0" i="0" u="none" strike="noStrike" cap="none" normalizeH="0" baseline="0" dirty="0">
+                <a:ln>
+                  <a:noFill/>
+                </a:ln>
+                <a:solidFill>
+                  <a:schemeClr val="tx1"/>
+                </a:solidFill>
+                <a:effectLst/>
+                <a:latin typeface="Arial" panose="020B0604020202020204" pitchFamily="34" charset="0"/>
+              </a:rPr>
+              <a:t>                      -May not capture complex patterns in the data.</a:t>
+            </a:r>
+          </a:p>
+          <a:p>
+            <a:pPr marL="285750" indent="-285750" defTabSz="914400" eaLnBrk="0" fontAlgn="base" hangingPunct="0">
+              <a:spcBef>
+                <a:spcPct val="0"/>
+              </a:spcBef>
+              <a:spcAft>
+                <a:spcPct val="0"/>
+              </a:spcAft>
+              <a:buClrTx/>
+              <a:buSzTx/>
+            </a:pPr>
+            <a:r>
+              <a:rPr kumimoji="0" lang="en-US" altLang="en-US" b="1" i="0" u="none" strike="noStrike" cap="none" normalizeH="0" baseline="0" dirty="0">
+                <a:ln>
+                  <a:noFill/>
+                </a:ln>
+                <a:solidFill>
+                  <a:schemeClr val="tx1"/>
+                </a:solidFill>
+                <a:effectLst/>
+                <a:latin typeface="Arial" panose="020B0604020202020204" pitchFamily="34" charset="0"/>
+              </a:rPr>
+              <a:t>Faster Training</a:t>
+            </a:r>
+            <a:r>
+              <a:rPr kumimoji="0" lang="en-US" altLang="en-US" b="0" i="0" u="none" strike="noStrike" cap="none" normalizeH="0" baseline="0" dirty="0">
+                <a:ln>
+                  <a:noFill/>
+                </a:ln>
+                <a:solidFill>
+                  <a:schemeClr val="tx1"/>
+                </a:solidFill>
+                <a:effectLst/>
+                <a:latin typeface="Arial" panose="020B0604020202020204" pitchFamily="34" charset="0"/>
+              </a:rPr>
+              <a:t>:</a:t>
+            </a:r>
+          </a:p>
+          <a:p>
+            <a:pPr marL="0" marR="0" lvl="0" indent="0" algn="l" defTabSz="914400" rtl="0" eaLnBrk="0" fontAlgn="base" latinLnBrk="0" hangingPunct="0">
+              <a:lnSpc>
+                <a:spcPct val="100000"/>
+              </a:lnSpc>
+              <a:spcBef>
+                <a:spcPct val="0"/>
+              </a:spcBef>
+              <a:spcAft>
+                <a:spcPct val="0"/>
+              </a:spcAft>
+              <a:buClrTx/>
+              <a:buSzTx/>
+              <a:buNone/>
+              <a:tabLst/>
+            </a:pPr>
+            <a:r>
+              <a:rPr kumimoji="0" lang="en-US" altLang="en-US" b="0" i="0" u="none" strike="noStrike" cap="none" normalizeH="0" baseline="0" dirty="0">
+                <a:ln>
+                  <a:noFill/>
+                </a:ln>
+                <a:solidFill>
+                  <a:schemeClr val="tx1"/>
+                </a:solidFill>
+                <a:effectLst/>
+                <a:latin typeface="Arial" panose="020B0604020202020204" pitchFamily="34" charset="0"/>
+              </a:rPr>
+              <a:t>                      - Quick to train and deploy due to lower computational requirements.</a:t>
+            </a:r>
+          </a:p>
+          <a:p>
+            <a:pPr marL="0" marR="0" lvl="0" indent="0" defTabSz="914400" rtl="0" eaLnBrk="0" fontAlgn="base" latinLnBrk="0" hangingPunct="0">
+              <a:lnSpc>
+                <a:spcPct val="100000"/>
+              </a:lnSpc>
+              <a:spcBef>
+                <a:spcPct val="0"/>
+              </a:spcBef>
+              <a:spcAft>
+                <a:spcPct val="0"/>
+              </a:spcAft>
+              <a:buClrTx/>
+              <a:buSzTx/>
+              <a:buNone/>
+              <a:tabLst/>
+            </a:pPr>
+            <a:r>
+              <a:rPr kumimoji="0" lang="en-US" altLang="en-US" b="0" i="0" u="none" strike="noStrike" cap="none" normalizeH="0" baseline="0" dirty="0">
+                <a:ln>
+                  <a:noFill/>
+                </a:ln>
+                <a:solidFill>
+                  <a:schemeClr val="tx1"/>
+                </a:solidFill>
+                <a:effectLst/>
+                <a:latin typeface="Arial" panose="020B0604020202020204" pitchFamily="34" charset="0"/>
+              </a:rPr>
+              <a:t>                      - Suitable for smaller datasets or less complex tasks.</a:t>
+            </a:r>
+          </a:p>
+          <a:p>
+            <a:pPr marL="285750" indent="-285750" defTabSz="914400" eaLnBrk="0" fontAlgn="base" hangingPunct="0">
+              <a:spcBef>
+                <a:spcPct val="0"/>
+              </a:spcBef>
+              <a:spcAft>
+                <a:spcPct val="0"/>
+              </a:spcAft>
+              <a:buClrTx/>
+              <a:buSzTx/>
+            </a:pPr>
+            <a:r>
+              <a:rPr kumimoji="0" lang="en-US" altLang="en-US" b="1" i="0" u="none" strike="noStrike" cap="none" normalizeH="0" baseline="0" dirty="0">
+                <a:ln>
+                  <a:noFill/>
+                </a:ln>
+                <a:solidFill>
+                  <a:schemeClr val="tx1"/>
+                </a:solidFill>
+                <a:effectLst/>
+                <a:latin typeface="Arial" panose="020B0604020202020204" pitchFamily="34" charset="0"/>
+              </a:rPr>
+              <a:t>Limitations</a:t>
+            </a:r>
+            <a:r>
+              <a:rPr kumimoji="0" lang="en-US" altLang="en-US" b="0" i="0" u="none" strike="noStrike" cap="none" normalizeH="0" baseline="0" dirty="0">
+                <a:ln>
+                  <a:noFill/>
+                </a:ln>
+                <a:solidFill>
+                  <a:schemeClr val="tx1"/>
+                </a:solidFill>
+                <a:effectLst/>
+                <a:latin typeface="Arial" panose="020B0604020202020204" pitchFamily="34" charset="0"/>
+              </a:rPr>
+              <a:t>:</a:t>
+            </a:r>
+          </a:p>
+          <a:p>
+            <a:pPr marL="0" marR="0" lvl="0" indent="0" algn="l" defTabSz="914400" rtl="0" eaLnBrk="0" fontAlgn="base" latinLnBrk="0" hangingPunct="0">
+              <a:lnSpc>
+                <a:spcPct val="100000"/>
+              </a:lnSpc>
+              <a:spcBef>
+                <a:spcPct val="0"/>
+              </a:spcBef>
+              <a:spcAft>
+                <a:spcPct val="0"/>
+              </a:spcAft>
+              <a:buClrTx/>
+              <a:buSzTx/>
+              <a:buNone/>
+              <a:tabLst/>
+            </a:pPr>
+            <a:r>
+              <a:rPr kumimoji="0" lang="en-US" altLang="en-US" b="0" i="0" u="none" strike="noStrike" cap="none" normalizeH="0" baseline="0" dirty="0">
+                <a:ln>
+                  <a:noFill/>
+                </a:ln>
+                <a:solidFill>
+                  <a:schemeClr val="tx1"/>
+                </a:solidFill>
+                <a:effectLst/>
+                <a:latin typeface="Arial" panose="020B0604020202020204" pitchFamily="34" charset="0"/>
+              </a:rPr>
+              <a:t>                       - Limited scalability and adaptability.</a:t>
+            </a:r>
+          </a:p>
+          <a:p>
+            <a:pPr marL="0" marR="0" lvl="0" indent="0" defTabSz="914400" rtl="0" eaLnBrk="0" fontAlgn="base" latinLnBrk="0" hangingPunct="0">
+              <a:lnSpc>
+                <a:spcPct val="100000"/>
+              </a:lnSpc>
+              <a:spcBef>
+                <a:spcPct val="0"/>
+              </a:spcBef>
+              <a:spcAft>
+                <a:spcPct val="0"/>
+              </a:spcAft>
+              <a:buClrTx/>
+              <a:buSzTx/>
+              <a:buNone/>
+              <a:tabLst/>
+            </a:pPr>
+            <a:r>
+              <a:rPr kumimoji="0" lang="en-US" altLang="en-US" b="0" i="0" u="none" strike="noStrike" cap="none" normalizeH="0" baseline="0" dirty="0">
+                <a:ln>
+                  <a:noFill/>
+                </a:ln>
+                <a:solidFill>
+                  <a:schemeClr val="tx1"/>
+                </a:solidFill>
+                <a:effectLst/>
+                <a:latin typeface="Arial" panose="020B0604020202020204" pitchFamily="34" charset="0"/>
+              </a:rPr>
+              <a:t>                       - May struggle with high-dimensional data or nuanced language understanding.</a:t>
+            </a:r>
+          </a:p>
+          <a:p>
+            <a:pPr marL="0" marR="0" lvl="0" indent="0" algn="l" defTabSz="914400" rtl="0" eaLnBrk="0" fontAlgn="base" latinLnBrk="0" hangingPunct="0">
+              <a:lnSpc>
+                <a:spcPct val="100000"/>
+              </a:lnSpc>
+              <a:spcBef>
+                <a:spcPct val="0"/>
+              </a:spcBef>
+              <a:spcAft>
+                <a:spcPct val="0"/>
+              </a:spcAft>
+              <a:buClrTx/>
+              <a:buSzTx/>
+              <a:buFontTx/>
+              <a:buNone/>
+              <a:tabLst/>
+            </a:pPr>
+            <a:endParaRPr kumimoji="0" lang="en-US" altLang="en-US" b="0" i="0" u="none" strike="noStrike" cap="none" normalizeH="0" baseline="0" dirty="0">
+              <a:ln>
+                <a:noFill/>
+              </a:ln>
+              <a:solidFill>
+                <a:schemeClr val="tx1"/>
+              </a:solidFill>
+              <a:effectLst/>
+              <a:latin typeface="Arial" panose="020B0604020202020204" pitchFamily="34" charset="0"/>
+            </a:endParaRPr>
+          </a:p>
+        </p:txBody>
+      </p:sp>
+    </p:spTree>
+    <p:extLst>
+      <p:ext uri="{BB962C8B-B14F-4D97-AF65-F5344CB8AC3E}">
+        <p14:creationId xmlns:p14="http://schemas.microsoft.com/office/powerpoint/2010/main" val="3909247876"/>
+      </p:ext>
+    </p:extLst>
+  </p:cSld>
+  <p:clrMapOvr>
+    <a:masterClrMapping/>
+  </p:clrMapOvr>
+</p:sld>
+</file>
+
+<file path=ppt/slides/slide27.xml><?xml version="1.0" encoding="utf-8"?>
+<p:sld xmlns:a="http://schemas.openxmlformats.org/drawingml/2006/main" xmlns:r="http://schemas.openxmlformats.org/officeDocument/2006/relationships" xmlns:p="http://schemas.openxmlformats.org/presentationml/2006/main">
+  <p:cSld>
+    <p:spTree>
+      <p:nvGrpSpPr>
+        <p:cNvPr id="1" name=""/>
+        <p:cNvGrpSpPr/>
+        <p:nvPr/>
+      </p:nvGrpSpPr>
+      <p:grpSpPr>
+        <a:xfrm>
+          <a:off x="0" y="0"/>
+          <a:ext cx="0" cy="0"/>
+          <a:chOff x="0" y="0"/>
+          <a:chExt cx="0" cy="0"/>
+        </a:xfrm>
+      </p:grpSpPr>
+      <p:sp>
+        <p:nvSpPr>
+          <p:cNvPr id="2" name="Title 1">
+            <a:extLst>
+              <a:ext uri="{FF2B5EF4-FFF2-40B4-BE49-F238E27FC236}">
+                <a16:creationId xmlns:a16="http://schemas.microsoft.com/office/drawing/2014/main" id="{6D8CED38-7E20-4B74-94D2-B9F555951905}"/>
+              </a:ext>
+            </a:extLst>
+          </p:cNvPr>
+          <p:cNvSpPr>
+            <a:spLocks noGrp="1"/>
+          </p:cNvSpPr>
+          <p:nvPr>
+            <p:ph type="title"/>
+          </p:nvPr>
+        </p:nvSpPr>
+        <p:spPr/>
+        <p:txBody>
+          <a:bodyPr/>
+          <a:lstStyle/>
+          <a:p>
+            <a:pPr algn="l"/>
+            <a:r>
+              <a:rPr lang="en-US" dirty="0"/>
+              <a:t>Limitations of MS3</a:t>
+            </a:r>
+          </a:p>
+        </p:txBody>
+      </p:sp>
+      <p:sp>
+        <p:nvSpPr>
+          <p:cNvPr id="3" name="Content Placeholder 2">
+            <a:extLst>
+              <a:ext uri="{FF2B5EF4-FFF2-40B4-BE49-F238E27FC236}">
+                <a16:creationId xmlns:a16="http://schemas.microsoft.com/office/drawing/2014/main" id="{07CB5434-AA6E-404E-9241-AD822793953B}"/>
+              </a:ext>
+            </a:extLst>
+          </p:cNvPr>
+          <p:cNvSpPr>
+            <a:spLocks noGrp="1"/>
+          </p:cNvSpPr>
+          <p:nvPr>
+            <p:ph idx="1"/>
+          </p:nvPr>
+        </p:nvSpPr>
+        <p:spPr>
+          <a:xfrm>
+            <a:off x="913795" y="1580050"/>
+            <a:ext cx="10353762" cy="4058751"/>
+          </a:xfrm>
+        </p:spPr>
+        <p:txBody>
+          <a:bodyPr>
+            <a:normAutofit lnSpcReduction="10000"/>
+          </a:bodyPr>
+          <a:lstStyle/>
+          <a:p>
+            <a:endParaRPr lang="en-US" b="1" dirty="0"/>
+          </a:p>
+          <a:p>
+            <a:pPr>
+              <a:buFont typeface="Arial" panose="020B0604020202020204" pitchFamily="34" charset="0"/>
+              <a:buChar char="•"/>
+            </a:pPr>
+            <a:r>
+              <a:rPr lang="en-US" b="1" dirty="0"/>
+              <a:t>More Complex</a:t>
+            </a:r>
+            <a:r>
+              <a:rPr lang="en-US" dirty="0"/>
+              <a:t>:</a:t>
+            </a:r>
+          </a:p>
+          <a:p>
+            <a:pPr marL="742950" lvl="1" indent="-285750">
+              <a:buFont typeface="Arial" panose="020B0604020202020204" pitchFamily="34" charset="0"/>
+              <a:buChar char="•"/>
+            </a:pPr>
+            <a:r>
+              <a:rPr lang="en-US" dirty="0"/>
+              <a:t>Involves advanced model architectures and preprocessing techniques.</a:t>
+            </a:r>
+          </a:p>
+          <a:p>
+            <a:pPr marL="742950" lvl="1" indent="-285750">
+              <a:buFont typeface="Arial" panose="020B0604020202020204" pitchFamily="34" charset="0"/>
+              <a:buChar char="•"/>
+            </a:pPr>
+            <a:r>
+              <a:rPr lang="en-US" dirty="0"/>
+              <a:t>Can capture intricate patterns and nuances in the data.</a:t>
+            </a:r>
+          </a:p>
+          <a:p>
+            <a:pPr>
+              <a:buFont typeface="Arial" panose="020B0604020202020204" pitchFamily="34" charset="0"/>
+              <a:buChar char="•"/>
+            </a:pPr>
+            <a:r>
+              <a:rPr lang="en-US" b="1" dirty="0"/>
+              <a:t>Longer Training Times</a:t>
+            </a:r>
+            <a:r>
+              <a:rPr lang="en-US" dirty="0"/>
+              <a:t>:</a:t>
+            </a:r>
+          </a:p>
+          <a:p>
+            <a:pPr marL="742950" lvl="1" indent="-285750">
+              <a:buFont typeface="Arial" panose="020B0604020202020204" pitchFamily="34" charset="0"/>
+              <a:buChar char="•"/>
+            </a:pPr>
+            <a:r>
+              <a:rPr lang="en-US" dirty="0"/>
+              <a:t>Requires significantly more time to train due to increased complexity.</a:t>
+            </a:r>
+          </a:p>
+          <a:p>
+            <a:pPr marL="742950" lvl="1" indent="-285750">
+              <a:buFont typeface="Arial" panose="020B0604020202020204" pitchFamily="34" charset="0"/>
+              <a:buChar char="•"/>
+            </a:pPr>
+            <a:r>
+              <a:rPr lang="en-US" dirty="0"/>
+              <a:t>Longer training cycles may delay deployment and iteration.</a:t>
+            </a:r>
+          </a:p>
+          <a:p>
+            <a:pPr>
+              <a:buFont typeface="Arial" panose="020B0604020202020204" pitchFamily="34" charset="0"/>
+              <a:buChar char="•"/>
+            </a:pPr>
+            <a:r>
+              <a:rPr lang="en-US" b="1" dirty="0"/>
+              <a:t>Computational Resources</a:t>
+            </a:r>
+            <a:r>
+              <a:rPr lang="en-US" dirty="0"/>
+              <a:t>:</a:t>
+            </a:r>
+          </a:p>
+          <a:p>
+            <a:pPr marL="742950" lvl="1" indent="-285750">
+              <a:buFont typeface="Arial" panose="020B0604020202020204" pitchFamily="34" charset="0"/>
+              <a:buChar char="•"/>
+            </a:pPr>
+            <a:r>
+              <a:rPr lang="en-US" dirty="0"/>
+              <a:t>Demands higher computational power and memory.</a:t>
+            </a:r>
+          </a:p>
+          <a:p>
+            <a:pPr marL="742950" lvl="1" indent="-285750">
+              <a:buFont typeface="Arial" panose="020B0604020202020204" pitchFamily="34" charset="0"/>
+              <a:buChar char="•"/>
+            </a:pPr>
+            <a:r>
+              <a:rPr lang="en-US" dirty="0"/>
+              <a:t>May necessitate specialized hardware (e.g., GPUs, TPUs) for efficient training and inference.</a:t>
+            </a:r>
+          </a:p>
+          <a:p>
+            <a:endParaRPr lang="en-US" dirty="0"/>
+          </a:p>
+        </p:txBody>
+      </p:sp>
+    </p:spTree>
+    <p:extLst>
+      <p:ext uri="{BB962C8B-B14F-4D97-AF65-F5344CB8AC3E}">
+        <p14:creationId xmlns:p14="http://schemas.microsoft.com/office/powerpoint/2010/main" val="2610055059"/>
+      </p:ext>
+    </p:extLst>
+  </p:cSld>
+  <p:clrMapOvr>
+    <a:masterClrMapping/>
+  </p:clrMapOvr>
+</p:sld>
+</file>
+
+<file path=ppt/slides/slide28.xml><?xml version="1.0" encoding="utf-8"?>
+<p:sld xmlns:a="http://schemas.openxmlformats.org/drawingml/2006/main" xmlns:r="http://schemas.openxmlformats.org/officeDocument/2006/relationships" xmlns:p="http://schemas.openxmlformats.org/presentationml/2006/main">
+  <p:cSld>
+    <p:spTree>
+      <p:nvGrpSpPr>
+        <p:cNvPr id="1" name=""/>
+        <p:cNvGrpSpPr/>
+        <p:nvPr/>
+      </p:nvGrpSpPr>
+      <p:grpSpPr>
+        <a:xfrm>
+          <a:off x="0" y="0"/>
+          <a:ext cx="0" cy="0"/>
+          <a:chOff x="0" y="0"/>
+          <a:chExt cx="0" cy="0"/>
+        </a:xfrm>
+      </p:grpSpPr>
+      <p:sp>
+        <p:nvSpPr>
+          <p:cNvPr id="2" name="Title 1">
+            <a:extLst>
+              <a:ext uri="{FF2B5EF4-FFF2-40B4-BE49-F238E27FC236}">
+                <a16:creationId xmlns:a16="http://schemas.microsoft.com/office/drawing/2014/main" id="{EAC03F6A-C344-4BD3-A68A-F31B4B74B7E3}"/>
+              </a:ext>
+            </a:extLst>
+          </p:cNvPr>
+          <p:cNvSpPr>
+            <a:spLocks noGrp="1"/>
+          </p:cNvSpPr>
+          <p:nvPr>
+            <p:ph type="title"/>
+          </p:nvPr>
+        </p:nvSpPr>
+        <p:spPr/>
+        <p:txBody>
+          <a:bodyPr/>
+          <a:lstStyle/>
+          <a:p>
+            <a:pPr algn="l"/>
+            <a:r>
+              <a:rPr lang="en-US" dirty="0"/>
+              <a:t>Comparing Limitations</a:t>
+            </a:r>
+          </a:p>
+        </p:txBody>
+      </p:sp>
+      <p:sp>
+        <p:nvSpPr>
+          <p:cNvPr id="3" name="Content Placeholder 2">
+            <a:extLst>
+              <a:ext uri="{FF2B5EF4-FFF2-40B4-BE49-F238E27FC236}">
+                <a16:creationId xmlns:a16="http://schemas.microsoft.com/office/drawing/2014/main" id="{31D52385-BCB3-4D5A-92AE-18316546B708}"/>
+              </a:ext>
+            </a:extLst>
+          </p:cNvPr>
+          <p:cNvSpPr>
+            <a:spLocks noGrp="1"/>
+          </p:cNvSpPr>
+          <p:nvPr>
+            <p:ph idx="1"/>
+          </p:nvPr>
+        </p:nvSpPr>
+        <p:spPr/>
+        <p:txBody>
+          <a:bodyPr/>
+          <a:lstStyle/>
+          <a:p>
+            <a:r>
+              <a:rPr lang="en-US" dirty="0"/>
+              <a:t>MS2:</a:t>
+            </a:r>
+          </a:p>
+          <a:p>
+            <a:pPr marL="36900" indent="0">
+              <a:buNone/>
+            </a:pPr>
+            <a:r>
+              <a:rPr lang="en-US" dirty="0"/>
+              <a:t>        Pros: Fast, less resource-intensive, simpler implementation.</a:t>
+            </a:r>
+          </a:p>
+          <a:p>
+            <a:pPr marL="36900" indent="0">
+              <a:buNone/>
+            </a:pPr>
+            <a:r>
+              <a:rPr lang="en-US" dirty="0"/>
+              <a:t>        Cons: Limited complexity, less effective with large or complex datasets.</a:t>
+            </a:r>
+          </a:p>
+          <a:p>
+            <a:pPr marL="36900" indent="0">
+              <a:buNone/>
+            </a:pPr>
+            <a:endParaRPr lang="en-US" dirty="0"/>
+          </a:p>
+          <a:p>
+            <a:r>
+              <a:rPr lang="en-US" dirty="0"/>
+              <a:t>MS3:</a:t>
+            </a:r>
+          </a:p>
+          <a:p>
+            <a:pPr marL="36900" indent="0">
+              <a:buNone/>
+            </a:pPr>
+            <a:r>
+              <a:rPr lang="en-US" dirty="0"/>
+              <a:t>        Pros: High complexity, better performance on nuanced tasks, scalable to larger datasets.</a:t>
+            </a:r>
+          </a:p>
+          <a:p>
+            <a:pPr marL="36900" indent="0">
+              <a:buNone/>
+            </a:pPr>
+            <a:r>
+              <a:rPr lang="en-US" dirty="0"/>
+              <a:t>        Cons: Resource-intensive, longer training times, more complex implementation.</a:t>
+            </a:r>
+          </a:p>
+        </p:txBody>
+      </p:sp>
+    </p:spTree>
+    <p:extLst>
+      <p:ext uri="{BB962C8B-B14F-4D97-AF65-F5344CB8AC3E}">
+        <p14:creationId xmlns:p14="http://schemas.microsoft.com/office/powerpoint/2010/main" val="848975297"/>
+      </p:ext>
+    </p:extLst>
+  </p:cSld>
+  <p:clrMapOvr>
+    <a:masterClrMapping/>
+  </p:clrMapOvr>
+</p:sld>
+</file>
+
+<file path=ppt/slides/slide29.xml><?xml version="1.0" encoding="utf-8"?>
+<p:sld xmlns:a="http://schemas.openxmlformats.org/drawingml/2006/main" xmlns:r="http://schemas.openxmlformats.org/officeDocument/2006/relationships" xmlns:p="http://schemas.openxmlformats.org/presentationml/2006/main">
+  <p:cSld>
+    <p:spTree>
+      <p:nvGrpSpPr>
+        <p:cNvPr id="1" name=""/>
+        <p:cNvGrpSpPr/>
+        <p:nvPr/>
+      </p:nvGrpSpPr>
+      <p:grpSpPr>
+        <a:xfrm>
+          <a:off x="0" y="0"/>
+          <a:ext cx="0" cy="0"/>
+          <a:chOff x="0" y="0"/>
+          <a:chExt cx="0" cy="0"/>
+        </a:xfrm>
+      </p:grpSpPr>
+      <p:sp>
+        <p:nvSpPr>
+          <p:cNvPr id="2" name="Title 1"/>
+          <p:cNvSpPr>
+            <a:spLocks noGrp="1"/>
+          </p:cNvSpPr>
+          <p:nvPr>
+            <p:ph type="ctrTitle"/>
+          </p:nvPr>
+        </p:nvSpPr>
+        <p:spPr>
+          <a:xfrm>
+            <a:off x="526632" y="320239"/>
+            <a:ext cx="9440034" cy="1249036"/>
+          </a:xfrm>
+        </p:spPr>
+        <p:txBody>
+          <a:bodyPr/>
+          <a:lstStyle/>
+          <a:p>
+            <a:pPr algn="l"/>
+            <a:r>
+              <a:rPr lang="en-US" dirty="0"/>
+              <a:t>Advantages Relative to the Task</a:t>
+            </a:r>
+          </a:p>
+        </p:txBody>
+      </p:sp>
+      <p:sp>
+        <p:nvSpPr>
+          <p:cNvPr id="3" name="Subtitle 2"/>
+          <p:cNvSpPr>
+            <a:spLocks noGrp="1"/>
+          </p:cNvSpPr>
+          <p:nvPr>
+            <p:ph type="subTitle" idx="1"/>
+          </p:nvPr>
+        </p:nvSpPr>
+        <p:spPr>
+          <a:xfrm>
+            <a:off x="526632" y="1952419"/>
+            <a:ext cx="9440034" cy="3815335"/>
+          </a:xfrm>
+        </p:spPr>
+        <p:txBody>
+          <a:bodyPr>
+            <a:normAutofit/>
+          </a:bodyPr>
+          <a:lstStyle/>
+          <a:p>
+            <a:pPr algn="l"/>
+            <a:endParaRPr lang="en-US" dirty="0"/>
+          </a:p>
+          <a:p>
+            <a:pPr algn="l"/>
+            <a:r>
+              <a:rPr lang="en-US" dirty="0"/>
+              <a:t>MS2: Faster and simpler to implement, Suitable for less demanding tasks</a:t>
+            </a:r>
+          </a:p>
+          <a:p>
+            <a:pPr algn="l"/>
+            <a:r>
+              <a:rPr lang="en-US" dirty="0"/>
+              <a:t>MS3: More accurate and robust, Handles complex tasks better</a:t>
+            </a:r>
+          </a:p>
+        </p:txBody>
+      </p:sp>
+    </p:spTree>
+    <p:extLst>
+      <p:ext uri="{BB962C8B-B14F-4D97-AF65-F5344CB8AC3E}">
+        <p14:creationId xmlns:p14="http://schemas.microsoft.com/office/powerpoint/2010/main" val="240881973"/>
       </p:ext>
     </p:extLst>
   </p:cSld>
@@ -6696,12 +9470,18 @@
       </p:grpSpPr>
       <p:sp>
         <p:nvSpPr>
-          <p:cNvPr id="2" name="Title 1"/>
-          <p:cNvSpPr>
-            <a:spLocks noGrp="1"/>
-          </p:cNvSpPr>
-          <p:nvPr>
-            <p:ph type="ctrTitle"/>
+          <p:cNvPr id="2" name="Title 1">
+            <a:extLst>
+              <a:ext uri="{FF2B5EF4-FFF2-40B4-BE49-F238E27FC236}">
+                <a16:creationId xmlns:a16="http://schemas.microsoft.com/office/drawing/2014/main" id="{29401253-0157-42F7-A7ED-41CAA4CE3608}"/>
+              </a:ext>
+            </a:extLst>
+          </p:cNvPr>
+          <p:cNvSpPr>
+            <a:spLocks noGrp="1"/>
+          </p:cNvSpPr>
+          <p:nvPr>
+            <p:ph type="title"/>
           </p:nvPr>
         </p:nvSpPr>
         <p:spPr/>
@@ -6709,46 +9489,1121 @@
           <a:bodyPr/>
           <a:lstStyle/>
           <a:p>
-            <a:r>
-              <a:rPr lang="en-US" smtClean="0"/>
-              <a:t>Introduction</a:t>
-            </a:r>
-            <a:endParaRPr lang="en-US"/>
-          </a:p>
-        </p:txBody>
-      </p:sp>
-      <p:sp>
-        <p:nvSpPr>
-          <p:cNvPr id="3" name="Subtitle 2"/>
-          <p:cNvSpPr>
-            <a:spLocks noGrp="1"/>
-          </p:cNvSpPr>
-          <p:nvPr>
-            <p:ph type="subTitle" idx="1"/>
+            <a:pPr algn="l"/>
+            <a:r>
+              <a:rPr lang="en-US" dirty="0"/>
+              <a:t>Overview of the Task</a:t>
+            </a:r>
+          </a:p>
+        </p:txBody>
+      </p:sp>
+      <p:sp>
+        <p:nvSpPr>
+          <p:cNvPr id="3" name="Content Placeholder 2">
+            <a:extLst>
+              <a:ext uri="{FF2B5EF4-FFF2-40B4-BE49-F238E27FC236}">
+                <a16:creationId xmlns:a16="http://schemas.microsoft.com/office/drawing/2014/main" id="{786AFFE5-2D44-4F97-92DA-CC9F0F4D53FE}"/>
+              </a:ext>
+            </a:extLst>
+          </p:cNvPr>
+          <p:cNvSpPr>
+            <a:spLocks noGrp="1"/>
+          </p:cNvSpPr>
+          <p:nvPr>
+            <p:ph idx="1"/>
           </p:nvPr>
         </p:nvSpPr>
         <p:spPr/>
         <p:txBody>
-          <a:bodyPr>
-            <a:normAutofit fontScale="92500" lnSpcReduction="10000"/>
-          </a:bodyPr>
-          <a:lstStyle/>
-          <a:p>
-            <a:endParaRPr lang="en-US" smtClean="0"/>
-          </a:p>
-          <a:p>
-            <a:r>
-              <a:rPr lang="en-US" smtClean="0"/>
-              <a:t>Overview of the task, Importance of preprocessing, model selection, and post-processing in LLMs, Introduction to MS2 and MS3 approaches</a:t>
-            </a:r>
-            <a:endParaRPr lang="en-US"/>
+          <a:bodyPr/>
+          <a:lstStyle/>
+          <a:p>
+            <a:r>
+              <a:rPr lang="en-US" dirty="0"/>
+              <a:t>Objective: Classify user queries as related to either Android or iOS.</a:t>
+            </a:r>
+          </a:p>
+          <a:p>
+            <a:r>
+              <a:rPr lang="en-US" dirty="0"/>
+              <a:t>Dataset: Contains user queries, split into training and testing sets.</a:t>
+            </a:r>
+          </a:p>
+          <a:p>
+            <a:r>
+              <a:rPr lang="en-US" dirty="0"/>
+              <a:t>Goal: Develop a model that accurately predicts the platform based on the query text.</a:t>
+            </a:r>
+          </a:p>
+          <a:p>
+            <a:r>
+              <a:rPr lang="en-US" dirty="0"/>
+              <a:t>Approach: Utilize natural language processing (NLP) techniques and machine learning models to achieve the classification.</a:t>
+            </a:r>
           </a:p>
         </p:txBody>
       </p:sp>
     </p:spTree>
     <p:extLst>
       <p:ext uri="{BB962C8B-B14F-4D97-AF65-F5344CB8AC3E}">
-        <p14:creationId xmlns:p14="http://schemas.microsoft.com/office/powerpoint/2010/main" val="1306156929"/>
+        <p14:creationId xmlns:p14="http://schemas.microsoft.com/office/powerpoint/2010/main" val="4191502646"/>
+      </p:ext>
+    </p:extLst>
+  </p:cSld>
+  <p:clrMapOvr>
+    <a:masterClrMapping/>
+  </p:clrMapOvr>
+</p:sld>
+</file>
+
+<file path=ppt/slides/slide30.xml><?xml version="1.0" encoding="utf-8"?>
+<p:sld xmlns:a="http://schemas.openxmlformats.org/drawingml/2006/main" xmlns:r="http://schemas.openxmlformats.org/officeDocument/2006/relationships" xmlns:p="http://schemas.openxmlformats.org/presentationml/2006/main">
+  <p:cSld>
+    <p:spTree>
+      <p:nvGrpSpPr>
+        <p:cNvPr id="1" name=""/>
+        <p:cNvGrpSpPr/>
+        <p:nvPr/>
+      </p:nvGrpSpPr>
+      <p:grpSpPr>
+        <a:xfrm>
+          <a:off x="0" y="0"/>
+          <a:ext cx="0" cy="0"/>
+          <a:chOff x="0" y="0"/>
+          <a:chExt cx="0" cy="0"/>
+        </a:xfrm>
+      </p:grpSpPr>
+      <p:sp>
+        <p:nvSpPr>
+          <p:cNvPr id="2" name="Title 1"/>
+          <p:cNvSpPr>
+            <a:spLocks noGrp="1"/>
+          </p:cNvSpPr>
+          <p:nvPr>
+            <p:ph type="ctrTitle"/>
+          </p:nvPr>
+        </p:nvSpPr>
+        <p:spPr>
+          <a:xfrm>
+            <a:off x="1381273" y="2514599"/>
+            <a:ext cx="9440034" cy="1828801"/>
+          </a:xfrm>
+        </p:spPr>
+        <p:txBody>
+          <a:bodyPr/>
+          <a:lstStyle/>
+          <a:p>
+            <a:r>
+              <a:rPr lang="en-US" dirty="0"/>
+              <a:t>Overall Understanding of Architectures and Limitations</a:t>
+            </a:r>
+          </a:p>
+        </p:txBody>
+      </p:sp>
+      <p:sp>
+        <p:nvSpPr>
+          <p:cNvPr id="5" name="Subtitle 4">
+            <a:extLst>
+              <a:ext uri="{FF2B5EF4-FFF2-40B4-BE49-F238E27FC236}">
+                <a16:creationId xmlns:a16="http://schemas.microsoft.com/office/drawing/2014/main" id="{C7B65C99-89EB-4688-9699-E5DDB0F51F23}"/>
+              </a:ext>
+            </a:extLst>
+          </p:cNvPr>
+          <p:cNvSpPr>
+            <a:spLocks noGrp="1"/>
+          </p:cNvSpPr>
+          <p:nvPr>
+            <p:ph type="subTitle" idx="1"/>
+          </p:nvPr>
+        </p:nvSpPr>
+        <p:spPr/>
+        <p:txBody>
+          <a:bodyPr/>
+          <a:lstStyle/>
+          <a:p>
+            <a:endParaRPr lang="en-US"/>
+          </a:p>
+        </p:txBody>
+      </p:sp>
+    </p:spTree>
+    <p:extLst>
+      <p:ext uri="{BB962C8B-B14F-4D97-AF65-F5344CB8AC3E}">
+        <p14:creationId xmlns:p14="http://schemas.microsoft.com/office/powerpoint/2010/main" val="2604309547"/>
+      </p:ext>
+    </p:extLst>
+  </p:cSld>
+  <p:clrMapOvr>
+    <a:masterClrMapping/>
+  </p:clrMapOvr>
+</p:sld>
+</file>
+
+<file path=ppt/slides/slide31.xml><?xml version="1.0" encoding="utf-8"?>
+<p:sld xmlns:a="http://schemas.openxmlformats.org/drawingml/2006/main" xmlns:r="http://schemas.openxmlformats.org/officeDocument/2006/relationships" xmlns:p="http://schemas.openxmlformats.org/presentationml/2006/main">
+  <p:cSld>
+    <p:spTree>
+      <p:nvGrpSpPr>
+        <p:cNvPr id="1" name=""/>
+        <p:cNvGrpSpPr/>
+        <p:nvPr/>
+      </p:nvGrpSpPr>
+      <p:grpSpPr>
+        <a:xfrm>
+          <a:off x="0" y="0"/>
+          <a:ext cx="0" cy="0"/>
+          <a:chOff x="0" y="0"/>
+          <a:chExt cx="0" cy="0"/>
+        </a:xfrm>
+      </p:grpSpPr>
+      <p:sp>
+        <p:nvSpPr>
+          <p:cNvPr id="2" name="Title 1">
+            <a:extLst>
+              <a:ext uri="{FF2B5EF4-FFF2-40B4-BE49-F238E27FC236}">
+                <a16:creationId xmlns:a16="http://schemas.microsoft.com/office/drawing/2014/main" id="{172EF4B0-8062-43E6-A106-ACDCE3EDE6A0}"/>
+              </a:ext>
+            </a:extLst>
+          </p:cNvPr>
+          <p:cNvSpPr>
+            <a:spLocks noGrp="1"/>
+          </p:cNvSpPr>
+          <p:nvPr>
+            <p:ph type="title"/>
+          </p:nvPr>
+        </p:nvSpPr>
+        <p:spPr/>
+        <p:txBody>
+          <a:bodyPr/>
+          <a:lstStyle/>
+          <a:p>
+            <a:pPr algn="l"/>
+            <a:r>
+              <a:rPr lang="en-US" dirty="0"/>
+              <a:t>Summary of MS2 and MS3 Architectures</a:t>
+            </a:r>
+          </a:p>
+        </p:txBody>
+      </p:sp>
+      <p:sp>
+        <p:nvSpPr>
+          <p:cNvPr id="3" name="Content Placeholder 2">
+            <a:extLst>
+              <a:ext uri="{FF2B5EF4-FFF2-40B4-BE49-F238E27FC236}">
+                <a16:creationId xmlns:a16="http://schemas.microsoft.com/office/drawing/2014/main" id="{3FA941A3-DA98-4984-88E7-A886681C89CD}"/>
+              </a:ext>
+            </a:extLst>
+          </p:cNvPr>
+          <p:cNvSpPr>
+            <a:spLocks noGrp="1"/>
+          </p:cNvSpPr>
+          <p:nvPr>
+            <p:ph idx="1"/>
+          </p:nvPr>
+        </p:nvSpPr>
+        <p:spPr/>
+        <p:txBody>
+          <a:bodyPr/>
+          <a:lstStyle/>
+          <a:p>
+            <a:pPr>
+              <a:buFont typeface="Arial" panose="020B0604020202020204" pitchFamily="34" charset="0"/>
+              <a:buChar char="•"/>
+            </a:pPr>
+            <a:r>
+              <a:rPr lang="en-US" b="1" dirty="0"/>
+              <a:t>MS2 Architecture</a:t>
+            </a:r>
+            <a:r>
+              <a:rPr lang="en-US" dirty="0"/>
+              <a:t>:</a:t>
+            </a:r>
+          </a:p>
+          <a:p>
+            <a:pPr marL="742950" lvl="1" indent="-285750">
+              <a:buFont typeface="Arial" panose="020B0604020202020204" pitchFamily="34" charset="0"/>
+              <a:buChar char="•"/>
+            </a:pPr>
+            <a:r>
+              <a:rPr lang="en-US" dirty="0"/>
+              <a:t>Utilizes traditional machine learning techniques.</a:t>
+            </a:r>
+          </a:p>
+          <a:p>
+            <a:pPr marL="742950" lvl="1" indent="-285750">
+              <a:buFont typeface="Arial" panose="020B0604020202020204" pitchFamily="34" charset="0"/>
+              <a:buChar char="•"/>
+            </a:pPr>
+            <a:r>
+              <a:rPr lang="en-US" dirty="0"/>
+              <a:t>Features simpler models like logistic regression or support vector machines.</a:t>
+            </a:r>
+          </a:p>
+          <a:p>
+            <a:pPr marL="742950" lvl="1" indent="-285750">
+              <a:buFont typeface="Arial" panose="020B0604020202020204" pitchFamily="34" charset="0"/>
+              <a:buChar char="•"/>
+            </a:pPr>
+            <a:r>
+              <a:rPr lang="en-US" dirty="0"/>
+              <a:t>Relies on handcrafted features and preprocessing.</a:t>
+            </a:r>
+          </a:p>
+          <a:p>
+            <a:pPr>
+              <a:buFont typeface="Arial" panose="020B0604020202020204" pitchFamily="34" charset="0"/>
+              <a:buChar char="•"/>
+            </a:pPr>
+            <a:r>
+              <a:rPr lang="en-US" b="1" dirty="0"/>
+              <a:t>MS3 Architecture</a:t>
+            </a:r>
+            <a:r>
+              <a:rPr lang="en-US" dirty="0"/>
+              <a:t>:</a:t>
+            </a:r>
+          </a:p>
+          <a:p>
+            <a:pPr marL="742950" lvl="1" indent="-285750">
+              <a:buFont typeface="Arial" panose="020B0604020202020204" pitchFamily="34" charset="0"/>
+              <a:buChar char="•"/>
+            </a:pPr>
+            <a:r>
+              <a:rPr lang="en-US" dirty="0"/>
+              <a:t>Incorporates advanced deep learning models like transformers.</a:t>
+            </a:r>
+          </a:p>
+          <a:p>
+            <a:pPr marL="742950" lvl="1" indent="-285750">
+              <a:buFont typeface="Arial" panose="020B0604020202020204" pitchFamily="34" charset="0"/>
+              <a:buChar char="•"/>
+            </a:pPr>
+            <a:r>
+              <a:rPr lang="en-US" dirty="0"/>
+              <a:t>Employs sophisticated preprocessing techniques and self-attention mechanisms.</a:t>
+            </a:r>
+          </a:p>
+          <a:p>
+            <a:pPr marL="742950" lvl="1" indent="-285750">
+              <a:buFont typeface="Arial" panose="020B0604020202020204" pitchFamily="34" charset="0"/>
+              <a:buChar char="•"/>
+            </a:pPr>
+            <a:r>
+              <a:rPr lang="en-US" dirty="0"/>
+              <a:t>Offers more flexibility and adaptability in capturing complex patterns in the data.</a:t>
+            </a:r>
+          </a:p>
+          <a:p>
+            <a:endParaRPr lang="en-US" dirty="0"/>
+          </a:p>
+        </p:txBody>
+      </p:sp>
+    </p:spTree>
+    <p:extLst>
+      <p:ext uri="{BB962C8B-B14F-4D97-AF65-F5344CB8AC3E}">
+        <p14:creationId xmlns:p14="http://schemas.microsoft.com/office/powerpoint/2010/main" val="614027050"/>
+      </p:ext>
+    </p:extLst>
+  </p:cSld>
+  <p:clrMapOvr>
+    <a:masterClrMapping/>
+  </p:clrMapOvr>
+</p:sld>
+</file>
+
+<file path=ppt/slides/slide32.xml><?xml version="1.0" encoding="utf-8"?>
+<p:sld xmlns:a="http://schemas.openxmlformats.org/drawingml/2006/main" xmlns:r="http://schemas.openxmlformats.org/officeDocument/2006/relationships" xmlns:p="http://schemas.openxmlformats.org/presentationml/2006/main">
+  <p:cSld>
+    <p:spTree>
+      <p:nvGrpSpPr>
+        <p:cNvPr id="1" name=""/>
+        <p:cNvGrpSpPr/>
+        <p:nvPr/>
+      </p:nvGrpSpPr>
+      <p:grpSpPr>
+        <a:xfrm>
+          <a:off x="0" y="0"/>
+          <a:ext cx="0" cy="0"/>
+          <a:chOff x="0" y="0"/>
+          <a:chExt cx="0" cy="0"/>
+        </a:xfrm>
+      </p:grpSpPr>
+      <p:sp>
+        <p:nvSpPr>
+          <p:cNvPr id="2" name="Title 1">
+            <a:extLst>
+              <a:ext uri="{FF2B5EF4-FFF2-40B4-BE49-F238E27FC236}">
+                <a16:creationId xmlns:a16="http://schemas.microsoft.com/office/drawing/2014/main" id="{7D8E2131-9CF7-4D98-A51C-8489BBCB7E0E}"/>
+              </a:ext>
+            </a:extLst>
+          </p:cNvPr>
+          <p:cNvSpPr>
+            <a:spLocks noGrp="1"/>
+          </p:cNvSpPr>
+          <p:nvPr>
+            <p:ph type="title"/>
+          </p:nvPr>
+        </p:nvSpPr>
+        <p:spPr/>
+        <p:txBody>
+          <a:bodyPr/>
+          <a:lstStyle/>
+          <a:p>
+            <a:pPr algn="l"/>
+            <a:r>
+              <a:rPr lang="en-US" dirty="0"/>
+              <a:t>General Limitations</a:t>
+            </a:r>
+          </a:p>
+        </p:txBody>
+      </p:sp>
+      <p:sp>
+        <p:nvSpPr>
+          <p:cNvPr id="3" name="Content Placeholder 2">
+            <a:extLst>
+              <a:ext uri="{FF2B5EF4-FFF2-40B4-BE49-F238E27FC236}">
+                <a16:creationId xmlns:a16="http://schemas.microsoft.com/office/drawing/2014/main" id="{AF6A16BA-5DF2-4389-B509-284E2264829E}"/>
+              </a:ext>
+            </a:extLst>
+          </p:cNvPr>
+          <p:cNvSpPr>
+            <a:spLocks noGrp="1"/>
+          </p:cNvSpPr>
+          <p:nvPr>
+            <p:ph idx="1"/>
+          </p:nvPr>
+        </p:nvSpPr>
+        <p:spPr/>
+        <p:txBody>
+          <a:bodyPr/>
+          <a:lstStyle/>
+          <a:p>
+            <a:r>
+              <a:rPr lang="en-US" dirty="0"/>
+              <a:t>Implementation Challenges:</a:t>
+            </a:r>
+          </a:p>
+          <a:p>
+            <a:pPr marL="36900" indent="0">
+              <a:buNone/>
+            </a:pPr>
+            <a:r>
+              <a:rPr lang="en-US" dirty="0"/>
+              <a:t>          MS2: Limited by the choice of features and model complexity.</a:t>
+            </a:r>
+          </a:p>
+          <a:p>
+            <a:pPr marL="36900" indent="0">
+              <a:buNone/>
+            </a:pPr>
+            <a:r>
+              <a:rPr lang="en-US" dirty="0"/>
+              <a:t>          MS3: Demands significant computational resources and expertise in deep learning.</a:t>
+            </a:r>
+          </a:p>
+          <a:p>
+            <a:pPr marL="36900" indent="0">
+              <a:buNone/>
+            </a:pPr>
+            <a:endParaRPr lang="en-US" dirty="0"/>
+          </a:p>
+          <a:p>
+            <a:r>
+              <a:rPr lang="en-US" dirty="0"/>
+              <a:t>Data Availability: Both architectures require sizable labeled datasets for training, which may not always be readily available.</a:t>
+            </a:r>
+          </a:p>
+          <a:p>
+            <a:endParaRPr lang="en-US" dirty="0"/>
+          </a:p>
+          <a:p>
+            <a:r>
+              <a:rPr lang="en-US" dirty="0"/>
+              <a:t>Model Interpretability: MS3 models, especially, can be difficult to interpret due to their complex architectures.</a:t>
+            </a:r>
+          </a:p>
+        </p:txBody>
+      </p:sp>
+    </p:spTree>
+    <p:extLst>
+      <p:ext uri="{BB962C8B-B14F-4D97-AF65-F5344CB8AC3E}">
+        <p14:creationId xmlns:p14="http://schemas.microsoft.com/office/powerpoint/2010/main" val="3179153101"/>
+      </p:ext>
+    </p:extLst>
+  </p:cSld>
+  <p:clrMapOvr>
+    <a:masterClrMapping/>
+  </p:clrMapOvr>
+</p:sld>
+</file>
+
+<file path=ppt/slides/slide33.xml><?xml version="1.0" encoding="utf-8"?>
+<p:sld xmlns:a="http://schemas.openxmlformats.org/drawingml/2006/main" xmlns:r="http://schemas.openxmlformats.org/officeDocument/2006/relationships" xmlns:p="http://schemas.openxmlformats.org/presentationml/2006/main">
+  <p:cSld>
+    <p:spTree>
+      <p:nvGrpSpPr>
+        <p:cNvPr id="1" name=""/>
+        <p:cNvGrpSpPr/>
+        <p:nvPr/>
+      </p:nvGrpSpPr>
+      <p:grpSpPr>
+        <a:xfrm>
+          <a:off x="0" y="0"/>
+          <a:ext cx="0" cy="0"/>
+          <a:chOff x="0" y="0"/>
+          <a:chExt cx="0" cy="0"/>
+        </a:xfrm>
+      </p:grpSpPr>
+      <p:sp>
+        <p:nvSpPr>
+          <p:cNvPr id="2" name="Title 1"/>
+          <p:cNvSpPr>
+            <a:spLocks noGrp="1"/>
+          </p:cNvSpPr>
+          <p:nvPr>
+            <p:ph type="ctrTitle"/>
+          </p:nvPr>
+        </p:nvSpPr>
+        <p:spPr>
+          <a:xfrm>
+            <a:off x="618979" y="0"/>
+            <a:ext cx="9440034" cy="1828801"/>
+          </a:xfrm>
+        </p:spPr>
+        <p:txBody>
+          <a:bodyPr/>
+          <a:lstStyle/>
+          <a:p>
+            <a:pPr algn="l"/>
+            <a:r>
+              <a:rPr lang="en-US" dirty="0"/>
+              <a:t>Findings and Discussion</a:t>
+            </a:r>
+          </a:p>
+        </p:txBody>
+      </p:sp>
+      <p:sp>
+        <p:nvSpPr>
+          <p:cNvPr id="3" name="Subtitle 2"/>
+          <p:cNvSpPr>
+            <a:spLocks noGrp="1"/>
+          </p:cNvSpPr>
+          <p:nvPr>
+            <p:ph type="subTitle" idx="1"/>
+          </p:nvPr>
+        </p:nvSpPr>
+        <p:spPr>
+          <a:xfrm>
+            <a:off x="422030" y="2819407"/>
+            <a:ext cx="10635175" cy="3370378"/>
+          </a:xfrm>
+        </p:spPr>
+        <p:txBody>
+          <a:bodyPr>
+            <a:normAutofit/>
+          </a:bodyPr>
+          <a:lstStyle/>
+          <a:p>
+            <a:pPr marL="342900" indent="-342900">
+              <a:buFont typeface="Arial" panose="020B0604020202020204" pitchFamily="34" charset="0"/>
+              <a:buChar char="•"/>
+            </a:pPr>
+            <a:endParaRPr lang="en-US" sz="2400" dirty="0"/>
+          </a:p>
+          <a:p>
+            <a:pPr marL="342900" indent="-342900" algn="l">
+              <a:buFont typeface="Arial" panose="020B0604020202020204" pitchFamily="34" charset="0"/>
+              <a:buChar char="•"/>
+            </a:pPr>
+            <a:r>
+              <a:rPr lang="en-US" sz="2400" dirty="0"/>
+              <a:t>MS3 shows improved performance but at the cost of higher complexity. </a:t>
+            </a:r>
+          </a:p>
+          <a:p>
+            <a:pPr marL="342900" indent="-342900" algn="l">
+              <a:buFont typeface="Arial" panose="020B0604020202020204" pitchFamily="34" charset="0"/>
+              <a:buChar char="•"/>
+            </a:pPr>
+            <a:r>
+              <a:rPr lang="en-US" sz="2400" dirty="0"/>
+              <a:t>MS2 provides faster and simpler solutions, suitable for less demanding tasks. Balancing model performance with interpretability and resource constraints is crucial.</a:t>
+            </a:r>
+          </a:p>
+        </p:txBody>
+      </p:sp>
+    </p:spTree>
+    <p:extLst>
+      <p:ext uri="{BB962C8B-B14F-4D97-AF65-F5344CB8AC3E}">
+        <p14:creationId xmlns:p14="http://schemas.microsoft.com/office/powerpoint/2010/main" val="2630564131"/>
+      </p:ext>
+    </p:extLst>
+  </p:cSld>
+  <p:clrMapOvr>
+    <a:masterClrMapping/>
+  </p:clrMapOvr>
+</p:sld>
+</file>
+
+<file path=ppt/slides/slide34.xml><?xml version="1.0" encoding="utf-8"?>
+<p:sld xmlns:a="http://schemas.openxmlformats.org/drawingml/2006/main" xmlns:r="http://schemas.openxmlformats.org/officeDocument/2006/relationships" xmlns:p="http://schemas.openxmlformats.org/presentationml/2006/main">
+  <p:cSld>
+    <p:spTree>
+      <p:nvGrpSpPr>
+        <p:cNvPr id="1" name=""/>
+        <p:cNvGrpSpPr/>
+        <p:nvPr/>
+      </p:nvGrpSpPr>
+      <p:grpSpPr>
+        <a:xfrm>
+          <a:off x="0" y="0"/>
+          <a:ext cx="0" cy="0"/>
+          <a:chOff x="0" y="0"/>
+          <a:chExt cx="0" cy="0"/>
+        </a:xfrm>
+      </p:grpSpPr>
+      <p:sp>
+        <p:nvSpPr>
+          <p:cNvPr id="2" name="Title 1"/>
+          <p:cNvSpPr>
+            <a:spLocks noGrp="1"/>
+          </p:cNvSpPr>
+          <p:nvPr>
+            <p:ph type="ctrTitle"/>
+          </p:nvPr>
+        </p:nvSpPr>
+        <p:spPr>
+          <a:xfrm>
+            <a:off x="1370693" y="2514599"/>
+            <a:ext cx="9440034" cy="1828801"/>
+          </a:xfrm>
+        </p:spPr>
+        <p:txBody>
+          <a:bodyPr/>
+          <a:lstStyle/>
+          <a:p>
+            <a:r>
+              <a:rPr lang="en-US" dirty="0"/>
+              <a:t>Updated Background in Literature Review</a:t>
+            </a:r>
+          </a:p>
+        </p:txBody>
+      </p:sp>
+      <p:sp>
+        <p:nvSpPr>
+          <p:cNvPr id="5" name="Subtitle 4">
+            <a:extLst>
+              <a:ext uri="{FF2B5EF4-FFF2-40B4-BE49-F238E27FC236}">
+                <a16:creationId xmlns:a16="http://schemas.microsoft.com/office/drawing/2014/main" id="{E2E3050C-72BF-41DF-885A-6081DD5061D9}"/>
+              </a:ext>
+            </a:extLst>
+          </p:cNvPr>
+          <p:cNvSpPr>
+            <a:spLocks noGrp="1"/>
+          </p:cNvSpPr>
+          <p:nvPr>
+            <p:ph type="subTitle" idx="1"/>
+          </p:nvPr>
+        </p:nvSpPr>
+        <p:spPr/>
+        <p:txBody>
+          <a:bodyPr/>
+          <a:lstStyle/>
+          <a:p>
+            <a:endParaRPr lang="en-US"/>
+          </a:p>
+        </p:txBody>
+      </p:sp>
+    </p:spTree>
+    <p:extLst>
+      <p:ext uri="{BB962C8B-B14F-4D97-AF65-F5344CB8AC3E}">
+        <p14:creationId xmlns:p14="http://schemas.microsoft.com/office/powerpoint/2010/main" val="3277798727"/>
+      </p:ext>
+    </p:extLst>
+  </p:cSld>
+  <p:clrMapOvr>
+    <a:masterClrMapping/>
+  </p:clrMapOvr>
+</p:sld>
+</file>
+
+<file path=ppt/slides/slide35.xml><?xml version="1.0" encoding="utf-8"?>
+<p:sld xmlns:a="http://schemas.openxmlformats.org/drawingml/2006/main" xmlns:r="http://schemas.openxmlformats.org/officeDocument/2006/relationships" xmlns:p="http://schemas.openxmlformats.org/presentationml/2006/main">
+  <p:cSld>
+    <p:spTree>
+      <p:nvGrpSpPr>
+        <p:cNvPr id="1" name=""/>
+        <p:cNvGrpSpPr/>
+        <p:nvPr/>
+      </p:nvGrpSpPr>
+      <p:grpSpPr>
+        <a:xfrm>
+          <a:off x="0" y="0"/>
+          <a:ext cx="0" cy="0"/>
+          <a:chOff x="0" y="0"/>
+          <a:chExt cx="0" cy="0"/>
+        </a:xfrm>
+      </p:grpSpPr>
+      <p:sp>
+        <p:nvSpPr>
+          <p:cNvPr id="2" name="Title 1">
+            <a:extLst>
+              <a:ext uri="{FF2B5EF4-FFF2-40B4-BE49-F238E27FC236}">
+                <a16:creationId xmlns:a16="http://schemas.microsoft.com/office/drawing/2014/main" id="{B3125CED-60C3-4652-9FEB-4333D24AC5AE}"/>
+              </a:ext>
+            </a:extLst>
+          </p:cNvPr>
+          <p:cNvSpPr>
+            <a:spLocks noGrp="1"/>
+          </p:cNvSpPr>
+          <p:nvPr>
+            <p:ph type="title"/>
+          </p:nvPr>
+        </p:nvSpPr>
+        <p:spPr/>
+        <p:txBody>
+          <a:bodyPr>
+            <a:normAutofit fontScale="90000"/>
+          </a:bodyPr>
+          <a:lstStyle/>
+          <a:p>
+            <a:pPr algn="l"/>
+            <a:r>
+              <a:rPr lang="en-US" dirty="0"/>
+              <a:t>Integration of Recent LLM Advancements with MS2 and MS3 Approaches</a:t>
+            </a:r>
+          </a:p>
+        </p:txBody>
+      </p:sp>
+      <p:sp>
+        <p:nvSpPr>
+          <p:cNvPr id="3" name="Content Placeholder 2">
+            <a:extLst>
+              <a:ext uri="{FF2B5EF4-FFF2-40B4-BE49-F238E27FC236}">
+                <a16:creationId xmlns:a16="http://schemas.microsoft.com/office/drawing/2014/main" id="{9F5230C4-0405-49A6-9E76-C0A0E2DA2A53}"/>
+              </a:ext>
+            </a:extLst>
+          </p:cNvPr>
+          <p:cNvSpPr>
+            <a:spLocks noGrp="1"/>
+          </p:cNvSpPr>
+          <p:nvPr>
+            <p:ph idx="1"/>
+          </p:nvPr>
+        </p:nvSpPr>
+        <p:spPr/>
+        <p:txBody>
+          <a:bodyPr/>
+          <a:lstStyle/>
+          <a:p>
+            <a:r>
+              <a:rPr lang="en-US" dirty="0"/>
+              <a:t>Explanation of how recent advancements in LLMs have influenced MS2 and MS3 methodologies.</a:t>
+            </a:r>
+          </a:p>
+          <a:p>
+            <a:r>
+              <a:rPr lang="en-US" dirty="0"/>
+              <a:t>Discussion on the impact of LLMs on improving accuracy, scalability, and efficiency of MS2 and MS3 approaches.</a:t>
+            </a:r>
+          </a:p>
+          <a:p>
+            <a:r>
+              <a:rPr lang="en-US" dirty="0"/>
+              <a:t>Examples of how LLMs are being integrated into MS2 and MS3 frameworks for enhanced performance.</a:t>
+            </a:r>
+          </a:p>
+        </p:txBody>
+      </p:sp>
+    </p:spTree>
+    <p:extLst>
+      <p:ext uri="{BB962C8B-B14F-4D97-AF65-F5344CB8AC3E}">
+        <p14:creationId xmlns:p14="http://schemas.microsoft.com/office/powerpoint/2010/main" val="2942488979"/>
+      </p:ext>
+    </p:extLst>
+  </p:cSld>
+  <p:clrMapOvr>
+    <a:masterClrMapping/>
+  </p:clrMapOvr>
+</p:sld>
+</file>
+
+<file path=ppt/slides/slide36.xml><?xml version="1.0" encoding="utf-8"?>
+<p:sld xmlns:a="http://schemas.openxmlformats.org/drawingml/2006/main" xmlns:r="http://schemas.openxmlformats.org/officeDocument/2006/relationships" xmlns:p="http://schemas.openxmlformats.org/presentationml/2006/main">
+  <p:cSld>
+    <p:spTree>
+      <p:nvGrpSpPr>
+        <p:cNvPr id="1" name=""/>
+        <p:cNvGrpSpPr/>
+        <p:nvPr/>
+      </p:nvGrpSpPr>
+      <p:grpSpPr>
+        <a:xfrm>
+          <a:off x="0" y="0"/>
+          <a:ext cx="0" cy="0"/>
+          <a:chOff x="0" y="0"/>
+          <a:chExt cx="0" cy="0"/>
+        </a:xfrm>
+      </p:grpSpPr>
+      <p:sp>
+        <p:nvSpPr>
+          <p:cNvPr id="2" name="Title 1">
+            <a:extLst>
+              <a:ext uri="{FF2B5EF4-FFF2-40B4-BE49-F238E27FC236}">
+                <a16:creationId xmlns:a16="http://schemas.microsoft.com/office/drawing/2014/main" id="{F2641F8C-26CB-42A6-8E92-4ABD45DB184F}"/>
+              </a:ext>
+            </a:extLst>
+          </p:cNvPr>
+          <p:cNvSpPr>
+            <a:spLocks noGrp="1"/>
+          </p:cNvSpPr>
+          <p:nvPr>
+            <p:ph type="title"/>
+          </p:nvPr>
+        </p:nvSpPr>
+        <p:spPr/>
+        <p:txBody>
+          <a:bodyPr/>
+          <a:lstStyle/>
+          <a:p>
+            <a:pPr algn="l"/>
+            <a:r>
+              <a:rPr lang="en-US" dirty="0"/>
+              <a:t>Unique Contributions of the Project</a:t>
+            </a:r>
+          </a:p>
+        </p:txBody>
+      </p:sp>
+      <p:sp>
+        <p:nvSpPr>
+          <p:cNvPr id="3" name="Content Placeholder 2">
+            <a:extLst>
+              <a:ext uri="{FF2B5EF4-FFF2-40B4-BE49-F238E27FC236}">
+                <a16:creationId xmlns:a16="http://schemas.microsoft.com/office/drawing/2014/main" id="{353C365E-F3DE-4A13-B9A9-75440D0DF2F5}"/>
+              </a:ext>
+            </a:extLst>
+          </p:cNvPr>
+          <p:cNvSpPr>
+            <a:spLocks noGrp="1"/>
+          </p:cNvSpPr>
+          <p:nvPr>
+            <p:ph idx="1"/>
+          </p:nvPr>
+        </p:nvSpPr>
+        <p:spPr/>
+        <p:txBody>
+          <a:bodyPr/>
+          <a:lstStyle/>
+          <a:p>
+            <a:r>
+              <a:rPr lang="en-US" dirty="0"/>
+              <a:t>Explanation of how the current project contributes to the existing literature on MS2 and MS3 approaches.</a:t>
+            </a:r>
+          </a:p>
+          <a:p>
+            <a:r>
+              <a:rPr lang="en-US" dirty="0"/>
+              <a:t>Identification of novel methodologies, techniques, or insights introduced by the project.</a:t>
+            </a:r>
+          </a:p>
+          <a:p>
+            <a:r>
+              <a:rPr lang="en-US" dirty="0"/>
+              <a:t>Discussion on how the project addresses gaps or limitations in previous studies and adds value to the field of NLP.</a:t>
+            </a:r>
+          </a:p>
+        </p:txBody>
+      </p:sp>
+    </p:spTree>
+    <p:extLst>
+      <p:ext uri="{BB962C8B-B14F-4D97-AF65-F5344CB8AC3E}">
+        <p14:creationId xmlns:p14="http://schemas.microsoft.com/office/powerpoint/2010/main" val="2000260400"/>
+      </p:ext>
+    </p:extLst>
+  </p:cSld>
+  <p:clrMapOvr>
+    <a:masterClrMapping/>
+  </p:clrMapOvr>
+</p:sld>
+</file>
+
+<file path=ppt/slides/slide37.xml><?xml version="1.0" encoding="utf-8"?>
+<p:sld xmlns:a="http://schemas.openxmlformats.org/drawingml/2006/main" xmlns:r="http://schemas.openxmlformats.org/officeDocument/2006/relationships" xmlns:p="http://schemas.openxmlformats.org/presentationml/2006/main">
+  <p:cSld>
+    <p:spTree>
+      <p:nvGrpSpPr>
+        <p:cNvPr id="1" name=""/>
+        <p:cNvGrpSpPr/>
+        <p:nvPr/>
+      </p:nvGrpSpPr>
+      <p:grpSpPr>
+        <a:xfrm>
+          <a:off x="0" y="0"/>
+          <a:ext cx="0" cy="0"/>
+          <a:chOff x="0" y="0"/>
+          <a:chExt cx="0" cy="0"/>
+        </a:xfrm>
+      </p:grpSpPr>
+      <p:sp>
+        <p:nvSpPr>
+          <p:cNvPr id="2" name="Title 1">
+            <a:extLst>
+              <a:ext uri="{FF2B5EF4-FFF2-40B4-BE49-F238E27FC236}">
+                <a16:creationId xmlns:a16="http://schemas.microsoft.com/office/drawing/2014/main" id="{FE9A75F2-792A-4769-B99C-1967FCAAC4DC}"/>
+              </a:ext>
+            </a:extLst>
+          </p:cNvPr>
+          <p:cNvSpPr>
+            <a:spLocks noGrp="1"/>
+          </p:cNvSpPr>
+          <p:nvPr>
+            <p:ph type="title"/>
+          </p:nvPr>
+        </p:nvSpPr>
+        <p:spPr/>
+        <p:txBody>
+          <a:bodyPr/>
+          <a:lstStyle/>
+          <a:p>
+            <a:pPr algn="l"/>
+            <a:r>
+              <a:rPr lang="en-US" dirty="0"/>
+              <a:t>Future Directions and Conclusion</a:t>
+            </a:r>
+          </a:p>
+        </p:txBody>
+      </p:sp>
+      <p:sp>
+        <p:nvSpPr>
+          <p:cNvPr id="3" name="Content Placeholder 2">
+            <a:extLst>
+              <a:ext uri="{FF2B5EF4-FFF2-40B4-BE49-F238E27FC236}">
+                <a16:creationId xmlns:a16="http://schemas.microsoft.com/office/drawing/2014/main" id="{D4B57295-BCB9-4F68-8FF4-0E2CB1415A6E}"/>
+              </a:ext>
+            </a:extLst>
+          </p:cNvPr>
+          <p:cNvSpPr>
+            <a:spLocks noGrp="1"/>
+          </p:cNvSpPr>
+          <p:nvPr>
+            <p:ph idx="1"/>
+          </p:nvPr>
+        </p:nvSpPr>
+        <p:spPr/>
+        <p:txBody>
+          <a:bodyPr/>
+          <a:lstStyle/>
+          <a:p>
+            <a:r>
+              <a:rPr lang="en-US" dirty="0"/>
+              <a:t>Exploration of potential future research directions based on the findings of the current project.</a:t>
+            </a:r>
+          </a:p>
+          <a:p>
+            <a:r>
+              <a:rPr lang="en-US" dirty="0"/>
+              <a:t>Suggestions for further improvements or extensions to MS2 and MS3 methodologies leveraging recent LLM advancements.</a:t>
+            </a:r>
+          </a:p>
+          <a:p>
+            <a:r>
+              <a:rPr lang="en-US" dirty="0"/>
+              <a:t>Conclusion summarizing the significance of integrating LLMs with MS2 and MS3 approaches and the overall impact on the field of NLP.</a:t>
+            </a:r>
+          </a:p>
+        </p:txBody>
+      </p:sp>
+    </p:spTree>
+    <p:extLst>
+      <p:ext uri="{BB962C8B-B14F-4D97-AF65-F5344CB8AC3E}">
+        <p14:creationId xmlns:p14="http://schemas.microsoft.com/office/powerpoint/2010/main" val="17492448"/>
+      </p:ext>
+    </p:extLst>
+  </p:cSld>
+  <p:clrMapOvr>
+    <a:masterClrMapping/>
+  </p:clrMapOvr>
+</p:sld>
+</file>
+
+<file path=ppt/slides/slide38.xml><?xml version="1.0" encoding="utf-8"?>
+<p:sld xmlns:a="http://schemas.openxmlformats.org/drawingml/2006/main" xmlns:r="http://schemas.openxmlformats.org/officeDocument/2006/relationships" xmlns:p="http://schemas.openxmlformats.org/presentationml/2006/main">
+  <p:cSld>
+    <p:spTree>
+      <p:nvGrpSpPr>
+        <p:cNvPr id="1" name=""/>
+        <p:cNvGrpSpPr/>
+        <p:nvPr/>
+      </p:nvGrpSpPr>
+      <p:grpSpPr>
+        <a:xfrm>
+          <a:off x="0" y="0"/>
+          <a:ext cx="0" cy="0"/>
+          <a:chOff x="0" y="0"/>
+          <a:chExt cx="0" cy="0"/>
+        </a:xfrm>
+      </p:grpSpPr>
+      <p:sp>
+        <p:nvSpPr>
+          <p:cNvPr id="2" name="Title 1"/>
+          <p:cNvSpPr>
+            <a:spLocks noGrp="1"/>
+          </p:cNvSpPr>
+          <p:nvPr>
+            <p:ph type="ctrTitle"/>
+          </p:nvPr>
+        </p:nvSpPr>
+        <p:spPr>
+          <a:xfrm>
+            <a:off x="414090" y="123620"/>
+            <a:ext cx="9440034" cy="1828801"/>
+          </a:xfrm>
+        </p:spPr>
+        <p:txBody>
+          <a:bodyPr/>
+          <a:lstStyle/>
+          <a:p>
+            <a:pPr algn="l"/>
+            <a:r>
+              <a:rPr lang="en-US" dirty="0"/>
+              <a:t>Conclusion</a:t>
+            </a:r>
+          </a:p>
+        </p:txBody>
+      </p:sp>
+      <p:sp>
+        <p:nvSpPr>
+          <p:cNvPr id="3" name="Subtitle 2"/>
+          <p:cNvSpPr>
+            <a:spLocks noGrp="1"/>
+          </p:cNvSpPr>
+          <p:nvPr>
+            <p:ph type="subTitle" idx="1"/>
+          </p:nvPr>
+        </p:nvSpPr>
+        <p:spPr>
+          <a:xfrm>
+            <a:off x="554767" y="2093096"/>
+            <a:ext cx="9440034" cy="3210424"/>
+          </a:xfrm>
+        </p:spPr>
+        <p:txBody>
+          <a:bodyPr>
+            <a:normAutofit/>
+          </a:bodyPr>
+          <a:lstStyle/>
+          <a:p>
+            <a:pPr marL="342900" indent="-342900" algn="l">
+              <a:buFont typeface="Arial" panose="020B0604020202020204" pitchFamily="34" charset="0"/>
+              <a:buChar char="•"/>
+            </a:pPr>
+            <a:r>
+              <a:rPr lang="en-US" sz="2800" dirty="0"/>
+              <a:t>Recap: Summarized key findings and methodologies.</a:t>
+            </a:r>
+          </a:p>
+          <a:p>
+            <a:pPr marL="342900" indent="-342900" algn="l">
+              <a:buFont typeface="Arial" panose="020B0604020202020204" pitchFamily="34" charset="0"/>
+              <a:buChar char="•"/>
+            </a:pPr>
+            <a:r>
+              <a:rPr lang="en-US" sz="2800" dirty="0"/>
+              <a:t>MS2 vs. MS3: Compared approaches, highlighting pros and cons.</a:t>
+            </a:r>
+          </a:p>
+          <a:p>
+            <a:pPr marL="342900" indent="-342900" algn="l">
+              <a:buFont typeface="Arial" panose="020B0604020202020204" pitchFamily="34" charset="0"/>
+              <a:buChar char="•"/>
+            </a:pPr>
+            <a:r>
+              <a:rPr lang="en-US" sz="2800" dirty="0"/>
+              <a:t>Future Directions: Identified open questions and suggested areas for further research.</a:t>
+            </a:r>
+          </a:p>
+        </p:txBody>
+      </p:sp>
+    </p:spTree>
+    <p:extLst>
+      <p:ext uri="{BB962C8B-B14F-4D97-AF65-F5344CB8AC3E}">
+        <p14:creationId xmlns:p14="http://schemas.microsoft.com/office/powerpoint/2010/main" val="497044473"/>
+      </p:ext>
+    </p:extLst>
+  </p:cSld>
+  <p:clrMapOvr>
+    <a:masterClrMapping/>
+  </p:clrMapOvr>
+</p:sld>
+</file>
+
+<file path=ppt/slides/slide39.xml><?xml version="1.0" encoding="utf-8"?>
+<p:sld xmlns:a="http://schemas.openxmlformats.org/drawingml/2006/main" xmlns:r="http://schemas.openxmlformats.org/officeDocument/2006/relationships" xmlns:p="http://schemas.openxmlformats.org/presentationml/2006/main">
+  <p:cSld>
+    <p:spTree>
+      <p:nvGrpSpPr>
+        <p:cNvPr id="1" name=""/>
+        <p:cNvGrpSpPr/>
+        <p:nvPr/>
+      </p:nvGrpSpPr>
+      <p:grpSpPr>
+        <a:xfrm>
+          <a:off x="0" y="0"/>
+          <a:ext cx="0" cy="0"/>
+          <a:chOff x="0" y="0"/>
+          <a:chExt cx="0" cy="0"/>
+        </a:xfrm>
+      </p:grpSpPr>
+      <p:sp>
+        <p:nvSpPr>
+          <p:cNvPr id="2" name="Title 1"/>
+          <p:cNvSpPr>
+            <a:spLocks noGrp="1"/>
+          </p:cNvSpPr>
+          <p:nvPr>
+            <p:ph type="ctrTitle"/>
+          </p:nvPr>
+        </p:nvSpPr>
+        <p:spPr/>
+        <p:txBody>
+          <a:bodyPr/>
+          <a:lstStyle/>
+          <a:p>
+            <a:r>
+              <a:rPr lang="en-US"/>
+              <a:t>Questions</a:t>
+            </a:r>
+          </a:p>
+        </p:txBody>
+      </p:sp>
+      <p:sp>
+        <p:nvSpPr>
+          <p:cNvPr id="3" name="Subtitle 2"/>
+          <p:cNvSpPr>
+            <a:spLocks noGrp="1"/>
+          </p:cNvSpPr>
+          <p:nvPr>
+            <p:ph type="subTitle" idx="1"/>
+          </p:nvPr>
+        </p:nvSpPr>
+        <p:spPr/>
+        <p:txBody>
+          <a:bodyPr/>
+          <a:lstStyle/>
+          <a:p>
+            <a:endParaRPr lang="en-US"/>
+          </a:p>
+          <a:p>
+            <a:r>
+              <a:rPr lang="en-US"/>
+              <a:t>Invite questions from the audience</a:t>
+            </a:r>
+          </a:p>
+        </p:txBody>
+      </p:sp>
+    </p:spTree>
+    <p:extLst>
+      <p:ext uri="{BB962C8B-B14F-4D97-AF65-F5344CB8AC3E}">
+        <p14:creationId xmlns:p14="http://schemas.microsoft.com/office/powerpoint/2010/main" val="3586282257"/>
       </p:ext>
     </p:extLst>
   </p:cSld>
@@ -6777,12 +10632,18 @@
       </p:grpSpPr>
       <p:sp>
         <p:nvSpPr>
-          <p:cNvPr id="2" name="Title 1"/>
-          <p:cNvSpPr>
-            <a:spLocks noGrp="1"/>
-          </p:cNvSpPr>
-          <p:nvPr>
-            <p:ph type="ctrTitle"/>
+          <p:cNvPr id="2" name="Title 1">
+            <a:extLst>
+              <a:ext uri="{FF2B5EF4-FFF2-40B4-BE49-F238E27FC236}">
+                <a16:creationId xmlns:a16="http://schemas.microsoft.com/office/drawing/2014/main" id="{6531F860-20D1-484B-B575-CF5E8D5A3D6F}"/>
+              </a:ext>
+            </a:extLst>
+          </p:cNvPr>
+          <p:cNvSpPr>
+            <a:spLocks noGrp="1"/>
+          </p:cNvSpPr>
+          <p:nvPr>
+            <p:ph type="title"/>
           </p:nvPr>
         </p:nvSpPr>
         <p:spPr/>
@@ -6790,58 +10651,74 @@
           <a:bodyPr/>
           <a:lstStyle/>
           <a:p>
-            <a:r>
-              <a:rPr lang="en-US" smtClean="0"/>
-              <a:t>Preprocessing of Input for LLM and MS2</a:t>
-            </a:r>
-            <a:endParaRPr lang="en-US"/>
-          </a:p>
-        </p:txBody>
-      </p:sp>
-      <p:sp>
-        <p:nvSpPr>
-          <p:cNvPr id="3" name="Subtitle 2"/>
-          <p:cNvSpPr>
-            <a:spLocks noGrp="1"/>
-          </p:cNvSpPr>
-          <p:nvPr>
-            <p:ph type="subTitle" idx="1"/>
+            <a:pPr algn="l"/>
+            <a:r>
+              <a:rPr lang="en-US" dirty="0"/>
+              <a:t>Importance of Preprocessing in NLP</a:t>
+            </a:r>
+          </a:p>
+        </p:txBody>
+      </p:sp>
+      <p:sp>
+        <p:nvSpPr>
+          <p:cNvPr id="3" name="Content Placeholder 2">
+            <a:extLst>
+              <a:ext uri="{FF2B5EF4-FFF2-40B4-BE49-F238E27FC236}">
+                <a16:creationId xmlns:a16="http://schemas.microsoft.com/office/drawing/2014/main" id="{73E97938-C959-44D7-A718-382F47FFAE87}"/>
+              </a:ext>
+            </a:extLst>
+          </p:cNvPr>
+          <p:cNvSpPr>
+            <a:spLocks noGrp="1"/>
+          </p:cNvSpPr>
+          <p:nvPr>
+            <p:ph idx="1"/>
           </p:nvPr>
         </p:nvSpPr>
         <p:spPr/>
         <p:txBody>
-          <a:bodyPr>
-            <a:normAutofit fontScale="55000" lnSpcReduction="20000"/>
-          </a:bodyPr>
-          <a:lstStyle/>
-          <a:p>
-            <a:endParaRPr lang="en-US" smtClean="0"/>
-          </a:p>
-          <a:p>
-            <a:r>
-              <a:rPr lang="en-US" smtClean="0"/>
-              <a:t>LLM Preprocessing: Tokenization, Handling out-of-vocabulary words, Normalization techniques</a:t>
-            </a:r>
-          </a:p>
-          <a:p>
-            <a:r>
-              <a:rPr lang="en-US" smtClean="0"/>
-              <a:t>MS2 Preprocessing: Similarities and differences compared to LLM preprocessing, Specific preprocessing techniques used in MS2</a:t>
-            </a:r>
-          </a:p>
-          <a:p>
-            <a:r>
-              <a:rPr lang="en-US" smtClean="0"/>
-              <a:t>Code Snippet for MS2 Preprocessing: [Insert Python code here]</a:t>
-            </a:r>
-            <a:endParaRPr lang="en-US"/>
+          <a:bodyPr/>
+          <a:lstStyle/>
+          <a:p>
+            <a:r>
+              <a:rPr lang="en-US" dirty="0"/>
+              <a:t>Text Cleaning: Remove noise (e.g., HTML tags, punctuation) to improve data quality.</a:t>
+            </a:r>
+          </a:p>
+          <a:p>
+            <a:r>
+              <a:rPr lang="en-US" dirty="0"/>
+              <a:t>Tokenization: Split text into meaningful units (tokens).</a:t>
+            </a:r>
+          </a:p>
+          <a:p>
+            <a:r>
+              <a:rPr lang="en-US" dirty="0" err="1"/>
+              <a:t>Stopword</a:t>
+            </a:r>
+            <a:r>
+              <a:rPr lang="en-US" dirty="0"/>
+              <a:t> Removal: Eliminate common words that add little value to the analysis.</a:t>
+            </a:r>
+          </a:p>
+          <a:p>
+            <a:r>
+              <a:rPr lang="en-US" dirty="0"/>
+              <a:t>Lemmatization: Convert words to their base forms for uniformity.</a:t>
+            </a:r>
+          </a:p>
+          <a:p>
+            <a:r>
+              <a:rPr lang="en-US" dirty="0"/>
+              <a:t>Impact: Enhances the accuracy and efficiency of the model by ensuring clean, relevant input data.</a:t>
+            </a:r>
           </a:p>
         </p:txBody>
       </p:sp>
     </p:spTree>
     <p:extLst>
       <p:ext uri="{BB962C8B-B14F-4D97-AF65-F5344CB8AC3E}">
-        <p14:creationId xmlns:p14="http://schemas.microsoft.com/office/powerpoint/2010/main" val="1692987702"/>
+        <p14:creationId xmlns:p14="http://schemas.microsoft.com/office/powerpoint/2010/main" val="468120734"/>
       </p:ext>
     </p:extLst>
   </p:cSld>
@@ -6870,59 +10747,99 @@
       </p:grpSpPr>
       <p:sp>
         <p:nvSpPr>
-          <p:cNvPr id="2" name="Title 1"/>
-          <p:cNvSpPr>
-            <a:spLocks noGrp="1"/>
-          </p:cNvSpPr>
-          <p:nvPr>
-            <p:ph type="ctrTitle"/>
+          <p:cNvPr id="2" name="Title 1">
+            <a:extLst>
+              <a:ext uri="{FF2B5EF4-FFF2-40B4-BE49-F238E27FC236}">
+                <a16:creationId xmlns:a16="http://schemas.microsoft.com/office/drawing/2014/main" id="{6A47693C-3DAC-4CB5-93E3-86784797104D}"/>
+              </a:ext>
+            </a:extLst>
+          </p:cNvPr>
+          <p:cNvSpPr>
+            <a:spLocks noGrp="1"/>
+          </p:cNvSpPr>
+          <p:nvPr>
+            <p:ph type="title"/>
           </p:nvPr>
         </p:nvSpPr>
         <p:spPr/>
         <p:txBody>
+          <a:bodyPr>
+            <a:normAutofit fontScale="90000"/>
+          </a:bodyPr>
+          <a:lstStyle/>
+          <a:p>
+            <a:pPr algn="l"/>
+            <a:r>
+              <a:rPr lang="en-US" dirty="0"/>
+              <a:t>Model Selection for Large Language Models (LLMs)</a:t>
+            </a:r>
+          </a:p>
+        </p:txBody>
+      </p:sp>
+      <p:sp>
+        <p:nvSpPr>
+          <p:cNvPr id="3" name="Content Placeholder 2">
+            <a:extLst>
+              <a:ext uri="{FF2B5EF4-FFF2-40B4-BE49-F238E27FC236}">
+                <a16:creationId xmlns:a16="http://schemas.microsoft.com/office/drawing/2014/main" id="{2D715F70-5893-4260-A457-3E9259F79D67}"/>
+              </a:ext>
+            </a:extLst>
+          </p:cNvPr>
+          <p:cNvSpPr>
+            <a:spLocks noGrp="1"/>
+          </p:cNvSpPr>
+          <p:nvPr>
+            <p:ph idx="1"/>
+          </p:nvPr>
+        </p:nvSpPr>
+        <p:spPr/>
+        <p:txBody>
           <a:bodyPr/>
           <a:lstStyle/>
           <a:p>
             <a:r>
-              <a:rPr lang="en-US" smtClean="0"/>
-              <a:t>Selection of the Pre-trained Model</a:t>
-            </a:r>
-            <a:endParaRPr lang="en-US"/>
-          </a:p>
-        </p:txBody>
-      </p:sp>
-      <p:sp>
-        <p:nvSpPr>
-          <p:cNvPr id="3" name="Subtitle 2"/>
-          <p:cNvSpPr>
-            <a:spLocks noGrp="1"/>
-          </p:cNvSpPr>
-          <p:nvPr>
-            <p:ph type="subTitle" idx="1"/>
-          </p:nvPr>
-        </p:nvSpPr>
-        <p:spPr/>
-        <p:txBody>
-          <a:bodyPr>
-            <a:normAutofit fontScale="92500" lnSpcReduction="10000"/>
-          </a:bodyPr>
-          <a:lstStyle/>
-          <a:p>
-            <a:endParaRPr lang="en-US" smtClean="0"/>
-          </a:p>
-          <a:p>
-            <a:r>
-              <a:rPr lang="en-US" smtClean="0"/>
-              <a:t>Criteria for selecting a pre-trained model, Overview of popular pre-trained models (e.g., GPT, BERT, T5), Justification for the chosen pre-trained model for this task</a:t>
-            </a:r>
-            <a:endParaRPr lang="en-US"/>
+              <a:rPr lang="en-US" dirty="0"/>
+              <a:t>Why BERT?: Bidirectional Encoder Representations from Transformers (BERT) is chosen for its robust performance in NLP tasks.</a:t>
+            </a:r>
+          </a:p>
+          <a:p>
+            <a:r>
+              <a:rPr lang="en-US" dirty="0"/>
+              <a:t>Model Used in MS3: Tiny BERT (prajjwal1/</a:t>
+            </a:r>
+            <a:r>
+              <a:rPr lang="en-US" dirty="0" err="1"/>
+              <a:t>bert</a:t>
+            </a:r>
+            <a:r>
+              <a:rPr lang="en-US" dirty="0"/>
+              <a:t>-tiny) for its efficiency and capability.</a:t>
+            </a:r>
+          </a:p>
+          <a:p>
+            <a:r>
+              <a:rPr lang="en-US" dirty="0"/>
+              <a:t>Binary Classification in MS2: Utilized simpler binary classification techniques for initial model training and evaluation.</a:t>
+            </a:r>
+          </a:p>
+          <a:p>
+            <a:r>
+              <a:rPr lang="en-US" dirty="0"/>
+              <a:t>Advantages: BERT models are pretrained on a vast corpus, allowing them to understand language nuances.</a:t>
+            </a:r>
+          </a:p>
+          <a:p>
+            <a:r>
+              <a:rPr lang="en-US" dirty="0"/>
+              <a:t>Considerations: Balancing model complexity with computational efficiency to suit project needs.</a:t>
+            </a:r>
           </a:p>
         </p:txBody>
       </p:sp>
     </p:spTree>
     <p:extLst>
       <p:ext uri="{BB962C8B-B14F-4D97-AF65-F5344CB8AC3E}">
-        <p14:creationId xmlns:p14="http://schemas.microsoft.com/office/powerpoint/2010/main" val="3142301633"/>
+        <p14:creationId xmlns:p14="http://schemas.microsoft.com/office/powerpoint/2010/main" val="1718590331"/>
       </p:ext>
     </p:extLst>
   </p:cSld>
@@ -6951,12 +10868,18 @@
       </p:grpSpPr>
       <p:sp>
         <p:nvSpPr>
-          <p:cNvPr id="2" name="Title 1"/>
-          <p:cNvSpPr>
-            <a:spLocks noGrp="1"/>
-          </p:cNvSpPr>
-          <p:nvPr>
-            <p:ph type="ctrTitle"/>
+          <p:cNvPr id="2" name="Title 1">
+            <a:extLst>
+              <a:ext uri="{FF2B5EF4-FFF2-40B4-BE49-F238E27FC236}">
+                <a16:creationId xmlns:a16="http://schemas.microsoft.com/office/drawing/2014/main" id="{DC49042B-CE31-42EE-8162-DDD420590060}"/>
+              </a:ext>
+            </a:extLst>
+          </p:cNvPr>
+          <p:cNvSpPr>
+            <a:spLocks noGrp="1"/>
+          </p:cNvSpPr>
+          <p:nvPr>
+            <p:ph type="title"/>
           </p:nvPr>
         </p:nvSpPr>
         <p:spPr/>
@@ -6964,58 +10887,94 @@
           <a:bodyPr/>
           <a:lstStyle/>
           <a:p>
-            <a:r>
-              <a:rPr lang="en-US" smtClean="0"/>
-              <a:t>Post-processing for Output: MS2 vs. MS3</a:t>
-            </a:r>
-            <a:endParaRPr lang="en-US"/>
-          </a:p>
-        </p:txBody>
-      </p:sp>
-      <p:sp>
-        <p:nvSpPr>
-          <p:cNvPr id="3" name="Subtitle 2"/>
-          <p:cNvSpPr>
-            <a:spLocks noGrp="1"/>
-          </p:cNvSpPr>
-          <p:nvPr>
-            <p:ph type="subTitle" idx="1"/>
+            <a:pPr algn="l"/>
+            <a:r>
+              <a:rPr lang="en-US" dirty="0"/>
+              <a:t>Post-Processing in LLMs</a:t>
+            </a:r>
+          </a:p>
+        </p:txBody>
+      </p:sp>
+      <p:sp>
+        <p:nvSpPr>
+          <p:cNvPr id="3" name="Content Placeholder 2">
+            <a:extLst>
+              <a:ext uri="{FF2B5EF4-FFF2-40B4-BE49-F238E27FC236}">
+                <a16:creationId xmlns:a16="http://schemas.microsoft.com/office/drawing/2014/main" id="{ADEF792F-81BD-4FF5-8DDF-4484BCBD10A3}"/>
+              </a:ext>
+            </a:extLst>
+          </p:cNvPr>
+          <p:cNvSpPr>
+            <a:spLocks noGrp="1"/>
+          </p:cNvSpPr>
+          <p:nvPr>
+            <p:ph idx="1"/>
           </p:nvPr>
         </p:nvSpPr>
         <p:spPr/>
         <p:txBody>
-          <a:bodyPr>
-            <a:normAutofit fontScale="55000" lnSpcReduction="20000"/>
-          </a:bodyPr>
-          <a:lstStyle/>
-          <a:p>
-            <a:endParaRPr lang="en-US" smtClean="0"/>
-          </a:p>
-          <a:p>
-            <a:r>
-              <a:rPr lang="en-US" smtClean="0"/>
-              <a:t>MS2 Post-processing: Techniques used, Handling model outputs</a:t>
-            </a:r>
-          </a:p>
-          <a:p>
-            <a:r>
-              <a:rPr lang="en-US" smtClean="0"/>
-              <a:t>MS3 Post-processing: Differences from MS2, Additional or alternative post-processing steps</a:t>
-            </a:r>
-          </a:p>
-          <a:p>
-            <a:r>
-              <a:rPr lang="en-US" smtClean="0"/>
-              <a:t>Code Snippet for MS2 Post-processing: [Insert Python code here]</a:t>
-            </a:r>
-            <a:endParaRPr lang="en-US"/>
+          <a:bodyPr/>
+          <a:lstStyle/>
+          <a:p>
+            <a:r>
+              <a:rPr lang="en-US" dirty="0"/>
+              <a:t>Objective: Refine model predictions to enhance accuracy and usability.</a:t>
+            </a:r>
+          </a:p>
+          <a:p>
+            <a:endParaRPr lang="en-US" dirty="0"/>
+          </a:p>
+          <a:p>
+            <a:r>
+              <a:rPr lang="en-US" dirty="0"/>
+              <a:t>Steps:</a:t>
+            </a:r>
+          </a:p>
+          <a:p>
+            <a:pPr marL="36900" indent="0">
+              <a:buNone/>
+            </a:pPr>
+            <a:r>
+              <a:rPr lang="en-US" dirty="0"/>
+              <a:t>       1- Prediction Adjustment: Fine-tune predictions based on confidence levels and  thresholds</a:t>
+            </a:r>
+          </a:p>
+          <a:p>
+            <a:pPr marL="36900" indent="0">
+              <a:buNone/>
+            </a:pPr>
+            <a:r>
+              <a:rPr lang="en-US" dirty="0"/>
+              <a:t>       2- Error Analysis: Identify and rectify common misclassification patterns.</a:t>
+            </a:r>
+          </a:p>
+          <a:p>
+            <a:pPr marL="36900" indent="0">
+              <a:buNone/>
+            </a:pPr>
+            <a:r>
+              <a:rPr lang="en-US" dirty="0"/>
+              <a:t>       3- Interpretability: Ensure results are interpretable and actionable.</a:t>
+            </a:r>
+          </a:p>
+          <a:p>
+            <a:pPr marL="36900" indent="0">
+              <a:buNone/>
+            </a:pPr>
+            <a:endParaRPr lang="en-US" dirty="0"/>
+          </a:p>
+          <a:p>
+            <a:r>
+              <a:rPr lang="en-US" dirty="0"/>
+              <a:t>Impact: Improves the practical applicability of the model in real-world scenarios.</a:t>
+            </a:r>
           </a:p>
         </p:txBody>
       </p:sp>
     </p:spTree>
     <p:extLst>
       <p:ext uri="{BB962C8B-B14F-4D97-AF65-F5344CB8AC3E}">
-        <p14:creationId xmlns:p14="http://schemas.microsoft.com/office/powerpoint/2010/main" val="3784537746"/>
+        <p14:creationId xmlns:p14="http://schemas.microsoft.com/office/powerpoint/2010/main" val="1529034165"/>
       </p:ext>
     </p:extLst>
   </p:cSld>
@@ -7044,12 +11003,18 @@
       </p:grpSpPr>
       <p:sp>
         <p:nvSpPr>
-          <p:cNvPr id="2" name="Title 1"/>
-          <p:cNvSpPr>
-            <a:spLocks noGrp="1"/>
-          </p:cNvSpPr>
-          <p:nvPr>
-            <p:ph type="ctrTitle"/>
+          <p:cNvPr id="2" name="Title 1">
+            <a:extLst>
+              <a:ext uri="{FF2B5EF4-FFF2-40B4-BE49-F238E27FC236}">
+                <a16:creationId xmlns:a16="http://schemas.microsoft.com/office/drawing/2014/main" id="{156AC732-4DA5-4887-BB7B-943D4FF3D1CA}"/>
+              </a:ext>
+            </a:extLst>
+          </p:cNvPr>
+          <p:cNvSpPr>
+            <a:spLocks noGrp="1"/>
+          </p:cNvSpPr>
+          <p:nvPr>
+            <p:ph type="title"/>
           </p:nvPr>
         </p:nvSpPr>
         <p:spPr/>
@@ -7057,58 +11022,245 @@
           <a:bodyPr/>
           <a:lstStyle/>
           <a:p>
-            <a:r>
-              <a:rPr lang="en-US" smtClean="0"/>
-              <a:t>Analysis of Architectures: MS2 vs. MS3</a:t>
-            </a:r>
-            <a:endParaRPr lang="en-US"/>
-          </a:p>
-        </p:txBody>
-      </p:sp>
-      <p:sp>
-        <p:nvSpPr>
-          <p:cNvPr id="3" name="Subtitle 2"/>
-          <p:cNvSpPr>
-            <a:spLocks noGrp="1"/>
-          </p:cNvSpPr>
-          <p:nvPr>
-            <p:ph type="subTitle" idx="1"/>
-          </p:nvPr>
-        </p:nvSpPr>
-        <p:spPr/>
+            <a:pPr algn="l"/>
+            <a:r>
+              <a:rPr lang="en-US" dirty="0"/>
+              <a:t>Introduction to MS2 and MS3 Approaches</a:t>
+            </a:r>
+          </a:p>
+        </p:txBody>
+      </p:sp>
+      <p:sp>
+        <p:nvSpPr>
+          <p:cNvPr id="3" name="Content Placeholder 2">
+            <a:extLst>
+              <a:ext uri="{FF2B5EF4-FFF2-40B4-BE49-F238E27FC236}">
+                <a16:creationId xmlns:a16="http://schemas.microsoft.com/office/drawing/2014/main" id="{7F647A71-FF03-4937-B250-F7F8F11D8E7D}"/>
+              </a:ext>
+            </a:extLst>
+          </p:cNvPr>
+          <p:cNvSpPr>
+            <a:spLocks noGrp="1"/>
+          </p:cNvSpPr>
+          <p:nvPr>
+            <p:ph idx="1"/>
+          </p:nvPr>
+        </p:nvSpPr>
+        <p:spPr>
+          <a:xfrm>
+            <a:off x="913795" y="1732450"/>
+            <a:ext cx="10353762" cy="5125550"/>
+          </a:xfrm>
+        </p:spPr>
         <p:txBody>
           <a:bodyPr>
-            <a:normAutofit fontScale="55000" lnSpcReduction="20000"/>
+            <a:normAutofit fontScale="25000" lnSpcReduction="20000"/>
           </a:bodyPr>
           <a:lstStyle/>
           <a:p>
-            <a:endParaRPr lang="en-US" smtClean="0"/>
-          </a:p>
-          <a:p>
-            <a:r>
-              <a:rPr lang="en-US" smtClean="0"/>
-              <a:t>MS2 Architecture: Components and workflow, Simplified diagram</a:t>
-            </a:r>
-          </a:p>
-          <a:p>
-            <a:r>
-              <a:rPr lang="en-US" smtClean="0"/>
-              <a:t>MS3 Architecture: Components and workflow, Simplified diagram</a:t>
-            </a:r>
-          </a:p>
-          <a:p>
-            <a:r>
-              <a:rPr lang="en-US" smtClean="0"/>
-              <a:t>Code Snippet for MS3 Architecture: [Insert Python code here]</a:t>
-            </a:r>
-            <a:endParaRPr lang="en-US"/>
+            <a:r>
+              <a:rPr lang="en-US" sz="8000" dirty="0"/>
+              <a:t>MS2 (Multistep 2):</a:t>
+            </a:r>
+          </a:p>
+          <a:p>
+            <a:pPr marL="36900" indent="0">
+              <a:buNone/>
+            </a:pPr>
+            <a:r>
+              <a:rPr lang="en-US" sz="8000" dirty="0"/>
+              <a:t>   - </a:t>
+            </a:r>
+            <a:r>
+              <a:rPr lang="en-US" sz="8000" b="1" dirty="0"/>
+              <a:t>Description: </a:t>
+            </a:r>
+            <a:r>
+              <a:rPr lang="en-US" sz="8000" dirty="0"/>
+              <a:t>A two-step approach involving initial preprocessing and primary model </a:t>
+            </a:r>
+          </a:p>
+          <a:p>
+            <a:pPr marL="36900" indent="0">
+              <a:buNone/>
+            </a:pPr>
+            <a:r>
+              <a:rPr lang="en-US" sz="8000" dirty="0"/>
+              <a:t>                            training using binary classification.</a:t>
+            </a:r>
+          </a:p>
+          <a:p>
+            <a:pPr marL="36900" indent="0">
+              <a:buNone/>
+            </a:pPr>
+            <a:r>
+              <a:rPr lang="en-US" sz="8000" dirty="0"/>
+              <a:t>   - </a:t>
+            </a:r>
+            <a:r>
+              <a:rPr lang="en-US" sz="8000" b="1" dirty="0"/>
+              <a:t>Application: </a:t>
+            </a:r>
+            <a:r>
+              <a:rPr lang="en-US" sz="8000" dirty="0"/>
+              <a:t>Sets the foundation for model development with basic preprocessing and  </a:t>
+            </a:r>
+          </a:p>
+          <a:p>
+            <a:pPr marL="36900" indent="0">
+              <a:buNone/>
+            </a:pPr>
+            <a:r>
+              <a:rPr lang="en-US" sz="8000" dirty="0"/>
+              <a:t>                            training.</a:t>
+            </a:r>
+          </a:p>
+          <a:p>
+            <a:pPr marL="36900" indent="0">
+              <a:buNone/>
+            </a:pPr>
+            <a:endParaRPr lang="en-US" sz="8000" dirty="0"/>
+          </a:p>
+          <a:p>
+            <a:r>
+              <a:rPr lang="en-US" sz="8000" dirty="0"/>
+              <a:t>MS3 (Multistep 3):</a:t>
+            </a:r>
+          </a:p>
+          <a:p>
+            <a:pPr marL="36900" indent="0">
+              <a:buNone/>
+            </a:pPr>
+            <a:r>
+              <a:rPr lang="en-US" sz="8000" dirty="0"/>
+              <a:t>     - </a:t>
+            </a:r>
+            <a:r>
+              <a:rPr lang="en-US" sz="8000" b="1" dirty="0"/>
+              <a:t>Description: </a:t>
+            </a:r>
+            <a:r>
+              <a:rPr lang="en-US" sz="8000" dirty="0"/>
+              <a:t>An extension of MS2, utilizing Tiny BERT for advanced preprocessing,</a:t>
+            </a:r>
+          </a:p>
+          <a:p>
+            <a:pPr marL="36900" indent="0">
+              <a:buNone/>
+            </a:pPr>
+            <a:r>
+              <a:rPr lang="en-US" sz="8000" dirty="0"/>
+              <a:t>                              fine-tuning, and enhanced model training.</a:t>
+            </a:r>
+          </a:p>
+          <a:p>
+            <a:pPr marL="36900" indent="0">
+              <a:buNone/>
+            </a:pPr>
+            <a:r>
+              <a:rPr lang="en-US" sz="8000" dirty="0"/>
+              <a:t>     - </a:t>
+            </a:r>
+            <a:r>
+              <a:rPr lang="en-US" sz="8000" b="1" dirty="0"/>
+              <a:t>Application: </a:t>
+            </a:r>
+            <a:r>
+              <a:rPr lang="en-US" sz="8000" dirty="0"/>
+              <a:t>Utilized for refining models, incorporating more complex preprocessing,</a:t>
+            </a:r>
+          </a:p>
+          <a:p>
+            <a:pPr marL="36900" indent="0">
+              <a:buNone/>
+            </a:pPr>
+            <a:r>
+              <a:rPr lang="en-US" sz="8000" dirty="0"/>
+              <a:t>                              and optimizing performance.</a:t>
+            </a:r>
+          </a:p>
+          <a:p>
+            <a:r>
+              <a:rPr lang="en-US" sz="8000" b="1" dirty="0"/>
+              <a:t>Benefits: </a:t>
+            </a:r>
+            <a:r>
+              <a:rPr lang="en-US" sz="8000" dirty="0"/>
+              <a:t>Provides structured methodologies to systematically develop and improve machine learning models.</a:t>
+            </a:r>
+          </a:p>
+          <a:p>
+            <a:pPr marL="36900" indent="0">
+              <a:buNone/>
+            </a:pPr>
+            <a:endParaRPr lang="en-US" sz="8000" dirty="0"/>
+          </a:p>
+          <a:p>
+            <a:pPr marL="36900" indent="0">
+              <a:buNone/>
+            </a:pPr>
+            <a:endParaRPr lang="en-US" sz="8000" dirty="0"/>
+          </a:p>
+          <a:p>
+            <a:pPr marL="36900" indent="0">
+              <a:buNone/>
+            </a:pPr>
+            <a:endParaRPr lang="en-US" sz="8000" dirty="0"/>
+          </a:p>
+          <a:p>
+            <a:pPr marL="36900" indent="0">
+              <a:buNone/>
+            </a:pPr>
+            <a:endParaRPr lang="en-US" dirty="0"/>
+          </a:p>
+          <a:p>
+            <a:pPr marL="36900" indent="0">
+              <a:buNone/>
+            </a:pPr>
+            <a:endParaRPr lang="en-US" dirty="0"/>
+          </a:p>
+          <a:p>
+            <a:pPr marL="36900" indent="0">
+              <a:buNone/>
+            </a:pPr>
+            <a:endParaRPr lang="en-US" dirty="0"/>
+          </a:p>
+          <a:p>
+            <a:pPr marL="36900" indent="0">
+              <a:buNone/>
+            </a:pPr>
+            <a:endParaRPr lang="en-US" dirty="0"/>
+          </a:p>
+          <a:p>
+            <a:endParaRPr lang="en-US" dirty="0"/>
+          </a:p>
+          <a:p>
+            <a:pPr marL="36900" indent="0">
+              <a:buNone/>
+            </a:pPr>
+            <a:endParaRPr lang="en-US" dirty="0"/>
+          </a:p>
+          <a:p>
+            <a:pPr marL="36900" indent="0">
+              <a:buNone/>
+            </a:pPr>
+            <a:endParaRPr lang="en-US" dirty="0"/>
+          </a:p>
+          <a:p>
+            <a:pPr marL="36900" indent="0">
+              <a:buNone/>
+            </a:pPr>
+            <a:r>
+              <a:rPr lang="en-US" dirty="0"/>
+              <a:t>                 </a:t>
+            </a:r>
           </a:p>
         </p:txBody>
       </p:sp>
     </p:spTree>
     <p:extLst>
       <p:ext uri="{BB962C8B-B14F-4D97-AF65-F5344CB8AC3E}">
-        <p14:creationId xmlns:p14="http://schemas.microsoft.com/office/powerpoint/2010/main" val="1757677253"/>
+        <p14:creationId xmlns:p14="http://schemas.microsoft.com/office/powerpoint/2010/main" val="360893384"/>
       </p:ext>
     </p:extLst>
   </p:cSld>
@@ -7137,12 +11289,18 @@
       </p:grpSpPr>
       <p:sp>
         <p:nvSpPr>
-          <p:cNvPr id="2" name="Title 1"/>
-          <p:cNvSpPr>
-            <a:spLocks noGrp="1"/>
-          </p:cNvSpPr>
-          <p:nvPr>
-            <p:ph type="ctrTitle"/>
+          <p:cNvPr id="2" name="Title 1">
+            <a:extLst>
+              <a:ext uri="{FF2B5EF4-FFF2-40B4-BE49-F238E27FC236}">
+                <a16:creationId xmlns:a16="http://schemas.microsoft.com/office/drawing/2014/main" id="{A2E93D63-8B58-4A66-ADC2-59D7B123D8D9}"/>
+              </a:ext>
+            </a:extLst>
+          </p:cNvPr>
+          <p:cNvSpPr>
+            <a:spLocks noGrp="1"/>
+          </p:cNvSpPr>
+          <p:nvPr>
+            <p:ph type="title"/>
           </p:nvPr>
         </p:nvSpPr>
         <p:spPr/>
@@ -7150,52 +11308,114 @@
           <a:bodyPr/>
           <a:lstStyle/>
           <a:p>
-            <a:r>
-              <a:rPr lang="en-US" smtClean="0"/>
-              <a:t>Limitations of MS2 and MS3</a:t>
-            </a:r>
-            <a:endParaRPr lang="en-US"/>
-          </a:p>
-        </p:txBody>
-      </p:sp>
-      <p:sp>
-        <p:nvSpPr>
-          <p:cNvPr id="3" name="Subtitle 2"/>
-          <p:cNvSpPr>
-            <a:spLocks noGrp="1"/>
-          </p:cNvSpPr>
-          <p:nvPr>
-            <p:ph type="subTitle" idx="1"/>
+            <a:pPr algn="l"/>
+            <a:r>
+              <a:rPr lang="en-US" dirty="0"/>
+              <a:t>Post-Processing in LLMs</a:t>
+            </a:r>
+          </a:p>
+        </p:txBody>
+      </p:sp>
+      <p:sp>
+        <p:nvSpPr>
+          <p:cNvPr id="3" name="Content Placeholder 2">
+            <a:extLst>
+              <a:ext uri="{FF2B5EF4-FFF2-40B4-BE49-F238E27FC236}">
+                <a16:creationId xmlns:a16="http://schemas.microsoft.com/office/drawing/2014/main" id="{471A84DE-8A32-4AF7-B48C-0F099389BD4F}"/>
+              </a:ext>
+            </a:extLst>
+          </p:cNvPr>
+          <p:cNvSpPr>
+            <a:spLocks noGrp="1"/>
+          </p:cNvSpPr>
+          <p:nvPr>
+            <p:ph idx="1"/>
           </p:nvPr>
         </p:nvSpPr>
         <p:spPr/>
         <p:txBody>
-          <a:bodyPr>
-            <a:normAutofit fontScale="85000" lnSpcReduction="10000"/>
-          </a:bodyPr>
-          <a:lstStyle/>
-          <a:p>
-            <a:endParaRPr lang="en-US" smtClean="0"/>
-          </a:p>
-          <a:p>
-            <a:r>
-              <a:rPr lang="en-US" smtClean="0"/>
-              <a:t>MS2: Simpler model, faster training, Limited by traditional machine learning techniques</a:t>
-            </a:r>
-          </a:p>
-          <a:p>
-            <a:r>
-              <a:rPr lang="en-US" smtClean="0"/>
-              <a:t>MS3: More complex, longer training times, Requires more computational resources</a:t>
-            </a:r>
-            <a:endParaRPr lang="en-US"/>
+          <a:bodyPr/>
+          <a:lstStyle/>
+          <a:p>
+            <a:r>
+              <a:rPr lang="en-US" b="1" dirty="0"/>
+              <a:t>Objective: </a:t>
+            </a:r>
+            <a:r>
+              <a:rPr lang="en-US" dirty="0"/>
+              <a:t>Refine model predictions to enhance accuracy and usability.</a:t>
+            </a:r>
+          </a:p>
+          <a:p>
+            <a:endParaRPr lang="en-US" dirty="0"/>
+          </a:p>
+          <a:p>
+            <a:r>
+              <a:rPr lang="en-US" b="1" dirty="0"/>
+              <a:t>Steps:</a:t>
+            </a:r>
+          </a:p>
+          <a:p>
+            <a:pPr marL="36900" indent="0">
+              <a:buNone/>
+            </a:pPr>
+            <a:r>
+              <a:rPr lang="en-US" dirty="0"/>
+              <a:t>      1- Prediction Adjustment: Fine-tune predictions based on confidence levels and thresholds.</a:t>
+            </a:r>
+          </a:p>
+          <a:p>
+            <a:pPr marL="36900" indent="0">
+              <a:buNone/>
+            </a:pPr>
+            <a:r>
+              <a:rPr lang="en-US" dirty="0"/>
+              <a:t>      2- Error Analysis: Identify and rectify common misclassification patterns.</a:t>
+            </a:r>
+          </a:p>
+          <a:p>
+            <a:pPr marL="36900" indent="0">
+              <a:buNone/>
+            </a:pPr>
+            <a:r>
+              <a:rPr lang="en-US" dirty="0"/>
+              <a:t>      3- Interpretability: Ensure results are interpretable and actionable.</a:t>
+            </a:r>
+          </a:p>
+          <a:p>
+            <a:pPr marL="36900" indent="0">
+              <a:buNone/>
+            </a:pPr>
+            <a:endParaRPr lang="en-US" dirty="0"/>
+          </a:p>
+          <a:p>
+            <a:r>
+              <a:rPr lang="en-US" b="1" dirty="0"/>
+              <a:t>Impact: </a:t>
+            </a:r>
+            <a:r>
+              <a:rPr lang="en-US" dirty="0"/>
+              <a:t>Improves the practical applicability of the model in real-world scenarios.</a:t>
+            </a:r>
+          </a:p>
+          <a:p>
+            <a:pPr marL="36900" indent="0">
+              <a:buNone/>
+            </a:pPr>
+            <a:endParaRPr lang="en-US" dirty="0"/>
+          </a:p>
+          <a:p>
+            <a:pPr marL="36900" indent="0">
+              <a:buNone/>
+            </a:pPr>
+            <a:endParaRPr lang="en-US" dirty="0"/>
           </a:p>
         </p:txBody>
       </p:sp>
     </p:spTree>
     <p:extLst>
       <p:ext uri="{BB962C8B-B14F-4D97-AF65-F5344CB8AC3E}">
-        <p14:creationId xmlns:p14="http://schemas.microsoft.com/office/powerpoint/2010/main" val="2237536159"/>
+        <p14:creationId xmlns:p14="http://schemas.microsoft.com/office/powerpoint/2010/main" val="3149681472"/>
       </p:ext>
     </p:extLst>
   </p:cSld>
@@ -7232,57 +11452,48 @@
             <p:ph type="ctrTitle"/>
           </p:nvPr>
         </p:nvSpPr>
+        <p:spPr>
+          <a:xfrm>
+            <a:off x="1381273" y="2683938"/>
+            <a:ext cx="9440034" cy="1828801"/>
+          </a:xfrm>
+        </p:spPr>
+        <p:txBody>
+          <a:bodyPr/>
+          <a:lstStyle/>
+          <a:p>
+            <a:r>
+              <a:rPr lang="en-US" dirty="0"/>
+              <a:t>Preprocessing of Input for LLM and MS2</a:t>
+            </a:r>
+          </a:p>
+        </p:txBody>
+      </p:sp>
+      <p:sp>
+        <p:nvSpPr>
+          <p:cNvPr id="3" name="Subtitle 2"/>
+          <p:cNvSpPr>
+            <a:spLocks noGrp="1"/>
+          </p:cNvSpPr>
+          <p:nvPr>
+            <p:ph type="subTitle" idx="1"/>
+          </p:nvPr>
+        </p:nvSpPr>
         <p:spPr/>
         <p:txBody>
-          <a:bodyPr/>
-          <a:lstStyle/>
-          <a:p>
-            <a:r>
-              <a:rPr lang="en-US" smtClean="0"/>
-              <a:t>Advantages Relative to the Task</a:t>
-            </a:r>
-            <a:endParaRPr lang="en-US"/>
-          </a:p>
-        </p:txBody>
-      </p:sp>
-      <p:sp>
-        <p:nvSpPr>
-          <p:cNvPr id="3" name="Subtitle 2"/>
-          <p:cNvSpPr>
-            <a:spLocks noGrp="1"/>
-          </p:cNvSpPr>
-          <p:nvPr>
-            <p:ph type="subTitle" idx="1"/>
-          </p:nvPr>
-        </p:nvSpPr>
-        <p:spPr/>
-        <p:txBody>
           <a:bodyPr>
-            <a:normAutofit fontScale="85000" lnSpcReduction="10000"/>
+            <a:normAutofit/>
           </a:bodyPr>
           <a:lstStyle/>
           <a:p>
-            <a:endParaRPr lang="en-US" smtClean="0"/>
-          </a:p>
-          <a:p>
-            <a:r>
-              <a:rPr lang="en-US" smtClean="0"/>
-              <a:t>MS2: Faster and simpler to implement, Suitable for less demanding tasks</a:t>
-            </a:r>
-          </a:p>
-          <a:p>
-            <a:r>
-              <a:rPr lang="en-US" smtClean="0"/>
-              <a:t>MS3: More accurate and robust, Handles complex tasks better</a:t>
-            </a:r>
-            <a:endParaRPr lang="en-US"/>
+            <a:endParaRPr lang="en-US" dirty="0"/>
           </a:p>
         </p:txBody>
       </p:sp>
     </p:spTree>
     <p:extLst>
       <p:ext uri="{BB962C8B-B14F-4D97-AF65-F5344CB8AC3E}">
-        <p14:creationId xmlns:p14="http://schemas.microsoft.com/office/powerpoint/2010/main" val="240881973"/>
+        <p14:creationId xmlns:p14="http://schemas.microsoft.com/office/powerpoint/2010/main" val="1692987702"/>
       </p:ext>
     </p:extLst>
   </p:cSld>
@@ -7532,4 +11743,299 @@
     </a:ext>
   </a:extLst>
 </a:theme>
+</file>
+
+<file path=ppt/theme/theme2.xml><?xml version="1.0" encoding="utf-8"?>
+<a:theme xmlns:a="http://schemas.openxmlformats.org/drawingml/2006/main" name="Office Theme">
+  <a:themeElements>
+    <a:clrScheme name="Office">
+      <a:dk1>
+        <a:sysClr val="windowText" lastClr="000000"/>
+      </a:dk1>
+      <a:lt1>
+        <a:sysClr val="window" lastClr="FFFFFF"/>
+      </a:lt1>
+      <a:dk2>
+        <a:srgbClr val="44546A"/>
+      </a:dk2>
+      <a:lt2>
+        <a:srgbClr val="E7E6E6"/>
+      </a:lt2>
+      <a:accent1>
+        <a:srgbClr val="4472C4"/>
+      </a:accent1>
+      <a:accent2>
+        <a:srgbClr val="ED7D31"/>
+      </a:accent2>
+      <a:accent3>
+        <a:srgbClr val="A5A5A5"/>
+      </a:accent3>
+      <a:accent4>
+        <a:srgbClr val="FFC000"/>
+      </a:accent4>
+      <a:accent5>
+        <a:srgbClr val="5B9BD5"/>
+      </a:accent5>
+      <a:accent6>
+        <a:srgbClr val="70AD47"/>
+      </a:accent6>
+      <a:hlink>
+        <a:srgbClr val="0563C1"/>
+      </a:hlink>
+      <a:folHlink>
+        <a:srgbClr val="954F72"/>
+      </a:folHlink>
+    </a:clrScheme>
+    <a:fontScheme name="Office">
+      <a:majorFont>
+        <a:latin typeface="Calibri Light" panose="020F0302020204030204"/>
+        <a:ea typeface=""/>
+        <a:cs typeface=""/>
+        <a:font script="Jpan" typeface="游ゴシック Light"/>
+        <a:font script="Hang" typeface="맑은 고딕"/>
+        <a:font script="Hans" typeface="等线 Light"/>
+        <a:font script="Hant" typeface="新細明體"/>
+        <a:font script="Arab" typeface="Times New Roman"/>
+        <a:font script="Hebr" typeface="Times New Roman"/>
+        <a:font script="Thai" typeface="Angsana New"/>
+        <a:font script="Ethi" typeface="Nyala"/>
+        <a:font script="Beng" typeface="Vrinda"/>
+        <a:font script="Gujr" typeface="Shruti"/>
+        <a:font script="Khmr" typeface="MoolBoran"/>
+        <a:font script="Knda" typeface="Tunga"/>
+        <a:font script="Guru" typeface="Raavi"/>
+        <a:font script="Cans" typeface="Euphemia"/>
+        <a:font script="Cher" typeface="Plantagenet Cherokee"/>
+        <a:font script="Yiii" typeface="Microsoft Yi Baiti"/>
+        <a:font script="Tibt" typeface="Microsoft Himalaya"/>
+        <a:font script="Thaa" typeface="MV Boli"/>
+        <a:font script="Deva" typeface="Mangal"/>
+        <a:font script="Telu" typeface="Gautami"/>
+        <a:font script="Taml" typeface="Latha"/>
+        <a:font script="Syrc" typeface="Estrangelo Edessa"/>
+        <a:font script="Orya" typeface="Kalinga"/>
+        <a:font script="Mlym" typeface="Kartika"/>
+        <a:font script="Laoo" typeface="DokChampa"/>
+        <a:font script="Sinh" typeface="Iskoola Pota"/>
+        <a:font script="Mong" typeface="Mongolian Baiti"/>
+        <a:font script="Viet" typeface="Times New Roman"/>
+        <a:font script="Uigh" typeface="Microsoft Uighur"/>
+        <a:font script="Geor" typeface="Sylfaen"/>
+        <a:font script="Armn" typeface="Arial"/>
+        <a:font script="Bugi" typeface="Leelawadee UI"/>
+        <a:font script="Bopo" typeface="Microsoft JhengHei"/>
+        <a:font script="Java" typeface="Javanese Text"/>
+        <a:font script="Lisu" typeface="Segoe UI"/>
+        <a:font script="Mymr" typeface="Myanmar Text"/>
+        <a:font script="Nkoo" typeface="Ebrima"/>
+        <a:font script="Olck" typeface="Nirmala UI"/>
+        <a:font script="Osma" typeface="Ebrima"/>
+        <a:font script="Phag" typeface="Phagspa"/>
+        <a:font script="Syrn" typeface="Estrangelo Edessa"/>
+        <a:font script="Syrj" typeface="Estrangelo Edessa"/>
+        <a:font script="Syre" typeface="Estrangelo Edessa"/>
+        <a:font script="Sora" typeface="Nirmala UI"/>
+        <a:font script="Tale" typeface="Microsoft Tai Le"/>
+        <a:font script="Talu" typeface="Microsoft New Tai Lue"/>
+        <a:font script="Tfng" typeface="Ebrima"/>
+      </a:majorFont>
+      <a:minorFont>
+        <a:latin typeface="Calibri" panose="020F0502020204030204"/>
+        <a:ea typeface=""/>
+        <a:cs typeface=""/>
+        <a:font script="Jpan" typeface="游ゴシック"/>
+        <a:font script="Hang" typeface="맑은 고딕"/>
+        <a:font script="Hans" typeface="等线"/>
+        <a:font script="Hant" typeface="新細明體"/>
+        <a:font script="Arab" typeface="Arial"/>
+        <a:font script="Hebr" typeface="Arial"/>
+        <a:font script="Thai" typeface="Cordia New"/>
+        <a:font script="Ethi" typeface="Nyala"/>
+        <a:font script="Beng" typeface="Vrinda"/>
+        <a:font script="Gujr" typeface="Shruti"/>
+        <a:font script="Khmr" typeface="DaunPenh"/>
+        <a:font script="Knda" typeface="Tunga"/>
+        <a:font script="Guru" typeface="Raavi"/>
+        <a:font script="Cans" typeface="Euphemia"/>
+        <a:font script="Cher" typeface="Plantagenet Cherokee"/>
+        <a:font script="Yiii" typeface="Microsoft Yi Baiti"/>
+        <a:font script="Tibt" typeface="Microsoft Himalaya"/>
+        <a:font script="Thaa" typeface="MV Boli"/>
+        <a:font script="Deva" typeface="Mangal"/>
+        <a:font script="Telu" typeface="Gautami"/>
+        <a:font script="Taml" typeface="Latha"/>
+        <a:font script="Syrc" typeface="Estrangelo Edessa"/>
+        <a:font script="Orya" typeface="Kalinga"/>
+        <a:font script="Mlym" typeface="Kartika"/>
+        <a:font script="Laoo" typeface="DokChampa"/>
+        <a:font script="Sinh" typeface="Iskoola Pota"/>
+        <a:font script="Mong" typeface="Mongolian Baiti"/>
+        <a:font script="Viet" typeface="Arial"/>
+        <a:font script="Uigh" typeface="Microsoft Uighur"/>
+        <a:font script="Geor" typeface="Sylfaen"/>
+        <a:font script="Armn" typeface="Arial"/>
+        <a:font script="Bugi" typeface="Leelawadee UI"/>
+        <a:font script="Bopo" typeface="Microsoft JhengHei"/>
+        <a:font script="Java" typeface="Javanese Text"/>
+        <a:font script="Lisu" typeface="Segoe UI"/>
+        <a:font script="Mymr" typeface="Myanmar Text"/>
+        <a:font script="Nkoo" typeface="Ebrima"/>
+        <a:font script="Olck" typeface="Nirmala UI"/>
+        <a:font script="Osma" typeface="Ebrima"/>
+        <a:font script="Phag" typeface="Phagspa"/>
+        <a:font script="Syrn" typeface="Estrangelo Edessa"/>
+        <a:font script="Syrj" typeface="Estrangelo Edessa"/>
+        <a:font script="Syre" typeface="Estrangelo Edessa"/>
+        <a:font script="Sora" typeface="Nirmala UI"/>
+        <a:font script="Tale" typeface="Microsoft Tai Le"/>
+        <a:font script="Talu" typeface="Microsoft New Tai Lue"/>
+        <a:font script="Tfng" typeface="Ebrima"/>
+      </a:minorFont>
+    </a:fontScheme>
+    <a:fmtScheme name="Office">
+      <a:fillStyleLst>
+        <a:solidFill>
+          <a:schemeClr val="phClr"/>
+        </a:solidFill>
+        <a:gradFill rotWithShape="1">
+          <a:gsLst>
+            <a:gs pos="0">
+              <a:schemeClr val="phClr">
+                <a:lumMod val="110000"/>
+                <a:satMod val="105000"/>
+                <a:tint val="67000"/>
+              </a:schemeClr>
+            </a:gs>
+            <a:gs pos="50000">
+              <a:schemeClr val="phClr">
+                <a:lumMod val="105000"/>
+                <a:satMod val="103000"/>
+                <a:tint val="73000"/>
+              </a:schemeClr>
+            </a:gs>
+            <a:gs pos="100000">
+              <a:schemeClr val="phClr">
+                <a:lumMod val="105000"/>
+                <a:satMod val="109000"/>
+                <a:tint val="81000"/>
+              </a:schemeClr>
+            </a:gs>
+          </a:gsLst>
+          <a:lin ang="5400000" scaled="0"/>
+        </a:gradFill>
+        <a:gradFill rotWithShape="1">
+          <a:gsLst>
+            <a:gs pos="0">
+              <a:schemeClr val="phClr">
+                <a:satMod val="103000"/>
+                <a:lumMod val="102000"/>
+                <a:tint val="94000"/>
+              </a:schemeClr>
+            </a:gs>
+            <a:gs pos="50000">
+              <a:schemeClr val="phClr">
+                <a:satMod val="110000"/>
+                <a:lumMod val="100000"/>
+                <a:shade val="100000"/>
+              </a:schemeClr>
+            </a:gs>
+            <a:gs pos="100000">
+              <a:schemeClr val="phClr">
+                <a:lumMod val="99000"/>
+                <a:satMod val="120000"/>
+                <a:shade val="78000"/>
+              </a:schemeClr>
+            </a:gs>
+          </a:gsLst>
+          <a:lin ang="5400000" scaled="0"/>
+        </a:gradFill>
+      </a:fillStyleLst>
+      <a:lnStyleLst>
+        <a:ln w="6350" cap="flat" cmpd="sng" algn="ctr">
+          <a:solidFill>
+            <a:schemeClr val="phClr"/>
+          </a:solidFill>
+          <a:prstDash val="solid"/>
+          <a:miter lim="800000"/>
+        </a:ln>
+        <a:ln w="12700" cap="flat" cmpd="sng" algn="ctr">
+          <a:solidFill>
+            <a:schemeClr val="phClr"/>
+          </a:solidFill>
+          <a:prstDash val="solid"/>
+          <a:miter lim="800000"/>
+        </a:ln>
+        <a:ln w="19050" cap="flat" cmpd="sng" algn="ctr">
+          <a:solidFill>
+            <a:schemeClr val="phClr"/>
+          </a:solidFill>
+          <a:prstDash val="solid"/>
+          <a:miter lim="800000"/>
+        </a:ln>
+      </a:lnStyleLst>
+      <a:effectStyleLst>
+        <a:effectStyle>
+          <a:effectLst/>
+        </a:effectStyle>
+        <a:effectStyle>
+          <a:effectLst/>
+        </a:effectStyle>
+        <a:effectStyle>
+          <a:effectLst>
+            <a:outerShdw blurRad="57150" dist="19050" dir="5400000" algn="ctr" rotWithShape="0">
+              <a:srgbClr val="000000">
+                <a:alpha val="63000"/>
+              </a:srgbClr>
+            </a:outerShdw>
+          </a:effectLst>
+        </a:effectStyle>
+      </a:effectStyleLst>
+      <a:bgFillStyleLst>
+        <a:solidFill>
+          <a:schemeClr val="phClr"/>
+        </a:solidFill>
+        <a:solidFill>
+          <a:schemeClr val="phClr">
+            <a:tint val="95000"/>
+            <a:satMod val="170000"/>
+          </a:schemeClr>
+        </a:solidFill>
+        <a:gradFill rotWithShape="1">
+          <a:gsLst>
+            <a:gs pos="0">
+              <a:schemeClr val="phClr">
+                <a:tint val="93000"/>
+                <a:satMod val="150000"/>
+                <a:shade val="98000"/>
+                <a:lumMod val="102000"/>
+              </a:schemeClr>
+            </a:gs>
+            <a:gs pos="50000">
+              <a:schemeClr val="phClr">
+                <a:tint val="98000"/>
+                <a:satMod val="130000"/>
+                <a:shade val="90000"/>
+                <a:lumMod val="103000"/>
+              </a:schemeClr>
+            </a:gs>
+            <a:gs pos="100000">
+              <a:schemeClr val="phClr">
+                <a:shade val="63000"/>
+                <a:satMod val="120000"/>
+              </a:schemeClr>
+            </a:gs>
+          </a:gsLst>
+          <a:lin ang="5400000" scaled="0"/>
+        </a:gradFill>
+      </a:bgFillStyleLst>
+    </a:fmtScheme>
+  </a:themeElements>
+  <a:objectDefaults/>
+  <a:extraClrSchemeLst/>
+  <a:extLst>
+    <a:ext uri="{05A4C25C-085E-4340-85A3-A5531E510DB2}">
+      <thm15:themeFamily xmlns:thm15="http://schemas.microsoft.com/office/thememl/2012/main" name="Office Theme" id="{62F939B6-93AF-4DB8-9C6B-D6C7DFDC589F}" vid="{4A3C46E8-61CC-4603-A589-7422A47A8E4A}"/>
+    </a:ext>
+  </a:extLst>
+</a:theme>
 </file>